--- a/CW2/ResearchReport/Text Summarization.pptx
+++ b/CW2/ResearchReport/Text Summarization.pptx
@@ -108,6 +108,11 @@
       </a:defRPr>
     </a:lvl9pPr>
   </p:defaultTextStyle>
+  <p:extLst>
+    <p:ext uri="{EFAFB233-063F-42B5-8137-9DF3F51BA10A}">
+      <p15:sldGuideLst xmlns:p15="http://schemas.microsoft.com/office/powerpoint/2012/main"/>
+    </p:ext>
+  </p:extLst>
 </p:presentation>
 </file>
 
@@ -260,7 +265,7 @@
           <a:p>
             <a:fld id="{7D9FD6EF-153D-4C10-87C5-506FEAC8B33A}" type="datetimeFigureOut">
               <a:rPr lang="en-GB" smtClean="0"/>
-              <a:t>14/03/2020</a:t>
+              <a:t>08/04/2020</a:t>
             </a:fld>
             <a:endParaRPr lang="en-GB"/>
           </a:p>
@@ -460,7 +465,7 @@
           <a:p>
             <a:fld id="{7D9FD6EF-153D-4C10-87C5-506FEAC8B33A}" type="datetimeFigureOut">
               <a:rPr lang="en-GB" smtClean="0"/>
-              <a:t>14/03/2020</a:t>
+              <a:t>08/04/2020</a:t>
             </a:fld>
             <a:endParaRPr lang="en-GB"/>
           </a:p>
@@ -670,7 +675,7 @@
           <a:p>
             <a:fld id="{7D9FD6EF-153D-4C10-87C5-506FEAC8B33A}" type="datetimeFigureOut">
               <a:rPr lang="en-GB" smtClean="0"/>
-              <a:t>14/03/2020</a:t>
+              <a:t>08/04/2020</a:t>
             </a:fld>
             <a:endParaRPr lang="en-GB"/>
           </a:p>
@@ -870,7 +875,7 @@
           <a:p>
             <a:fld id="{7D9FD6EF-153D-4C10-87C5-506FEAC8B33A}" type="datetimeFigureOut">
               <a:rPr lang="en-GB" smtClean="0"/>
-              <a:t>14/03/2020</a:t>
+              <a:t>08/04/2020</a:t>
             </a:fld>
             <a:endParaRPr lang="en-GB"/>
           </a:p>
@@ -1146,7 +1151,7 @@
           <a:p>
             <a:fld id="{7D9FD6EF-153D-4C10-87C5-506FEAC8B33A}" type="datetimeFigureOut">
               <a:rPr lang="en-GB" smtClean="0"/>
-              <a:t>14/03/2020</a:t>
+              <a:t>08/04/2020</a:t>
             </a:fld>
             <a:endParaRPr lang="en-GB"/>
           </a:p>
@@ -1414,7 +1419,7 @@
           <a:p>
             <a:fld id="{7D9FD6EF-153D-4C10-87C5-506FEAC8B33A}" type="datetimeFigureOut">
               <a:rPr lang="en-GB" smtClean="0"/>
-              <a:t>14/03/2020</a:t>
+              <a:t>08/04/2020</a:t>
             </a:fld>
             <a:endParaRPr lang="en-GB"/>
           </a:p>
@@ -1829,7 +1834,7 @@
           <a:p>
             <a:fld id="{7D9FD6EF-153D-4C10-87C5-506FEAC8B33A}" type="datetimeFigureOut">
               <a:rPr lang="en-GB" smtClean="0"/>
-              <a:t>14/03/2020</a:t>
+              <a:t>08/04/2020</a:t>
             </a:fld>
             <a:endParaRPr lang="en-GB"/>
           </a:p>
@@ -1971,7 +1976,7 @@
           <a:p>
             <a:fld id="{7D9FD6EF-153D-4C10-87C5-506FEAC8B33A}" type="datetimeFigureOut">
               <a:rPr lang="en-GB" smtClean="0"/>
-              <a:t>14/03/2020</a:t>
+              <a:t>08/04/2020</a:t>
             </a:fld>
             <a:endParaRPr lang="en-GB"/>
           </a:p>
@@ -2084,7 +2089,7 @@
           <a:p>
             <a:fld id="{7D9FD6EF-153D-4C10-87C5-506FEAC8B33A}" type="datetimeFigureOut">
               <a:rPr lang="en-GB" smtClean="0"/>
-              <a:t>14/03/2020</a:t>
+              <a:t>08/04/2020</a:t>
             </a:fld>
             <a:endParaRPr lang="en-GB"/>
           </a:p>
@@ -2397,7 +2402,7 @@
           <a:p>
             <a:fld id="{7D9FD6EF-153D-4C10-87C5-506FEAC8B33A}" type="datetimeFigureOut">
               <a:rPr lang="en-GB" smtClean="0"/>
-              <a:t>14/03/2020</a:t>
+              <a:t>08/04/2020</a:t>
             </a:fld>
             <a:endParaRPr lang="en-GB"/>
           </a:p>
@@ -2686,7 +2691,7 @@
           <a:p>
             <a:fld id="{7D9FD6EF-153D-4C10-87C5-506FEAC8B33A}" type="datetimeFigureOut">
               <a:rPr lang="en-GB" smtClean="0"/>
-              <a:t>14/03/2020</a:t>
+              <a:t>08/04/2020</a:t>
             </a:fld>
             <a:endParaRPr lang="en-GB"/>
           </a:p>
@@ -2929,7 +2934,7 @@
           <a:p>
             <a:fld id="{7D9FD6EF-153D-4C10-87C5-506FEAC8B33A}" type="datetimeFigureOut">
               <a:rPr lang="en-GB" smtClean="0"/>
-              <a:t>14/03/2020</a:t>
+              <a:t>08/04/2020</a:t>
             </a:fld>
             <a:endParaRPr lang="en-GB"/>
           </a:p>
@@ -3452,7 +3457,7 @@
           <a:p>
             <a:r>
               <a:rPr lang="en-GB" dirty="0"/>
-              <a:t>motivations</a:t>
+              <a:t>Motivations</a:t>
             </a:r>
           </a:p>
         </p:txBody>
@@ -3478,7 +3483,7 @@
           <a:bodyPr/>
           <a:lstStyle/>
           <a:p>
-            <a:endParaRPr lang="en-GB"/>
+            <a:endParaRPr lang="en-GB" dirty="0"/>
           </a:p>
         </p:txBody>
       </p:sp>

--- a/CW2/ResearchReport/Text Summarization.pptx
+++ b/CW2/ResearchReport/Text Summarization.pptx
@@ -2,14 +2,19 @@
 <file path=ppt/presentation.xml><?xml version="1.0" encoding="utf-8"?>
 <p:presentation xmlns:a="http://schemas.openxmlformats.org/drawingml/2006/main" xmlns:r="http://schemas.openxmlformats.org/officeDocument/2006/relationships" xmlns:p="http://schemas.openxmlformats.org/presentationml/2006/main" saveSubsetFonts="1">
   <p:sldMasterIdLst>
-    <p:sldMasterId id="2147483648" r:id="rId1"/>
+    <p:sldMasterId id="2147483684" r:id="rId1"/>
   </p:sldMasterIdLst>
   <p:sldIdLst>
     <p:sldId id="256" r:id="rId2"/>
     <p:sldId id="257" r:id="rId3"/>
     <p:sldId id="258" r:id="rId4"/>
     <p:sldId id="259" r:id="rId5"/>
-    <p:sldId id="260" r:id="rId6"/>
+    <p:sldId id="263" r:id="rId6"/>
+    <p:sldId id="264" r:id="rId7"/>
+    <p:sldId id="260" r:id="rId8"/>
+    <p:sldId id="265" r:id="rId9"/>
+    <p:sldId id="267" r:id="rId10"/>
+    <p:sldId id="266" r:id="rId11"/>
   </p:sldIdLst>
   <p:sldSz cx="12192000" cy="6858000"/>
   <p:notesSz cx="6858000" cy="9144000"/>
@@ -17,7 +22,7 @@
     <a:defPPr>
       <a:defRPr lang="en-US"/>
     </a:defPPr>
-    <a:lvl1pPr marL="0" algn="l" defTabSz="914400" rtl="0" eaLnBrk="1" latinLnBrk="0" hangingPunct="1">
+    <a:lvl1pPr marL="0" algn="l" defTabSz="457200" rtl="0" eaLnBrk="1" latinLnBrk="0" hangingPunct="1">
       <a:defRPr sz="1800" kern="1200">
         <a:solidFill>
           <a:schemeClr val="tx1"/>
@@ -27,7 +32,7 @@
         <a:cs typeface="+mn-cs"/>
       </a:defRPr>
     </a:lvl1pPr>
-    <a:lvl2pPr marL="457200" algn="l" defTabSz="914400" rtl="0" eaLnBrk="1" latinLnBrk="0" hangingPunct="1">
+    <a:lvl2pPr marL="457200" algn="l" defTabSz="457200" rtl="0" eaLnBrk="1" latinLnBrk="0" hangingPunct="1">
       <a:defRPr sz="1800" kern="1200">
         <a:solidFill>
           <a:schemeClr val="tx1"/>
@@ -37,7 +42,7 @@
         <a:cs typeface="+mn-cs"/>
       </a:defRPr>
     </a:lvl2pPr>
-    <a:lvl3pPr marL="914400" algn="l" defTabSz="914400" rtl="0" eaLnBrk="1" latinLnBrk="0" hangingPunct="1">
+    <a:lvl3pPr marL="914400" algn="l" defTabSz="457200" rtl="0" eaLnBrk="1" latinLnBrk="0" hangingPunct="1">
       <a:defRPr sz="1800" kern="1200">
         <a:solidFill>
           <a:schemeClr val="tx1"/>
@@ -47,7 +52,7 @@
         <a:cs typeface="+mn-cs"/>
       </a:defRPr>
     </a:lvl3pPr>
-    <a:lvl4pPr marL="1371600" algn="l" defTabSz="914400" rtl="0" eaLnBrk="1" latinLnBrk="0" hangingPunct="1">
+    <a:lvl4pPr marL="1371600" algn="l" defTabSz="457200" rtl="0" eaLnBrk="1" latinLnBrk="0" hangingPunct="1">
       <a:defRPr sz="1800" kern="1200">
         <a:solidFill>
           <a:schemeClr val="tx1"/>
@@ -57,7 +62,7 @@
         <a:cs typeface="+mn-cs"/>
       </a:defRPr>
     </a:lvl4pPr>
-    <a:lvl5pPr marL="1828800" algn="l" defTabSz="914400" rtl="0" eaLnBrk="1" latinLnBrk="0" hangingPunct="1">
+    <a:lvl5pPr marL="1828800" algn="l" defTabSz="457200" rtl="0" eaLnBrk="1" latinLnBrk="0" hangingPunct="1">
       <a:defRPr sz="1800" kern="1200">
         <a:solidFill>
           <a:schemeClr val="tx1"/>
@@ -67,7 +72,7 @@
         <a:cs typeface="+mn-cs"/>
       </a:defRPr>
     </a:lvl5pPr>
-    <a:lvl6pPr marL="2286000" algn="l" defTabSz="914400" rtl="0" eaLnBrk="1" latinLnBrk="0" hangingPunct="1">
+    <a:lvl6pPr marL="2286000" algn="l" defTabSz="457200" rtl="0" eaLnBrk="1" latinLnBrk="0" hangingPunct="1">
       <a:defRPr sz="1800" kern="1200">
         <a:solidFill>
           <a:schemeClr val="tx1"/>
@@ -77,7 +82,7 @@
         <a:cs typeface="+mn-cs"/>
       </a:defRPr>
     </a:lvl6pPr>
-    <a:lvl7pPr marL="2743200" algn="l" defTabSz="914400" rtl="0" eaLnBrk="1" latinLnBrk="0" hangingPunct="1">
+    <a:lvl7pPr marL="2743200" algn="l" defTabSz="457200" rtl="0" eaLnBrk="1" latinLnBrk="0" hangingPunct="1">
       <a:defRPr sz="1800" kern="1200">
         <a:solidFill>
           <a:schemeClr val="tx1"/>
@@ -87,7 +92,7 @@
         <a:cs typeface="+mn-cs"/>
       </a:defRPr>
     </a:lvl7pPr>
-    <a:lvl8pPr marL="3200400" algn="l" defTabSz="914400" rtl="0" eaLnBrk="1" latinLnBrk="0" hangingPunct="1">
+    <a:lvl8pPr marL="3200400" algn="l" defTabSz="457200" rtl="0" eaLnBrk="1" latinLnBrk="0" hangingPunct="1">
       <a:defRPr sz="1800" kern="1200">
         <a:solidFill>
           <a:schemeClr val="tx1"/>
@@ -97,7 +102,7 @@
         <a:cs typeface="+mn-cs"/>
       </a:defRPr>
     </a:lvl8pPr>
-    <a:lvl9pPr marL="3657600" algn="l" defTabSz="914400" rtl="0" eaLnBrk="1" latinLnBrk="0" hangingPunct="1">
+    <a:lvl9pPr marL="3657600" algn="l" defTabSz="457200" rtl="0" eaLnBrk="1" latinLnBrk="0" hangingPunct="1">
       <a:defRPr sz="1800" kern="1200">
         <a:solidFill>
           <a:schemeClr val="tx1"/>
@@ -117,8 +122,13 @@
 </file>
 
 <file path=ppt/slideLayouts/slideLayout1.xml><?xml version="1.0" encoding="utf-8"?>
-<p:sldLayout xmlns:a="http://schemas.openxmlformats.org/drawingml/2006/main" xmlns:r="http://schemas.openxmlformats.org/officeDocument/2006/relationships" xmlns:p="http://schemas.openxmlformats.org/presentationml/2006/main" type="title" preserve="1">
+<p:sldLayout xmlns:a="http://schemas.openxmlformats.org/drawingml/2006/main" xmlns:r="http://schemas.openxmlformats.org/officeDocument/2006/relationships" xmlns:p="http://schemas.openxmlformats.org/presentationml/2006/main" showMasterSp="0" type="title" preserve="1">
   <p:cSld name="Title Slide">
+    <p:bg>
+      <p:bgRef idx="1001">
+        <a:schemeClr val="bg2"/>
+      </p:bgRef>
+    </p:bg>
     <p:spTree>
       <p:nvGrpSpPr>
         <p:cNvPr id="1" name=""/>
@@ -135,13 +145,204 @@
       </p:grpSpPr>
       <p:sp>
         <p:nvSpPr>
-          <p:cNvPr id="2" name="Title 1">
-            <a:extLst>
-              <a:ext uri="{FF2B5EF4-FFF2-40B4-BE49-F238E27FC236}">
-                <a16:creationId xmlns:a16="http://schemas.microsoft.com/office/drawing/2014/main" id="{8936F2C5-1724-408B-A2B7-B02C04B7C1B3}"/>
-              </a:ext>
-            </a:extLst>
-          </p:cNvPr>
+          <p:cNvPr id="12" name="Freeform 6" title="Page Number Shape"/>
+          <p:cNvSpPr/>
+          <p:nvPr/>
+        </p:nvSpPr>
+        <p:spPr bwMode="auto">
+          <a:xfrm>
+            <a:off x="11784011" y="1189204"/>
+            <a:ext cx="407988" cy="819150"/>
+          </a:xfrm>
+          <a:custGeom>
+            <a:avLst/>
+            <a:gdLst/>
+            <a:ahLst/>
+            <a:cxnLst/>
+            <a:rect l="0" t="0" r="r" b="b"/>
+            <a:pathLst>
+              <a:path w="1799" h="3612">
+                <a:moveTo>
+                  <a:pt x="1799" y="0"/>
+                </a:moveTo>
+                <a:lnTo>
+                  <a:pt x="1799" y="3612"/>
+                </a:lnTo>
+                <a:lnTo>
+                  <a:pt x="1686" y="3609"/>
+                </a:lnTo>
+                <a:lnTo>
+                  <a:pt x="1574" y="3598"/>
+                </a:lnTo>
+                <a:lnTo>
+                  <a:pt x="1464" y="3581"/>
+                </a:lnTo>
+                <a:lnTo>
+                  <a:pt x="1357" y="3557"/>
+                </a:lnTo>
+                <a:lnTo>
+                  <a:pt x="1251" y="3527"/>
+                </a:lnTo>
+                <a:lnTo>
+                  <a:pt x="1150" y="3490"/>
+                </a:lnTo>
+                <a:lnTo>
+                  <a:pt x="1050" y="3448"/>
+                </a:lnTo>
+                <a:lnTo>
+                  <a:pt x="953" y="3401"/>
+                </a:lnTo>
+                <a:lnTo>
+                  <a:pt x="860" y="3347"/>
+                </a:lnTo>
+                <a:lnTo>
+                  <a:pt x="771" y="3289"/>
+                </a:lnTo>
+                <a:lnTo>
+                  <a:pt x="686" y="3224"/>
+                </a:lnTo>
+                <a:lnTo>
+                  <a:pt x="604" y="3156"/>
+                </a:lnTo>
+                <a:lnTo>
+                  <a:pt x="527" y="3083"/>
+                </a:lnTo>
+                <a:lnTo>
+                  <a:pt x="454" y="3005"/>
+                </a:lnTo>
+                <a:lnTo>
+                  <a:pt x="386" y="2923"/>
+                </a:lnTo>
+                <a:lnTo>
+                  <a:pt x="323" y="2838"/>
+                </a:lnTo>
+                <a:lnTo>
+                  <a:pt x="265" y="2748"/>
+                </a:lnTo>
+                <a:lnTo>
+                  <a:pt x="211" y="2655"/>
+                </a:lnTo>
+                <a:lnTo>
+                  <a:pt x="163" y="2559"/>
+                </a:lnTo>
+                <a:lnTo>
+                  <a:pt x="121" y="2459"/>
+                </a:lnTo>
+                <a:lnTo>
+                  <a:pt x="85" y="2356"/>
+                </a:lnTo>
+                <a:lnTo>
+                  <a:pt x="55" y="2251"/>
+                </a:lnTo>
+                <a:lnTo>
+                  <a:pt x="32" y="2143"/>
+                </a:lnTo>
+                <a:lnTo>
+                  <a:pt x="14" y="2033"/>
+                </a:lnTo>
+                <a:lnTo>
+                  <a:pt x="4" y="1920"/>
+                </a:lnTo>
+                <a:lnTo>
+                  <a:pt x="0" y="1806"/>
+                </a:lnTo>
+                <a:lnTo>
+                  <a:pt x="4" y="1692"/>
+                </a:lnTo>
+                <a:lnTo>
+                  <a:pt x="14" y="1580"/>
+                </a:lnTo>
+                <a:lnTo>
+                  <a:pt x="32" y="1469"/>
+                </a:lnTo>
+                <a:lnTo>
+                  <a:pt x="55" y="1362"/>
+                </a:lnTo>
+                <a:lnTo>
+                  <a:pt x="85" y="1256"/>
+                </a:lnTo>
+                <a:lnTo>
+                  <a:pt x="121" y="1154"/>
+                </a:lnTo>
+                <a:lnTo>
+                  <a:pt x="163" y="1054"/>
+                </a:lnTo>
+                <a:lnTo>
+                  <a:pt x="211" y="958"/>
+                </a:lnTo>
+                <a:lnTo>
+                  <a:pt x="265" y="864"/>
+                </a:lnTo>
+                <a:lnTo>
+                  <a:pt x="323" y="774"/>
+                </a:lnTo>
+                <a:lnTo>
+                  <a:pt x="386" y="689"/>
+                </a:lnTo>
+                <a:lnTo>
+                  <a:pt x="454" y="607"/>
+                </a:lnTo>
+                <a:lnTo>
+                  <a:pt x="527" y="529"/>
+                </a:lnTo>
+                <a:lnTo>
+                  <a:pt x="604" y="456"/>
+                </a:lnTo>
+                <a:lnTo>
+                  <a:pt x="686" y="388"/>
+                </a:lnTo>
+                <a:lnTo>
+                  <a:pt x="771" y="325"/>
+                </a:lnTo>
+                <a:lnTo>
+                  <a:pt x="860" y="266"/>
+                </a:lnTo>
+                <a:lnTo>
+                  <a:pt x="953" y="212"/>
+                </a:lnTo>
+                <a:lnTo>
+                  <a:pt x="1050" y="164"/>
+                </a:lnTo>
+                <a:lnTo>
+                  <a:pt x="1150" y="122"/>
+                </a:lnTo>
+                <a:lnTo>
+                  <a:pt x="1251" y="85"/>
+                </a:lnTo>
+                <a:lnTo>
+                  <a:pt x="1357" y="55"/>
+                </a:lnTo>
+                <a:lnTo>
+                  <a:pt x="1464" y="32"/>
+                </a:lnTo>
+                <a:lnTo>
+                  <a:pt x="1574" y="14"/>
+                </a:lnTo>
+                <a:lnTo>
+                  <a:pt x="1686" y="5"/>
+                </a:lnTo>
+                <a:lnTo>
+                  <a:pt x="1799" y="0"/>
+                </a:lnTo>
+                <a:close/>
+              </a:path>
+            </a:pathLst>
+          </a:custGeom>
+          <a:solidFill>
+            <a:schemeClr val="tx2"/>
+          </a:solidFill>
+          <a:ln w="0">
+            <a:noFill/>
+            <a:prstDash val="solid"/>
+            <a:round/>
+            <a:headEnd/>
+            <a:tailEnd/>
+          </a:ln>
+        </p:spPr>
+      </p:sp>
+      <p:sp>
+        <p:nvSpPr>
+          <p:cNvPr id="2" name="Title 1"/>
           <p:cNvSpPr>
             <a:spLocks noGrp="1"/>
           </p:cNvSpPr>
@@ -151,15 +352,24 @@
         </p:nvSpPr>
         <p:spPr>
           <a:xfrm>
-            <a:off x="1524000" y="1122363"/>
-            <a:ext cx="9144000" cy="2387600"/>
+            <a:off x="1088913" y="1143293"/>
+            <a:ext cx="7034362" cy="4268965"/>
           </a:xfrm>
         </p:spPr>
         <p:txBody>
-          <a:bodyPr anchor="b"/>
+          <a:bodyPr anchor="t">
+            <a:normAutofit/>
+          </a:bodyPr>
           <a:lstStyle>
-            <a:lvl1pPr algn="ctr">
-              <a:defRPr sz="6000"/>
+            <a:lvl1pPr algn="l">
+              <a:lnSpc>
+                <a:spcPct val="85000"/>
+              </a:lnSpc>
+              <a:defRPr sz="7700" cap="all" baseline="0">
+                <a:solidFill>
+                  <a:schemeClr val="tx2"/>
+                </a:solidFill>
+              </a:defRPr>
             </a:lvl1pPr>
           </a:lstStyle>
           <a:p>
@@ -167,19 +377,13 @@
               <a:rPr lang="en-US"/>
               <a:t>Click to edit Master title style</a:t>
             </a:r>
-            <a:endParaRPr lang="en-GB"/>
-          </a:p>
-        </p:txBody>
-      </p:sp>
-      <p:sp>
-        <p:nvSpPr>
-          <p:cNvPr id="3" name="Subtitle 2">
-            <a:extLst>
-              <a:ext uri="{FF2B5EF4-FFF2-40B4-BE49-F238E27FC236}">
-                <a16:creationId xmlns:a16="http://schemas.microsoft.com/office/drawing/2014/main" id="{0A3D2EB9-382C-4784-9508-1651E6CAE1A2}"/>
-              </a:ext>
-            </a:extLst>
-          </p:cNvPr>
+            <a:endParaRPr lang="en-US" dirty="0"/>
+          </a:p>
+        </p:txBody>
+      </p:sp>
+      <p:sp>
+        <p:nvSpPr>
+          <p:cNvPr id="3" name="Subtitle 2"/>
           <p:cNvSpPr>
             <a:spLocks noGrp="1"/>
           </p:cNvSpPr>
@@ -189,16 +393,28 @@
         </p:nvSpPr>
         <p:spPr>
           <a:xfrm>
-            <a:off x="1524000" y="3602038"/>
-            <a:ext cx="9144000" cy="1655762"/>
+            <a:off x="1088914" y="5537925"/>
+            <a:ext cx="7034362" cy="706355"/>
           </a:xfrm>
         </p:spPr>
         <p:txBody>
-          <a:bodyPr/>
+          <a:bodyPr>
+            <a:normAutofit/>
+          </a:bodyPr>
           <a:lstStyle>
-            <a:lvl1pPr marL="0" indent="0" algn="ctr">
+            <a:lvl1pPr marL="0" indent="0" algn="l">
+              <a:lnSpc>
+                <a:spcPct val="114000"/>
+              </a:lnSpc>
+              <a:spcBef>
+                <a:spcPts val="0"/>
+              </a:spcBef>
               <a:buNone/>
-              <a:defRPr sz="2400"/>
+              <a:defRPr sz="2000" b="0" i="1" baseline="0">
+                <a:solidFill>
+                  <a:schemeClr val="tx2"/>
+                </a:solidFill>
+              </a:defRPr>
             </a:lvl1pPr>
             <a:lvl2pPr marL="457200" indent="0" algn="ctr">
               <a:buNone/>
@@ -238,19 +454,13 @@
               <a:rPr lang="en-US"/>
               <a:t>Click to edit Master subtitle style</a:t>
             </a:r>
-            <a:endParaRPr lang="en-GB"/>
-          </a:p>
-        </p:txBody>
-      </p:sp>
-      <p:sp>
-        <p:nvSpPr>
-          <p:cNvPr id="4" name="Date Placeholder 3">
-            <a:extLst>
-              <a:ext uri="{FF2B5EF4-FFF2-40B4-BE49-F238E27FC236}">
-                <a16:creationId xmlns:a16="http://schemas.microsoft.com/office/drawing/2014/main" id="{32A35FBC-4ED0-41AD-8400-8CD2E43291BD}"/>
-              </a:ext>
-            </a:extLst>
-          </p:cNvPr>
+            <a:endParaRPr lang="en-US" dirty="0"/>
+          </a:p>
+        </p:txBody>
+      </p:sp>
+      <p:sp>
+        <p:nvSpPr>
+          <p:cNvPr id="4" name="Date Placeholder 3"/>
           <p:cNvSpPr>
             <a:spLocks noGrp="1"/>
           </p:cNvSpPr>
@@ -258,10 +468,23 @@
             <p:ph type="dt" sz="half" idx="10"/>
           </p:nvPr>
         </p:nvSpPr>
-        <p:spPr/>
+        <p:spPr>
+          <a:xfrm>
+            <a:off x="1088913" y="6314440"/>
+            <a:ext cx="1596622" cy="365125"/>
+          </a:xfrm>
+        </p:spPr>
         <p:txBody>
           <a:bodyPr/>
-          <a:lstStyle/>
+          <a:lstStyle>
+            <a:lvl1pPr algn="l">
+              <a:defRPr sz="1200">
+                <a:solidFill>
+                  <a:schemeClr val="tx2"/>
+                </a:solidFill>
+              </a:defRPr>
+            </a:lvl1pPr>
+          </a:lstStyle>
           <a:p>
             <a:fld id="{7D9FD6EF-153D-4C10-87C5-506FEAC8B33A}" type="datetimeFigureOut">
               <a:rPr lang="en-GB" smtClean="0"/>
@@ -273,13 +496,7 @@
       </p:sp>
       <p:sp>
         <p:nvSpPr>
-          <p:cNvPr id="5" name="Footer Placeholder 4">
-            <a:extLst>
-              <a:ext uri="{FF2B5EF4-FFF2-40B4-BE49-F238E27FC236}">
-                <a16:creationId xmlns:a16="http://schemas.microsoft.com/office/drawing/2014/main" id="{3924EC18-5EE0-47F3-BE6B-BC4A343ED457}"/>
-              </a:ext>
-            </a:extLst>
-          </p:cNvPr>
+          <p:cNvPr id="5" name="Footer Placeholder 4"/>
           <p:cNvSpPr>
             <a:spLocks noGrp="1"/>
           </p:cNvSpPr>
@@ -287,10 +504,23 @@
             <p:ph type="ftr" sz="quarter" idx="11"/>
           </p:nvPr>
         </p:nvSpPr>
-        <p:spPr/>
+        <p:spPr>
+          <a:xfrm>
+            <a:off x="3000591" y="6314440"/>
+            <a:ext cx="5122683" cy="365125"/>
+          </a:xfrm>
+        </p:spPr>
         <p:txBody>
           <a:bodyPr/>
-          <a:lstStyle/>
+          <a:lstStyle>
+            <a:lvl1pPr algn="l">
+              <a:defRPr b="0">
+                <a:solidFill>
+                  <a:schemeClr val="tx2"/>
+                </a:solidFill>
+              </a:defRPr>
+            </a:lvl1pPr>
+          </a:lstStyle>
           <a:p>
             <a:endParaRPr lang="en-GB"/>
           </a:p>
@@ -298,13 +528,7 @@
       </p:sp>
       <p:sp>
         <p:nvSpPr>
-          <p:cNvPr id="6" name="Slide Number Placeholder 5">
-            <a:extLst>
-              <a:ext uri="{FF2B5EF4-FFF2-40B4-BE49-F238E27FC236}">
-                <a16:creationId xmlns:a16="http://schemas.microsoft.com/office/drawing/2014/main" id="{6DABA57F-20A9-4E0B-9198-D3E27E9E5B32}"/>
-              </a:ext>
-            </a:extLst>
-          </p:cNvPr>
+          <p:cNvPr id="6" name="Slide Number Placeholder 5"/>
           <p:cNvSpPr>
             <a:spLocks noGrp="1"/>
           </p:cNvSpPr>
@@ -312,10 +536,23 @@
             <p:ph type="sldNum" sz="quarter" idx="12"/>
           </p:nvPr>
         </p:nvSpPr>
-        <p:spPr/>
+        <p:spPr>
+          <a:xfrm>
+            <a:off x="11784011" y="1416216"/>
+            <a:ext cx="407988" cy="365125"/>
+          </a:xfrm>
+        </p:spPr>
         <p:txBody>
           <a:bodyPr/>
-          <a:lstStyle/>
+          <a:lstStyle>
+            <a:lvl1pPr algn="r">
+              <a:defRPr>
+                <a:solidFill>
+                  <a:schemeClr val="bg2"/>
+                </a:solidFill>
+              </a:defRPr>
+            </a:lvl1pPr>
+          </a:lstStyle>
           <a:p>
             <a:fld id="{FE7D6B55-F55E-4D15-BD2D-34D612D2E233}" type="slidenum">
               <a:rPr lang="en-GB" smtClean="0"/>
@@ -325,16 +562,62 @@
           </a:p>
         </p:txBody>
       </p:sp>
+      <p:cxnSp>
+        <p:nvCxnSpPr>
+          <p:cNvPr id="9" name="Straight Connector 8" title="Verticle Rule Line"/>
+          <p:cNvCxnSpPr/>
+          <p:nvPr/>
+        </p:nvCxnSpPr>
+        <p:spPr>
+          <a:xfrm>
+            <a:off x="773855" y="1257300"/>
+            <a:ext cx="0" cy="5600700"/>
+          </a:xfrm>
+          <a:prstGeom prst="line">
+            <a:avLst/>
+          </a:prstGeom>
+          <a:ln w="25400">
+            <a:solidFill>
+              <a:schemeClr val="tx2"/>
+            </a:solidFill>
+          </a:ln>
+        </p:spPr>
+        <p:style>
+          <a:lnRef idx="1">
+            <a:schemeClr val="accent1"/>
+          </a:lnRef>
+          <a:fillRef idx="0">
+            <a:schemeClr val="accent1"/>
+          </a:fillRef>
+          <a:effectRef idx="0">
+            <a:schemeClr val="accent1"/>
+          </a:effectRef>
+          <a:fontRef idx="minor">
+            <a:schemeClr val="tx1"/>
+          </a:fontRef>
+        </p:style>
+      </p:cxnSp>
     </p:spTree>
     <p:extLst>
       <p:ext uri="{BB962C8B-B14F-4D97-AF65-F5344CB8AC3E}">
-        <p14:creationId xmlns:p14="http://schemas.microsoft.com/office/powerpoint/2010/main" val="799727399"/>
+        <p14:creationId xmlns:p14="http://schemas.microsoft.com/office/powerpoint/2010/main" val="3894479314"/>
       </p:ext>
     </p:extLst>
   </p:cSld>
   <p:clrMapOvr>
-    <a:masterClrMapping/>
+    <a:overrideClrMapping bg1="dk1" tx1="lt1" bg2="dk2" tx2="lt2" accent1="accent1" accent2="accent2" accent3="accent3" accent4="accent4" accent5="accent5" accent6="accent6" hlink="hlink" folHlink="folHlink"/>
   </p:clrMapOvr>
+  <p:extLst>
+    <p:ext uri="{DCECCB84-F9BA-43D5-87BE-67443E8EF086}">
+      <p15:sldGuideLst xmlns:p15="http://schemas.microsoft.com/office/powerpoint/2012/main">
+        <p15:guide id="1" orient="horz" pos="792">
+          <p15:clr>
+            <a:srgbClr val="FBAE40"/>
+          </p15:clr>
+        </p15:guide>
+      </p15:sldGuideLst>
+    </p:ext>
+  </p:extLst>
 </p:sldLayout>
 </file>
 
@@ -357,13 +640,7 @@
       </p:grpSpPr>
       <p:sp>
         <p:nvSpPr>
-          <p:cNvPr id="2" name="Title 1">
-            <a:extLst>
-              <a:ext uri="{FF2B5EF4-FFF2-40B4-BE49-F238E27FC236}">
-                <a16:creationId xmlns:a16="http://schemas.microsoft.com/office/drawing/2014/main" id="{778475D3-E34C-4C3E-931C-1D0DD331ADC3}"/>
-              </a:ext>
-            </a:extLst>
-          </p:cNvPr>
+          <p:cNvPr id="2" name="Title 1"/>
           <p:cNvSpPr>
             <a:spLocks noGrp="1"/>
           </p:cNvSpPr>
@@ -380,19 +657,13 @@
               <a:rPr lang="en-US"/>
               <a:t>Click to edit Master title style</a:t>
             </a:r>
-            <a:endParaRPr lang="en-GB"/>
-          </a:p>
-        </p:txBody>
-      </p:sp>
-      <p:sp>
-        <p:nvSpPr>
-          <p:cNvPr id="3" name="Vertical Text Placeholder 2">
-            <a:extLst>
-              <a:ext uri="{FF2B5EF4-FFF2-40B4-BE49-F238E27FC236}">
-                <a16:creationId xmlns:a16="http://schemas.microsoft.com/office/drawing/2014/main" id="{99F4A195-2EFC-4D72-BCB9-44540D326E81}"/>
-              </a:ext>
-            </a:extLst>
-          </p:cNvPr>
+            <a:endParaRPr lang="en-US" dirty="0"/>
+          </a:p>
+        </p:txBody>
+      </p:sp>
+      <p:sp>
+        <p:nvSpPr>
+          <p:cNvPr id="3" name="Vertical Text Placeholder 2"/>
           <p:cNvSpPr>
             <a:spLocks noGrp="1"/>
           </p:cNvSpPr>
@@ -400,7 +671,12 @@
             <p:ph type="body" orient="vert" idx="1"/>
           </p:nvPr>
         </p:nvSpPr>
-        <p:spPr/>
+        <p:spPr>
+          <a:xfrm>
+            <a:off x="5181600" y="640080"/>
+            <a:ext cx="6248398" cy="5584142"/>
+          </a:xfrm>
+        </p:spPr>
         <p:txBody>
           <a:bodyPr vert="eaVert"/>
           <a:lstStyle/>
@@ -438,19 +714,13 @@
               <a:rPr lang="en-US"/>
               <a:t>Fifth level</a:t>
             </a:r>
-            <a:endParaRPr lang="en-GB"/>
-          </a:p>
-        </p:txBody>
-      </p:sp>
-      <p:sp>
-        <p:nvSpPr>
-          <p:cNvPr id="4" name="Date Placeholder 3">
-            <a:extLst>
-              <a:ext uri="{FF2B5EF4-FFF2-40B4-BE49-F238E27FC236}">
-                <a16:creationId xmlns:a16="http://schemas.microsoft.com/office/drawing/2014/main" id="{E543451F-13E3-479D-9D34-65A07117239C}"/>
-              </a:ext>
-            </a:extLst>
-          </p:cNvPr>
+            <a:endParaRPr lang="en-US" dirty="0"/>
+          </a:p>
+        </p:txBody>
+      </p:sp>
+      <p:sp>
+        <p:nvSpPr>
+          <p:cNvPr id="4" name="Date Placeholder 3"/>
           <p:cNvSpPr>
             <a:spLocks noGrp="1"/>
           </p:cNvSpPr>
@@ -473,13 +743,7 @@
       </p:sp>
       <p:sp>
         <p:nvSpPr>
-          <p:cNvPr id="5" name="Footer Placeholder 4">
-            <a:extLst>
-              <a:ext uri="{FF2B5EF4-FFF2-40B4-BE49-F238E27FC236}">
-                <a16:creationId xmlns:a16="http://schemas.microsoft.com/office/drawing/2014/main" id="{46EAFF34-A48A-4B1A-BA28-EF70530C88C9}"/>
-              </a:ext>
-            </a:extLst>
-          </p:cNvPr>
+          <p:cNvPr id="5" name="Footer Placeholder 4"/>
           <p:cNvSpPr>
             <a:spLocks noGrp="1"/>
           </p:cNvSpPr>
@@ -498,13 +762,7 @@
       </p:sp>
       <p:sp>
         <p:nvSpPr>
-          <p:cNvPr id="6" name="Slide Number Placeholder 5">
-            <a:extLst>
-              <a:ext uri="{FF2B5EF4-FFF2-40B4-BE49-F238E27FC236}">
-                <a16:creationId xmlns:a16="http://schemas.microsoft.com/office/drawing/2014/main" id="{638B8C79-183B-456E-9472-9A6BA6038F35}"/>
-              </a:ext>
-            </a:extLst>
-          </p:cNvPr>
+          <p:cNvPr id="6" name="Slide Number Placeholder 5"/>
           <p:cNvSpPr>
             <a:spLocks noGrp="1"/>
           </p:cNvSpPr>
@@ -528,7 +786,7 @@
     </p:spTree>
     <p:extLst>
       <p:ext uri="{BB962C8B-B14F-4D97-AF65-F5344CB8AC3E}">
-        <p14:creationId xmlns:p14="http://schemas.microsoft.com/office/powerpoint/2010/main" val="3688036461"/>
+        <p14:creationId xmlns:p14="http://schemas.microsoft.com/office/powerpoint/2010/main" val="3750014076"/>
       </p:ext>
     </p:extLst>
   </p:cSld>
@@ -539,7 +797,7 @@
 </file>
 
 <file path=ppt/slideLayouts/slideLayout11.xml><?xml version="1.0" encoding="utf-8"?>
-<p:sldLayout xmlns:a="http://schemas.openxmlformats.org/drawingml/2006/main" xmlns:r="http://schemas.openxmlformats.org/officeDocument/2006/relationships" xmlns:p="http://schemas.openxmlformats.org/presentationml/2006/main" type="vertTitleAndTx" preserve="1">
+<p:sldLayout xmlns:a="http://schemas.openxmlformats.org/drawingml/2006/main" xmlns:r="http://schemas.openxmlformats.org/officeDocument/2006/relationships" xmlns:p="http://schemas.openxmlformats.org/presentationml/2006/main" showMasterSp="0" type="vertTitleAndTx" preserve="1">
   <p:cSld name="Vertical Title and Text">
     <p:spTree>
       <p:nvGrpSpPr>
@@ -557,13 +815,204 @@
       </p:grpSpPr>
       <p:sp>
         <p:nvSpPr>
-          <p:cNvPr id="2" name="Vertical Title 1">
-            <a:extLst>
-              <a:ext uri="{FF2B5EF4-FFF2-40B4-BE49-F238E27FC236}">
-                <a16:creationId xmlns:a16="http://schemas.microsoft.com/office/drawing/2014/main" id="{1F6484C0-FE91-46BF-B357-97F911A74643}"/>
-              </a:ext>
-            </a:extLst>
-          </p:cNvPr>
+          <p:cNvPr id="12" name="Freeform 6" title="Page Number Shape"/>
+          <p:cNvSpPr/>
+          <p:nvPr/>
+        </p:nvSpPr>
+        <p:spPr bwMode="auto">
+          <a:xfrm>
+            <a:off x="11784011" y="5380580"/>
+            <a:ext cx="407988" cy="819150"/>
+          </a:xfrm>
+          <a:custGeom>
+            <a:avLst/>
+            <a:gdLst/>
+            <a:ahLst/>
+            <a:cxnLst/>
+            <a:rect l="0" t="0" r="r" b="b"/>
+            <a:pathLst>
+              <a:path w="1799" h="3612">
+                <a:moveTo>
+                  <a:pt x="1799" y="0"/>
+                </a:moveTo>
+                <a:lnTo>
+                  <a:pt x="1799" y="3612"/>
+                </a:lnTo>
+                <a:lnTo>
+                  <a:pt x="1686" y="3609"/>
+                </a:lnTo>
+                <a:lnTo>
+                  <a:pt x="1574" y="3598"/>
+                </a:lnTo>
+                <a:lnTo>
+                  <a:pt x="1464" y="3581"/>
+                </a:lnTo>
+                <a:lnTo>
+                  <a:pt x="1357" y="3557"/>
+                </a:lnTo>
+                <a:lnTo>
+                  <a:pt x="1251" y="3527"/>
+                </a:lnTo>
+                <a:lnTo>
+                  <a:pt x="1150" y="3490"/>
+                </a:lnTo>
+                <a:lnTo>
+                  <a:pt x="1050" y="3448"/>
+                </a:lnTo>
+                <a:lnTo>
+                  <a:pt x="953" y="3401"/>
+                </a:lnTo>
+                <a:lnTo>
+                  <a:pt x="860" y="3347"/>
+                </a:lnTo>
+                <a:lnTo>
+                  <a:pt x="771" y="3289"/>
+                </a:lnTo>
+                <a:lnTo>
+                  <a:pt x="686" y="3224"/>
+                </a:lnTo>
+                <a:lnTo>
+                  <a:pt x="604" y="3156"/>
+                </a:lnTo>
+                <a:lnTo>
+                  <a:pt x="527" y="3083"/>
+                </a:lnTo>
+                <a:lnTo>
+                  <a:pt x="454" y="3005"/>
+                </a:lnTo>
+                <a:lnTo>
+                  <a:pt x="386" y="2923"/>
+                </a:lnTo>
+                <a:lnTo>
+                  <a:pt x="323" y="2838"/>
+                </a:lnTo>
+                <a:lnTo>
+                  <a:pt x="265" y="2748"/>
+                </a:lnTo>
+                <a:lnTo>
+                  <a:pt x="211" y="2655"/>
+                </a:lnTo>
+                <a:lnTo>
+                  <a:pt x="163" y="2559"/>
+                </a:lnTo>
+                <a:lnTo>
+                  <a:pt x="121" y="2459"/>
+                </a:lnTo>
+                <a:lnTo>
+                  <a:pt x="85" y="2356"/>
+                </a:lnTo>
+                <a:lnTo>
+                  <a:pt x="55" y="2251"/>
+                </a:lnTo>
+                <a:lnTo>
+                  <a:pt x="32" y="2143"/>
+                </a:lnTo>
+                <a:lnTo>
+                  <a:pt x="14" y="2033"/>
+                </a:lnTo>
+                <a:lnTo>
+                  <a:pt x="4" y="1920"/>
+                </a:lnTo>
+                <a:lnTo>
+                  <a:pt x="0" y="1806"/>
+                </a:lnTo>
+                <a:lnTo>
+                  <a:pt x="4" y="1692"/>
+                </a:lnTo>
+                <a:lnTo>
+                  <a:pt x="14" y="1580"/>
+                </a:lnTo>
+                <a:lnTo>
+                  <a:pt x="32" y="1469"/>
+                </a:lnTo>
+                <a:lnTo>
+                  <a:pt x="55" y="1362"/>
+                </a:lnTo>
+                <a:lnTo>
+                  <a:pt x="85" y="1256"/>
+                </a:lnTo>
+                <a:lnTo>
+                  <a:pt x="121" y="1154"/>
+                </a:lnTo>
+                <a:lnTo>
+                  <a:pt x="163" y="1054"/>
+                </a:lnTo>
+                <a:lnTo>
+                  <a:pt x="211" y="958"/>
+                </a:lnTo>
+                <a:lnTo>
+                  <a:pt x="265" y="864"/>
+                </a:lnTo>
+                <a:lnTo>
+                  <a:pt x="323" y="774"/>
+                </a:lnTo>
+                <a:lnTo>
+                  <a:pt x="386" y="689"/>
+                </a:lnTo>
+                <a:lnTo>
+                  <a:pt x="454" y="607"/>
+                </a:lnTo>
+                <a:lnTo>
+                  <a:pt x="527" y="529"/>
+                </a:lnTo>
+                <a:lnTo>
+                  <a:pt x="604" y="456"/>
+                </a:lnTo>
+                <a:lnTo>
+                  <a:pt x="686" y="388"/>
+                </a:lnTo>
+                <a:lnTo>
+                  <a:pt x="771" y="325"/>
+                </a:lnTo>
+                <a:lnTo>
+                  <a:pt x="860" y="266"/>
+                </a:lnTo>
+                <a:lnTo>
+                  <a:pt x="953" y="212"/>
+                </a:lnTo>
+                <a:lnTo>
+                  <a:pt x="1050" y="164"/>
+                </a:lnTo>
+                <a:lnTo>
+                  <a:pt x="1150" y="122"/>
+                </a:lnTo>
+                <a:lnTo>
+                  <a:pt x="1251" y="85"/>
+                </a:lnTo>
+                <a:lnTo>
+                  <a:pt x="1357" y="55"/>
+                </a:lnTo>
+                <a:lnTo>
+                  <a:pt x="1464" y="32"/>
+                </a:lnTo>
+                <a:lnTo>
+                  <a:pt x="1574" y="14"/>
+                </a:lnTo>
+                <a:lnTo>
+                  <a:pt x="1686" y="5"/>
+                </a:lnTo>
+                <a:lnTo>
+                  <a:pt x="1799" y="0"/>
+                </a:lnTo>
+                <a:close/>
+              </a:path>
+            </a:pathLst>
+          </a:custGeom>
+          <a:solidFill>
+            <a:srgbClr val="262626"/>
+          </a:solidFill>
+          <a:ln w="0">
+            <a:noFill/>
+            <a:prstDash val="solid"/>
+            <a:round/>
+            <a:headEnd/>
+            <a:tailEnd/>
+          </a:ln>
+        </p:spPr>
+      </p:sp>
+      <p:sp>
+        <p:nvSpPr>
+          <p:cNvPr id="2" name="Vertical Title 1"/>
           <p:cNvSpPr>
             <a:spLocks noGrp="1"/>
           </p:cNvSpPr>
@@ -573,31 +1022,29 @@
         </p:nvSpPr>
         <p:spPr>
           <a:xfrm>
-            <a:off x="8724900" y="365125"/>
-            <a:ext cx="2628900" cy="5811838"/>
+            <a:off x="7990765" y="642931"/>
+            <a:ext cx="2446670" cy="4678106"/>
           </a:xfrm>
         </p:spPr>
         <p:txBody>
           <a:bodyPr vert="eaVert"/>
-          <a:lstStyle/>
+          <a:lstStyle>
+            <a:lvl1pPr algn="l">
+              <a:defRPr/>
+            </a:lvl1pPr>
+          </a:lstStyle>
           <a:p>
             <a:r>
               <a:rPr lang="en-US"/>
               <a:t>Click to edit Master title style</a:t>
             </a:r>
-            <a:endParaRPr lang="en-GB"/>
-          </a:p>
-        </p:txBody>
-      </p:sp>
-      <p:sp>
-        <p:nvSpPr>
-          <p:cNvPr id="3" name="Vertical Text Placeholder 2">
-            <a:extLst>
-              <a:ext uri="{FF2B5EF4-FFF2-40B4-BE49-F238E27FC236}">
-                <a16:creationId xmlns:a16="http://schemas.microsoft.com/office/drawing/2014/main" id="{E0B66B3C-B721-4CF8-A5AA-54FE018E9DA0}"/>
-              </a:ext>
-            </a:extLst>
-          </p:cNvPr>
+            <a:endParaRPr lang="en-US" dirty="0"/>
+          </a:p>
+        </p:txBody>
+      </p:sp>
+      <p:sp>
+        <p:nvSpPr>
+          <p:cNvPr id="3" name="Vertical Text Placeholder 2"/>
           <p:cNvSpPr>
             <a:spLocks noGrp="1"/>
           </p:cNvSpPr>
@@ -607,8 +1054,8 @@
         </p:nvSpPr>
         <p:spPr>
           <a:xfrm>
-            <a:off x="838200" y="365125"/>
-            <a:ext cx="7734300" cy="5811838"/>
+            <a:off x="838200" y="642932"/>
+            <a:ext cx="7070678" cy="4678105"/>
           </a:xfrm>
         </p:spPr>
         <p:txBody>
@@ -648,19 +1095,13 @@
               <a:rPr lang="en-US"/>
               <a:t>Fifth level</a:t>
             </a:r>
-            <a:endParaRPr lang="en-GB"/>
-          </a:p>
-        </p:txBody>
-      </p:sp>
-      <p:sp>
-        <p:nvSpPr>
-          <p:cNvPr id="4" name="Date Placeholder 3">
-            <a:extLst>
-              <a:ext uri="{FF2B5EF4-FFF2-40B4-BE49-F238E27FC236}">
-                <a16:creationId xmlns:a16="http://schemas.microsoft.com/office/drawing/2014/main" id="{8252F005-3C47-42A9-983E-BAFB3DDB64AD}"/>
-              </a:ext>
-            </a:extLst>
-          </p:cNvPr>
+            <a:endParaRPr lang="en-US" dirty="0"/>
+          </a:p>
+        </p:txBody>
+      </p:sp>
+      <p:sp>
+        <p:nvSpPr>
+          <p:cNvPr id="4" name="Date Placeholder 3"/>
           <p:cNvSpPr>
             <a:spLocks noGrp="1"/>
           </p:cNvSpPr>
@@ -668,7 +1109,12 @@
             <p:ph type="dt" sz="half" idx="10"/>
           </p:nvPr>
         </p:nvSpPr>
-        <p:spPr/>
+        <p:spPr>
+          <a:xfrm>
+            <a:off x="6536187" y="5927131"/>
+            <a:ext cx="3814856" cy="365125"/>
+          </a:xfrm>
+        </p:spPr>
         <p:txBody>
           <a:bodyPr/>
           <a:lstStyle/>
@@ -683,13 +1129,7 @@
       </p:sp>
       <p:sp>
         <p:nvSpPr>
-          <p:cNvPr id="5" name="Footer Placeholder 4">
-            <a:extLst>
-              <a:ext uri="{FF2B5EF4-FFF2-40B4-BE49-F238E27FC236}">
-                <a16:creationId xmlns:a16="http://schemas.microsoft.com/office/drawing/2014/main" id="{945EA8F2-CAB8-4CAA-8D42-3217867216CB}"/>
-              </a:ext>
-            </a:extLst>
-          </p:cNvPr>
+          <p:cNvPr id="5" name="Footer Placeholder 4"/>
           <p:cNvSpPr>
             <a:spLocks noGrp="1"/>
           </p:cNvSpPr>
@@ -697,7 +1137,12 @@
             <p:ph type="ftr" sz="quarter" idx="11"/>
           </p:nvPr>
         </p:nvSpPr>
-        <p:spPr/>
+        <p:spPr>
+          <a:xfrm>
+            <a:off x="6536187" y="6315949"/>
+            <a:ext cx="3814856" cy="365125"/>
+          </a:xfrm>
+        </p:spPr>
         <p:txBody>
           <a:bodyPr/>
           <a:lstStyle/>
@@ -708,13 +1153,7 @@
       </p:sp>
       <p:sp>
         <p:nvSpPr>
-          <p:cNvPr id="6" name="Slide Number Placeholder 5">
-            <a:extLst>
-              <a:ext uri="{FF2B5EF4-FFF2-40B4-BE49-F238E27FC236}">
-                <a16:creationId xmlns:a16="http://schemas.microsoft.com/office/drawing/2014/main" id="{6D8E23C8-C66B-4D7D-91BD-C3D2BC62F536}"/>
-              </a:ext>
-            </a:extLst>
-          </p:cNvPr>
+          <p:cNvPr id="6" name="Slide Number Placeholder 5"/>
           <p:cNvSpPr>
             <a:spLocks noGrp="1"/>
           </p:cNvSpPr>
@@ -722,7 +1161,12 @@
             <p:ph type="sldNum" sz="quarter" idx="12"/>
           </p:nvPr>
         </p:nvSpPr>
-        <p:spPr/>
+        <p:spPr>
+          <a:xfrm>
+            <a:off x="11784011" y="5607592"/>
+            <a:ext cx="407988" cy="365125"/>
+          </a:xfrm>
+        </p:spPr>
         <p:txBody>
           <a:bodyPr/>
           <a:lstStyle/>
@@ -735,16 +1179,65 @@
           </a:p>
         </p:txBody>
       </p:sp>
+      <p:cxnSp>
+        <p:nvCxnSpPr>
+          <p:cNvPr id="13" name="Straight Connector 12" title="Horizontal Rule Line"/>
+          <p:cNvCxnSpPr/>
+          <p:nvPr/>
+        </p:nvCxnSpPr>
+        <p:spPr>
+          <a:xfrm>
+            <a:off x="0" y="6199730"/>
+            <a:ext cx="10260011" cy="0"/>
+          </a:xfrm>
+          <a:prstGeom prst="line">
+            <a:avLst/>
+          </a:prstGeom>
+          <a:ln w="25400">
+            <a:solidFill>
+              <a:schemeClr val="tx1">
+                <a:lumMod val="85000"/>
+                <a:lumOff val="15000"/>
+              </a:schemeClr>
+            </a:solidFill>
+          </a:ln>
+        </p:spPr>
+        <p:style>
+          <a:lnRef idx="1">
+            <a:schemeClr val="accent1"/>
+          </a:lnRef>
+          <a:fillRef idx="0">
+            <a:schemeClr val="accent1"/>
+          </a:fillRef>
+          <a:effectRef idx="0">
+            <a:schemeClr val="accent1"/>
+          </a:effectRef>
+          <a:fontRef idx="minor">
+            <a:schemeClr val="tx1"/>
+          </a:fontRef>
+        </p:style>
+      </p:cxnSp>
     </p:spTree>
     <p:extLst>
       <p:ext uri="{BB962C8B-B14F-4D97-AF65-F5344CB8AC3E}">
-        <p14:creationId xmlns:p14="http://schemas.microsoft.com/office/powerpoint/2010/main" val="2084620054"/>
+        <p14:creationId xmlns:p14="http://schemas.microsoft.com/office/powerpoint/2010/main" val="2702187141"/>
       </p:ext>
     </p:extLst>
   </p:cSld>
   <p:clrMapOvr>
     <a:masterClrMapping/>
   </p:clrMapOvr>
+  <p:extLst>
+    <p:ext uri="{DCECCB84-F9BA-43D5-87BE-67443E8EF086}">
+      <p15:sldGuideLst xmlns:p15="http://schemas.microsoft.com/office/powerpoint/2012/main">
+        <p15:guide id="1" pos="6456">
+          <p15:clr>
+            <a:srgbClr val="FBAE40"/>
+          </p15:clr>
+        </p15:guide>
+      </p15:sldGuideLst>
+    </p:ext>
+  </p:extLst>
 </p:sldLayout>
 </file>
 
@@ -767,13 +1260,7 @@
       </p:grpSpPr>
       <p:sp>
         <p:nvSpPr>
-          <p:cNvPr id="2" name="Title 1">
-            <a:extLst>
-              <a:ext uri="{FF2B5EF4-FFF2-40B4-BE49-F238E27FC236}">
-                <a16:creationId xmlns:a16="http://schemas.microsoft.com/office/drawing/2014/main" id="{4D0B8C56-433D-4F14-BB50-471E03F3730A}"/>
-              </a:ext>
-            </a:extLst>
-          </p:cNvPr>
+          <p:cNvPr id="2" name="Title 1"/>
           <p:cNvSpPr>
             <a:spLocks noGrp="1"/>
           </p:cNvSpPr>
@@ -790,19 +1277,13 @@
               <a:rPr lang="en-US"/>
               <a:t>Click to edit Master title style</a:t>
             </a:r>
-            <a:endParaRPr lang="en-GB"/>
-          </a:p>
-        </p:txBody>
-      </p:sp>
-      <p:sp>
-        <p:nvSpPr>
-          <p:cNvPr id="3" name="Content Placeholder 2">
-            <a:extLst>
-              <a:ext uri="{FF2B5EF4-FFF2-40B4-BE49-F238E27FC236}">
-                <a16:creationId xmlns:a16="http://schemas.microsoft.com/office/drawing/2014/main" id="{7602A242-356C-4CF4-B04B-394050BC8D41}"/>
-              </a:ext>
-            </a:extLst>
-          </p:cNvPr>
+            <a:endParaRPr lang="en-US" dirty="0"/>
+          </a:p>
+        </p:txBody>
+      </p:sp>
+      <p:sp>
+        <p:nvSpPr>
+          <p:cNvPr id="3" name="Content Placeholder 2"/>
           <p:cNvSpPr>
             <a:spLocks noGrp="1"/>
           </p:cNvSpPr>
@@ -848,19 +1329,13 @@
               <a:rPr lang="en-US"/>
               <a:t>Fifth level</a:t>
             </a:r>
-            <a:endParaRPr lang="en-GB"/>
-          </a:p>
-        </p:txBody>
-      </p:sp>
-      <p:sp>
-        <p:nvSpPr>
-          <p:cNvPr id="4" name="Date Placeholder 3">
-            <a:extLst>
-              <a:ext uri="{FF2B5EF4-FFF2-40B4-BE49-F238E27FC236}">
-                <a16:creationId xmlns:a16="http://schemas.microsoft.com/office/drawing/2014/main" id="{DF48DA59-342F-426C-8FD2-6888B76C4146}"/>
-              </a:ext>
-            </a:extLst>
-          </p:cNvPr>
+            <a:endParaRPr lang="en-US" dirty="0"/>
+          </a:p>
+        </p:txBody>
+      </p:sp>
+      <p:sp>
+        <p:nvSpPr>
+          <p:cNvPr id="4" name="Date Placeholder 3"/>
           <p:cNvSpPr>
             <a:spLocks noGrp="1"/>
           </p:cNvSpPr>
@@ -883,13 +1358,7 @@
       </p:sp>
       <p:sp>
         <p:nvSpPr>
-          <p:cNvPr id="5" name="Footer Placeholder 4">
-            <a:extLst>
-              <a:ext uri="{FF2B5EF4-FFF2-40B4-BE49-F238E27FC236}">
-                <a16:creationId xmlns:a16="http://schemas.microsoft.com/office/drawing/2014/main" id="{21928150-DE38-4807-A818-2EECC5F8988C}"/>
-              </a:ext>
-            </a:extLst>
-          </p:cNvPr>
+          <p:cNvPr id="5" name="Footer Placeholder 4"/>
           <p:cNvSpPr>
             <a:spLocks noGrp="1"/>
           </p:cNvSpPr>
@@ -908,13 +1377,7 @@
       </p:sp>
       <p:sp>
         <p:nvSpPr>
-          <p:cNvPr id="6" name="Slide Number Placeholder 5">
-            <a:extLst>
-              <a:ext uri="{FF2B5EF4-FFF2-40B4-BE49-F238E27FC236}">
-                <a16:creationId xmlns:a16="http://schemas.microsoft.com/office/drawing/2014/main" id="{3BA897E3-3418-4466-94D0-FFE7B7ED8060}"/>
-              </a:ext>
-            </a:extLst>
-          </p:cNvPr>
+          <p:cNvPr id="6" name="Slide Number Placeholder 5"/>
           <p:cNvSpPr>
             <a:spLocks noGrp="1"/>
           </p:cNvSpPr>
@@ -938,7 +1401,7 @@
     </p:spTree>
     <p:extLst>
       <p:ext uri="{BB962C8B-B14F-4D97-AF65-F5344CB8AC3E}">
-        <p14:creationId xmlns:p14="http://schemas.microsoft.com/office/powerpoint/2010/main" val="1622487691"/>
+        <p14:creationId xmlns:p14="http://schemas.microsoft.com/office/powerpoint/2010/main" val="1013313900"/>
       </p:ext>
     </p:extLst>
   </p:cSld>
@@ -949,8 +1412,16 @@
 </file>
 
 <file path=ppt/slideLayouts/slideLayout3.xml><?xml version="1.0" encoding="utf-8"?>
-<p:sldLayout xmlns:a="http://schemas.openxmlformats.org/drawingml/2006/main" xmlns:r="http://schemas.openxmlformats.org/officeDocument/2006/relationships" xmlns:p="http://schemas.openxmlformats.org/presentationml/2006/main" type="secHead" preserve="1">
+<p:sldLayout xmlns:a="http://schemas.openxmlformats.org/drawingml/2006/main" xmlns:r="http://schemas.openxmlformats.org/officeDocument/2006/relationships" xmlns:p="http://schemas.openxmlformats.org/presentationml/2006/main" showMasterSp="0" type="secHead" preserve="1">
   <p:cSld name="Section Header">
+    <p:bg>
+      <p:bgPr>
+        <a:solidFill>
+          <a:schemeClr val="bg2"/>
+        </a:solidFill>
+        <a:effectLst/>
+      </p:bgPr>
+    </p:bg>
     <p:spTree>
       <p:nvGrpSpPr>
         <p:cNvPr id="1" name=""/>
@@ -967,13 +1438,207 @@
       </p:grpSpPr>
       <p:sp>
         <p:nvSpPr>
-          <p:cNvPr id="2" name="Title 1">
-            <a:extLst>
-              <a:ext uri="{FF2B5EF4-FFF2-40B4-BE49-F238E27FC236}">
-                <a16:creationId xmlns:a16="http://schemas.microsoft.com/office/drawing/2014/main" id="{3BD5F69E-4D73-4F3B-9C36-60935BA236AE}"/>
-              </a:ext>
-            </a:extLst>
-          </p:cNvPr>
+          <p:cNvPr id="7" name="Freeform 6" title="Page Number Shape"/>
+          <p:cNvSpPr/>
+          <p:nvPr/>
+        </p:nvSpPr>
+        <p:spPr bwMode="auto">
+          <a:xfrm>
+            <a:off x="11784011" y="1393748"/>
+            <a:ext cx="407988" cy="819150"/>
+          </a:xfrm>
+          <a:custGeom>
+            <a:avLst/>
+            <a:gdLst/>
+            <a:ahLst/>
+            <a:cxnLst/>
+            <a:rect l="0" t="0" r="r" b="b"/>
+            <a:pathLst>
+              <a:path w="1799" h="3612">
+                <a:moveTo>
+                  <a:pt x="1799" y="0"/>
+                </a:moveTo>
+                <a:lnTo>
+                  <a:pt x="1799" y="3612"/>
+                </a:lnTo>
+                <a:lnTo>
+                  <a:pt x="1686" y="3609"/>
+                </a:lnTo>
+                <a:lnTo>
+                  <a:pt x="1574" y="3598"/>
+                </a:lnTo>
+                <a:lnTo>
+                  <a:pt x="1464" y="3581"/>
+                </a:lnTo>
+                <a:lnTo>
+                  <a:pt x="1357" y="3557"/>
+                </a:lnTo>
+                <a:lnTo>
+                  <a:pt x="1251" y="3527"/>
+                </a:lnTo>
+                <a:lnTo>
+                  <a:pt x="1150" y="3490"/>
+                </a:lnTo>
+                <a:lnTo>
+                  <a:pt x="1050" y="3448"/>
+                </a:lnTo>
+                <a:lnTo>
+                  <a:pt x="953" y="3401"/>
+                </a:lnTo>
+                <a:lnTo>
+                  <a:pt x="860" y="3347"/>
+                </a:lnTo>
+                <a:lnTo>
+                  <a:pt x="771" y="3289"/>
+                </a:lnTo>
+                <a:lnTo>
+                  <a:pt x="686" y="3224"/>
+                </a:lnTo>
+                <a:lnTo>
+                  <a:pt x="604" y="3156"/>
+                </a:lnTo>
+                <a:lnTo>
+                  <a:pt x="527" y="3083"/>
+                </a:lnTo>
+                <a:lnTo>
+                  <a:pt x="454" y="3005"/>
+                </a:lnTo>
+                <a:lnTo>
+                  <a:pt x="386" y="2923"/>
+                </a:lnTo>
+                <a:lnTo>
+                  <a:pt x="323" y="2838"/>
+                </a:lnTo>
+                <a:lnTo>
+                  <a:pt x="265" y="2748"/>
+                </a:lnTo>
+                <a:lnTo>
+                  <a:pt x="211" y="2655"/>
+                </a:lnTo>
+                <a:lnTo>
+                  <a:pt x="163" y="2559"/>
+                </a:lnTo>
+                <a:lnTo>
+                  <a:pt x="121" y="2459"/>
+                </a:lnTo>
+                <a:lnTo>
+                  <a:pt x="85" y="2356"/>
+                </a:lnTo>
+                <a:lnTo>
+                  <a:pt x="55" y="2251"/>
+                </a:lnTo>
+                <a:lnTo>
+                  <a:pt x="32" y="2143"/>
+                </a:lnTo>
+                <a:lnTo>
+                  <a:pt x="14" y="2033"/>
+                </a:lnTo>
+                <a:lnTo>
+                  <a:pt x="4" y="1920"/>
+                </a:lnTo>
+                <a:lnTo>
+                  <a:pt x="0" y="1806"/>
+                </a:lnTo>
+                <a:lnTo>
+                  <a:pt x="4" y="1692"/>
+                </a:lnTo>
+                <a:lnTo>
+                  <a:pt x="14" y="1580"/>
+                </a:lnTo>
+                <a:lnTo>
+                  <a:pt x="32" y="1469"/>
+                </a:lnTo>
+                <a:lnTo>
+                  <a:pt x="55" y="1362"/>
+                </a:lnTo>
+                <a:lnTo>
+                  <a:pt x="85" y="1256"/>
+                </a:lnTo>
+                <a:lnTo>
+                  <a:pt x="121" y="1154"/>
+                </a:lnTo>
+                <a:lnTo>
+                  <a:pt x="163" y="1054"/>
+                </a:lnTo>
+                <a:lnTo>
+                  <a:pt x="211" y="958"/>
+                </a:lnTo>
+                <a:lnTo>
+                  <a:pt x="265" y="864"/>
+                </a:lnTo>
+                <a:lnTo>
+                  <a:pt x="323" y="774"/>
+                </a:lnTo>
+                <a:lnTo>
+                  <a:pt x="386" y="689"/>
+                </a:lnTo>
+                <a:lnTo>
+                  <a:pt x="454" y="607"/>
+                </a:lnTo>
+                <a:lnTo>
+                  <a:pt x="527" y="529"/>
+                </a:lnTo>
+                <a:lnTo>
+                  <a:pt x="604" y="456"/>
+                </a:lnTo>
+                <a:lnTo>
+                  <a:pt x="686" y="388"/>
+                </a:lnTo>
+                <a:lnTo>
+                  <a:pt x="771" y="325"/>
+                </a:lnTo>
+                <a:lnTo>
+                  <a:pt x="860" y="266"/>
+                </a:lnTo>
+                <a:lnTo>
+                  <a:pt x="953" y="212"/>
+                </a:lnTo>
+                <a:lnTo>
+                  <a:pt x="1050" y="164"/>
+                </a:lnTo>
+                <a:lnTo>
+                  <a:pt x="1150" y="122"/>
+                </a:lnTo>
+                <a:lnTo>
+                  <a:pt x="1251" y="85"/>
+                </a:lnTo>
+                <a:lnTo>
+                  <a:pt x="1357" y="55"/>
+                </a:lnTo>
+                <a:lnTo>
+                  <a:pt x="1464" y="32"/>
+                </a:lnTo>
+                <a:lnTo>
+                  <a:pt x="1574" y="14"/>
+                </a:lnTo>
+                <a:lnTo>
+                  <a:pt x="1686" y="5"/>
+                </a:lnTo>
+                <a:lnTo>
+                  <a:pt x="1799" y="0"/>
+                </a:lnTo>
+                <a:close/>
+              </a:path>
+            </a:pathLst>
+          </a:custGeom>
+          <a:solidFill>
+            <a:schemeClr val="tx1">
+              <a:lumMod val="85000"/>
+              <a:lumOff val="15000"/>
+            </a:schemeClr>
+          </a:solidFill>
+          <a:ln w="0">
+            <a:noFill/>
+            <a:prstDash val="solid"/>
+            <a:round/>
+            <a:headEnd/>
+            <a:tailEnd/>
+          </a:ln>
+        </p:spPr>
+      </p:sp>
+      <p:sp>
+        <p:nvSpPr>
+          <p:cNvPr id="2" name="Title 1"/>
           <p:cNvSpPr>
             <a:spLocks noGrp="1"/>
           </p:cNvSpPr>
@@ -983,15 +1648,27 @@
         </p:nvSpPr>
         <p:spPr>
           <a:xfrm>
-            <a:off x="831850" y="1709738"/>
-            <a:ext cx="10515600" cy="2852737"/>
+            <a:off x="1947673" y="2571722"/>
+            <a:ext cx="8296654" cy="3286153"/>
           </a:xfrm>
         </p:spPr>
         <p:txBody>
-          <a:bodyPr anchor="b"/>
+          <a:bodyPr anchor="t">
+            <a:normAutofit/>
+          </a:bodyPr>
           <a:lstStyle>
             <a:lvl1pPr>
-              <a:defRPr sz="6000"/>
+              <a:lnSpc>
+                <a:spcPct val="85000"/>
+              </a:lnSpc>
+              <a:defRPr sz="7700" cap="all" baseline="0">
+                <a:solidFill>
+                  <a:schemeClr val="tx1">
+                    <a:lumMod val="85000"/>
+                    <a:lumOff val="15000"/>
+                  </a:schemeClr>
+                </a:solidFill>
+              </a:defRPr>
             </a:lvl1pPr>
           </a:lstStyle>
           <a:p>
@@ -999,19 +1676,13 @@
               <a:rPr lang="en-US"/>
               <a:t>Click to edit Master title style</a:t>
             </a:r>
-            <a:endParaRPr lang="en-GB"/>
-          </a:p>
-        </p:txBody>
-      </p:sp>
-      <p:sp>
-        <p:nvSpPr>
-          <p:cNvPr id="3" name="Text Placeholder 2">
-            <a:extLst>
-              <a:ext uri="{FF2B5EF4-FFF2-40B4-BE49-F238E27FC236}">
-                <a16:creationId xmlns:a16="http://schemas.microsoft.com/office/drawing/2014/main" id="{CC8BCDA2-8EEF-490E-B629-76FEE001C82C}"/>
-              </a:ext>
-            </a:extLst>
-          </p:cNvPr>
+            <a:endParaRPr lang="en-US" dirty="0"/>
+          </a:p>
+        </p:txBody>
+      </p:sp>
+      <p:sp>
+        <p:nvSpPr>
+          <p:cNvPr id="3" name="Text Placeholder 2"/>
           <p:cNvSpPr>
             <a:spLocks noGrp="1"/>
           </p:cNvSpPr>
@@ -1021,19 +1692,28 @@
         </p:nvSpPr>
         <p:spPr>
           <a:xfrm>
-            <a:off x="831850" y="4589463"/>
-            <a:ext cx="10515600" cy="1500187"/>
+            <a:off x="1947673" y="1393748"/>
+            <a:ext cx="8401429" cy="819150"/>
           </a:xfrm>
         </p:spPr>
         <p:txBody>
-          <a:bodyPr/>
+          <a:bodyPr anchor="ctr">
+            <a:normAutofit/>
+          </a:bodyPr>
           <a:lstStyle>
-            <a:lvl1pPr marL="0" indent="0">
+            <a:lvl1pPr marL="0" indent="0" algn="r">
+              <a:lnSpc>
+                <a:spcPct val="113000"/>
+              </a:lnSpc>
+              <a:spcBef>
+                <a:spcPts val="0"/>
+              </a:spcBef>
               <a:buNone/>
-              <a:defRPr sz="2400">
+              <a:defRPr sz="2000" b="0" i="1" baseline="0">
                 <a:solidFill>
                   <a:schemeClr val="tx1">
-                    <a:tint val="75000"/>
+                    <a:lumMod val="85000"/>
+                    <a:lumOff val="15000"/>
                   </a:schemeClr>
                 </a:solidFill>
               </a:defRPr>
@@ -1130,13 +1810,7 @@
       </p:sp>
       <p:sp>
         <p:nvSpPr>
-          <p:cNvPr id="4" name="Date Placeholder 3">
-            <a:extLst>
-              <a:ext uri="{FF2B5EF4-FFF2-40B4-BE49-F238E27FC236}">
-                <a16:creationId xmlns:a16="http://schemas.microsoft.com/office/drawing/2014/main" id="{41C024C3-1F1E-4308-8774-FA734A7E5619}"/>
-              </a:ext>
-            </a:extLst>
-          </p:cNvPr>
+          <p:cNvPr id="4" name="Date Placeholder 3"/>
           <p:cNvSpPr>
             <a:spLocks noGrp="1"/>
           </p:cNvSpPr>
@@ -1144,10 +1818,26 @@
             <p:ph type="dt" sz="half" idx="10"/>
           </p:nvPr>
         </p:nvSpPr>
-        <p:spPr/>
+        <p:spPr>
+          <a:xfrm>
+            <a:off x="8742955" y="6314439"/>
+            <a:ext cx="1596622" cy="365125"/>
+          </a:xfrm>
+        </p:spPr>
         <p:txBody>
           <a:bodyPr/>
-          <a:lstStyle/>
+          <a:lstStyle>
+            <a:lvl1pPr>
+              <a:defRPr sz="1200">
+                <a:solidFill>
+                  <a:schemeClr val="tx1">
+                    <a:lumMod val="85000"/>
+                    <a:lumOff val="15000"/>
+                  </a:schemeClr>
+                </a:solidFill>
+              </a:defRPr>
+            </a:lvl1pPr>
+          </a:lstStyle>
           <a:p>
             <a:fld id="{7D9FD6EF-153D-4C10-87C5-506FEAC8B33A}" type="datetimeFigureOut">
               <a:rPr lang="en-GB" smtClean="0"/>
@@ -1159,13 +1849,7 @@
       </p:sp>
       <p:sp>
         <p:nvSpPr>
-          <p:cNvPr id="5" name="Footer Placeholder 4">
-            <a:extLst>
-              <a:ext uri="{FF2B5EF4-FFF2-40B4-BE49-F238E27FC236}">
-                <a16:creationId xmlns:a16="http://schemas.microsoft.com/office/drawing/2014/main" id="{7F50C55D-3430-45DC-BA57-7D39A32CB63B}"/>
-              </a:ext>
-            </a:extLst>
-          </p:cNvPr>
+          <p:cNvPr id="5" name="Footer Placeholder 4"/>
           <p:cNvSpPr>
             <a:spLocks noGrp="1"/>
           </p:cNvSpPr>
@@ -1173,10 +1857,26 @@
             <p:ph type="ftr" sz="quarter" idx="11"/>
           </p:nvPr>
         </p:nvSpPr>
-        <p:spPr/>
+        <p:spPr>
+          <a:xfrm>
+            <a:off x="1947673" y="6314440"/>
+            <a:ext cx="6480226" cy="365125"/>
+          </a:xfrm>
+        </p:spPr>
         <p:txBody>
           <a:bodyPr/>
-          <a:lstStyle/>
+          <a:lstStyle>
+            <a:lvl1pPr>
+              <a:defRPr b="0">
+                <a:solidFill>
+                  <a:schemeClr val="tx1">
+                    <a:lumMod val="85000"/>
+                    <a:lumOff val="15000"/>
+                  </a:schemeClr>
+                </a:solidFill>
+              </a:defRPr>
+            </a:lvl1pPr>
+          </a:lstStyle>
           <a:p>
             <a:endParaRPr lang="en-GB"/>
           </a:p>
@@ -1184,13 +1884,7 @@
       </p:sp>
       <p:sp>
         <p:nvSpPr>
-          <p:cNvPr id="6" name="Slide Number Placeholder 5">
-            <a:extLst>
-              <a:ext uri="{FF2B5EF4-FFF2-40B4-BE49-F238E27FC236}">
-                <a16:creationId xmlns:a16="http://schemas.microsoft.com/office/drawing/2014/main" id="{ABA65773-2BC4-4DD6-9EB8-3871EB5E2928}"/>
-              </a:ext>
-            </a:extLst>
-          </p:cNvPr>
+          <p:cNvPr id="6" name="Slide Number Placeholder 5"/>
           <p:cNvSpPr>
             <a:spLocks noGrp="1"/>
           </p:cNvSpPr>
@@ -1198,10 +1892,23 @@
             <p:ph type="sldNum" sz="quarter" idx="12"/>
           </p:nvPr>
         </p:nvSpPr>
-        <p:spPr/>
+        <p:spPr>
+          <a:xfrm>
+            <a:off x="11784011" y="1620760"/>
+            <a:ext cx="407988" cy="365125"/>
+          </a:xfrm>
+        </p:spPr>
         <p:txBody>
           <a:bodyPr/>
-          <a:lstStyle/>
+          <a:lstStyle>
+            <a:lvl1pPr>
+              <a:defRPr>
+                <a:solidFill>
+                  <a:schemeClr val="bg2"/>
+                </a:solidFill>
+              </a:defRPr>
+            </a:lvl1pPr>
+          </a:lstStyle>
           <a:p>
             <a:fld id="{FE7D6B55-F55E-4D15-BD2D-34D612D2E233}" type="slidenum">
               <a:rPr lang="en-GB" smtClean="0"/>
@@ -1211,16 +1918,65 @@
           </a:p>
         </p:txBody>
       </p:sp>
+      <p:cxnSp>
+        <p:nvCxnSpPr>
+          <p:cNvPr id="10" name="Straight Connector 9" title="Horizontal Rule Line"/>
+          <p:cNvCxnSpPr/>
+          <p:nvPr/>
+        </p:nvCxnSpPr>
+        <p:spPr>
+          <a:xfrm flipH="1">
+            <a:off x="1" y="6178167"/>
+            <a:ext cx="10244326" cy="0"/>
+          </a:xfrm>
+          <a:prstGeom prst="line">
+            <a:avLst/>
+          </a:prstGeom>
+          <a:ln w="25400">
+            <a:solidFill>
+              <a:schemeClr val="tx1">
+                <a:lumMod val="85000"/>
+                <a:lumOff val="15000"/>
+              </a:schemeClr>
+            </a:solidFill>
+          </a:ln>
+        </p:spPr>
+        <p:style>
+          <a:lnRef idx="1">
+            <a:schemeClr val="accent1"/>
+          </a:lnRef>
+          <a:fillRef idx="0">
+            <a:schemeClr val="accent1"/>
+          </a:fillRef>
+          <a:effectRef idx="0">
+            <a:schemeClr val="accent1"/>
+          </a:effectRef>
+          <a:fontRef idx="minor">
+            <a:schemeClr val="tx1"/>
+          </a:fontRef>
+        </p:style>
+      </p:cxnSp>
     </p:spTree>
     <p:extLst>
       <p:ext uri="{BB962C8B-B14F-4D97-AF65-F5344CB8AC3E}">
-        <p14:creationId xmlns:p14="http://schemas.microsoft.com/office/powerpoint/2010/main" val="699427282"/>
+        <p14:creationId xmlns:p14="http://schemas.microsoft.com/office/powerpoint/2010/main" val="2413653319"/>
       </p:ext>
     </p:extLst>
   </p:cSld>
   <p:clrMapOvr>
     <a:masterClrMapping/>
   </p:clrMapOvr>
+  <p:extLst>
+    <p:ext uri="{DCECCB84-F9BA-43D5-87BE-67443E8EF086}">
+      <p15:sldGuideLst xmlns:p15="http://schemas.microsoft.com/office/powerpoint/2012/main">
+        <p15:guide id="1" pos="6456">
+          <p15:clr>
+            <a:srgbClr val="FBAE40"/>
+          </p15:clr>
+        </p15:guide>
+      </p15:sldGuideLst>
+    </p:ext>
+  </p:extLst>
 </p:sldLayout>
 </file>
 
@@ -1243,13 +1999,7 @@
       </p:grpSpPr>
       <p:sp>
         <p:nvSpPr>
-          <p:cNvPr id="2" name="Title 1">
-            <a:extLst>
-              <a:ext uri="{FF2B5EF4-FFF2-40B4-BE49-F238E27FC236}">
-                <a16:creationId xmlns:a16="http://schemas.microsoft.com/office/drawing/2014/main" id="{1E0C9FAE-D405-490A-A00E-6519C549E239}"/>
-              </a:ext>
-            </a:extLst>
-          </p:cNvPr>
+          <p:cNvPr id="2" name="Title 1"/>
           <p:cNvSpPr>
             <a:spLocks noGrp="1"/>
           </p:cNvSpPr>
@@ -1266,19 +2016,13 @@
               <a:rPr lang="en-US"/>
               <a:t>Click to edit Master title style</a:t>
             </a:r>
-            <a:endParaRPr lang="en-GB"/>
-          </a:p>
-        </p:txBody>
-      </p:sp>
-      <p:sp>
-        <p:nvSpPr>
-          <p:cNvPr id="3" name="Content Placeholder 2">
-            <a:extLst>
-              <a:ext uri="{FF2B5EF4-FFF2-40B4-BE49-F238E27FC236}">
-                <a16:creationId xmlns:a16="http://schemas.microsoft.com/office/drawing/2014/main" id="{15BCF594-64BE-40D8-96AB-7B402988D365}"/>
-              </a:ext>
-            </a:extLst>
-          </p:cNvPr>
+            <a:endParaRPr lang="en-US" dirty="0"/>
+          </a:p>
+        </p:txBody>
+      </p:sp>
+      <p:sp>
+        <p:nvSpPr>
+          <p:cNvPr id="3" name="Content Placeholder 2"/>
           <p:cNvSpPr>
             <a:spLocks noGrp="1"/>
           </p:cNvSpPr>
@@ -1288,8 +2032,8 @@
         </p:nvSpPr>
         <p:spPr>
           <a:xfrm>
-            <a:off x="838200" y="1825625"/>
-            <a:ext cx="5181600" cy="4351338"/>
+            <a:off x="5181600" y="540628"/>
+            <a:ext cx="6248400" cy="2488946"/>
           </a:xfrm>
         </p:spPr>
         <p:txBody>
@@ -1329,19 +2073,13 @@
               <a:rPr lang="en-US"/>
               <a:t>Fifth level</a:t>
             </a:r>
-            <a:endParaRPr lang="en-GB"/>
-          </a:p>
-        </p:txBody>
-      </p:sp>
-      <p:sp>
-        <p:nvSpPr>
-          <p:cNvPr id="4" name="Content Placeholder 3">
-            <a:extLst>
-              <a:ext uri="{FF2B5EF4-FFF2-40B4-BE49-F238E27FC236}">
-                <a16:creationId xmlns:a16="http://schemas.microsoft.com/office/drawing/2014/main" id="{AAED2F90-7441-4156-865A-AB53791A9018}"/>
-              </a:ext>
-            </a:extLst>
-          </p:cNvPr>
+            <a:endParaRPr lang="en-US" dirty="0"/>
+          </a:p>
+        </p:txBody>
+      </p:sp>
+      <p:sp>
+        <p:nvSpPr>
+          <p:cNvPr id="4" name="Content Placeholder 3"/>
           <p:cNvSpPr>
             <a:spLocks noGrp="1"/>
           </p:cNvSpPr>
@@ -1351,8 +2089,8 @@
         </p:nvSpPr>
         <p:spPr>
           <a:xfrm>
-            <a:off x="6172200" y="1825625"/>
-            <a:ext cx="5181600" cy="4351338"/>
+            <a:off x="5181600" y="3712467"/>
+            <a:ext cx="6248400" cy="2482228"/>
           </a:xfrm>
         </p:spPr>
         <p:txBody>
@@ -1392,19 +2130,13 @@
               <a:rPr lang="en-US"/>
               <a:t>Fifth level</a:t>
             </a:r>
-            <a:endParaRPr lang="en-GB"/>
-          </a:p>
-        </p:txBody>
-      </p:sp>
-      <p:sp>
-        <p:nvSpPr>
-          <p:cNvPr id="5" name="Date Placeholder 4">
-            <a:extLst>
-              <a:ext uri="{FF2B5EF4-FFF2-40B4-BE49-F238E27FC236}">
-                <a16:creationId xmlns:a16="http://schemas.microsoft.com/office/drawing/2014/main" id="{6C72B2B1-8AAA-4F38-A4CE-C6F88FA7331C}"/>
-              </a:ext>
-            </a:extLst>
-          </p:cNvPr>
+            <a:endParaRPr lang="en-US" dirty="0"/>
+          </a:p>
+        </p:txBody>
+      </p:sp>
+      <p:sp>
+        <p:nvSpPr>
+          <p:cNvPr id="5" name="Date Placeholder 4"/>
           <p:cNvSpPr>
             <a:spLocks noGrp="1"/>
           </p:cNvSpPr>
@@ -1427,13 +2159,7 @@
       </p:sp>
       <p:sp>
         <p:nvSpPr>
-          <p:cNvPr id="6" name="Footer Placeholder 5">
-            <a:extLst>
-              <a:ext uri="{FF2B5EF4-FFF2-40B4-BE49-F238E27FC236}">
-                <a16:creationId xmlns:a16="http://schemas.microsoft.com/office/drawing/2014/main" id="{C473FDF6-70AC-472E-A339-163526C40B1E}"/>
-              </a:ext>
-            </a:extLst>
-          </p:cNvPr>
+          <p:cNvPr id="6" name="Footer Placeholder 5"/>
           <p:cNvSpPr>
             <a:spLocks noGrp="1"/>
           </p:cNvSpPr>
@@ -1452,13 +2178,7 @@
       </p:sp>
       <p:sp>
         <p:nvSpPr>
-          <p:cNvPr id="7" name="Slide Number Placeholder 6">
-            <a:extLst>
-              <a:ext uri="{FF2B5EF4-FFF2-40B4-BE49-F238E27FC236}">
-                <a16:creationId xmlns:a16="http://schemas.microsoft.com/office/drawing/2014/main" id="{AD56539F-C9D3-4DCD-A60E-EC41E967EED9}"/>
-              </a:ext>
-            </a:extLst>
-          </p:cNvPr>
+          <p:cNvPr id="7" name="Slide Number Placeholder 6"/>
           <p:cNvSpPr>
             <a:spLocks noGrp="1"/>
           </p:cNvSpPr>
@@ -1482,7 +2202,7 @@
     </p:spTree>
     <p:extLst>
       <p:ext uri="{BB962C8B-B14F-4D97-AF65-F5344CB8AC3E}">
-        <p14:creationId xmlns:p14="http://schemas.microsoft.com/office/powerpoint/2010/main" val="1492977589"/>
+        <p14:creationId xmlns:p14="http://schemas.microsoft.com/office/powerpoint/2010/main" val="2687396792"/>
       </p:ext>
     </p:extLst>
   </p:cSld>
@@ -1511,13 +2231,7 @@
       </p:grpSpPr>
       <p:sp>
         <p:nvSpPr>
-          <p:cNvPr id="2" name="Title 1">
-            <a:extLst>
-              <a:ext uri="{FF2B5EF4-FFF2-40B4-BE49-F238E27FC236}">
-                <a16:creationId xmlns:a16="http://schemas.microsoft.com/office/drawing/2014/main" id="{8051D7DB-9933-47F0-B3B2-D2C6430EA151}"/>
-              </a:ext>
-            </a:extLst>
-          </p:cNvPr>
+          <p:cNvPr id="2" name="Title 1"/>
           <p:cNvSpPr>
             <a:spLocks noGrp="1"/>
           </p:cNvSpPr>
@@ -1527,8 +2241,8 @@
         </p:nvSpPr>
         <p:spPr>
           <a:xfrm>
-            <a:off x="839788" y="365125"/>
-            <a:ext cx="10515600" cy="1325563"/>
+            <a:off x="762000" y="557784"/>
+            <a:ext cx="3831336" cy="4956048"/>
           </a:xfrm>
         </p:spPr>
         <p:txBody>
@@ -1539,19 +2253,13 @@
               <a:rPr lang="en-US"/>
               <a:t>Click to edit Master title style</a:t>
             </a:r>
-            <a:endParaRPr lang="en-GB"/>
-          </a:p>
-        </p:txBody>
-      </p:sp>
-      <p:sp>
-        <p:nvSpPr>
-          <p:cNvPr id="3" name="Text Placeholder 2">
-            <a:extLst>
-              <a:ext uri="{FF2B5EF4-FFF2-40B4-BE49-F238E27FC236}">
-                <a16:creationId xmlns:a16="http://schemas.microsoft.com/office/drawing/2014/main" id="{F0989926-5D4D-4609-98EC-E7053C608A77}"/>
-              </a:ext>
-            </a:extLst>
-          </p:cNvPr>
+            <a:endParaRPr lang="en-US" dirty="0"/>
+          </a:p>
+        </p:txBody>
+      </p:sp>
+      <p:sp>
+        <p:nvSpPr>
+          <p:cNvPr id="3" name="Text Placeholder 2"/>
           <p:cNvSpPr>
             <a:spLocks noGrp="1"/>
           </p:cNvSpPr>
@@ -1561,16 +2269,31 @@
         </p:nvSpPr>
         <p:spPr>
           <a:xfrm>
-            <a:off x="839788" y="1681163"/>
-            <a:ext cx="5157787" cy="823912"/>
+            <a:off x="5181600" y="558065"/>
+            <a:ext cx="6245352" cy="914400"/>
           </a:xfrm>
         </p:spPr>
         <p:txBody>
-          <a:bodyPr anchor="b"/>
+          <a:bodyPr anchor="b">
+            <a:normAutofit/>
+          </a:bodyPr>
           <a:lstStyle>
             <a:lvl1pPr marL="0" indent="0">
+              <a:lnSpc>
+                <a:spcPct val="113000"/>
+              </a:lnSpc>
+              <a:spcBef>
+                <a:spcPts val="0"/>
+              </a:spcBef>
               <a:buNone/>
-              <a:defRPr sz="2400" b="1"/>
+              <a:defRPr sz="2400" b="0" i="1" baseline="0">
+                <a:solidFill>
+                  <a:schemeClr val="tx1">
+                    <a:lumMod val="85000"/>
+                    <a:lumOff val="15000"/>
+                  </a:schemeClr>
+                </a:solidFill>
+              </a:defRPr>
             </a:lvl1pPr>
             <a:lvl2pPr marL="457200" indent="0">
               <a:buNone/>
@@ -1616,13 +2339,7 @@
       </p:sp>
       <p:sp>
         <p:nvSpPr>
-          <p:cNvPr id="4" name="Content Placeholder 3">
-            <a:extLst>
-              <a:ext uri="{FF2B5EF4-FFF2-40B4-BE49-F238E27FC236}">
-                <a16:creationId xmlns:a16="http://schemas.microsoft.com/office/drawing/2014/main" id="{9947A86E-417F-49B4-886B-2ECCAD381A48}"/>
-              </a:ext>
-            </a:extLst>
-          </p:cNvPr>
+          <p:cNvPr id="4" name="Content Placeholder 3"/>
           <p:cNvSpPr>
             <a:spLocks noGrp="1"/>
           </p:cNvSpPr>
@@ -1632,8 +2349,8 @@
         </p:nvSpPr>
         <p:spPr>
           <a:xfrm>
-            <a:off x="839788" y="2505075"/>
-            <a:ext cx="5157787" cy="3684588"/>
+            <a:off x="5181600" y="1526671"/>
+            <a:ext cx="6245352" cy="1755648"/>
           </a:xfrm>
         </p:spPr>
         <p:txBody>
@@ -1673,19 +2390,13 @@
               <a:rPr lang="en-US"/>
               <a:t>Fifth level</a:t>
             </a:r>
-            <a:endParaRPr lang="en-GB"/>
-          </a:p>
-        </p:txBody>
-      </p:sp>
-      <p:sp>
-        <p:nvSpPr>
-          <p:cNvPr id="5" name="Text Placeholder 4">
-            <a:extLst>
-              <a:ext uri="{FF2B5EF4-FFF2-40B4-BE49-F238E27FC236}">
-                <a16:creationId xmlns:a16="http://schemas.microsoft.com/office/drawing/2014/main" id="{D7881A58-9E98-425A-B61F-82F61BF9BB54}"/>
-              </a:ext>
-            </a:extLst>
-          </p:cNvPr>
+            <a:endParaRPr lang="en-US" dirty="0"/>
+          </a:p>
+        </p:txBody>
+      </p:sp>
+      <p:sp>
+        <p:nvSpPr>
+          <p:cNvPr id="5" name="Text Placeholder 4"/>
           <p:cNvSpPr>
             <a:spLocks noGrp="1"/>
           </p:cNvSpPr>
@@ -1695,16 +2406,25 @@
         </p:nvSpPr>
         <p:spPr>
           <a:xfrm>
-            <a:off x="6172200" y="1681163"/>
-            <a:ext cx="5183188" cy="823912"/>
+            <a:off x="5181600" y="3700826"/>
+            <a:ext cx="6248400" cy="914400"/>
           </a:xfrm>
         </p:spPr>
         <p:txBody>
-          <a:bodyPr anchor="b"/>
+          <a:bodyPr anchor="b">
+            <a:normAutofit/>
+          </a:bodyPr>
           <a:lstStyle>
             <a:lvl1pPr marL="0" indent="0">
               <a:buNone/>
-              <a:defRPr sz="2400" b="1"/>
+              <a:defRPr sz="2400" b="0" i="1" baseline="0">
+                <a:solidFill>
+                  <a:schemeClr val="tx1">
+                    <a:lumMod val="85000"/>
+                    <a:lumOff val="15000"/>
+                  </a:schemeClr>
+                </a:solidFill>
+              </a:defRPr>
             </a:lvl1pPr>
             <a:lvl2pPr marL="457200" indent="0">
               <a:buNone/>
@@ -1750,13 +2470,7 @@
       </p:sp>
       <p:sp>
         <p:nvSpPr>
-          <p:cNvPr id="6" name="Content Placeholder 5">
-            <a:extLst>
-              <a:ext uri="{FF2B5EF4-FFF2-40B4-BE49-F238E27FC236}">
-                <a16:creationId xmlns:a16="http://schemas.microsoft.com/office/drawing/2014/main" id="{9C70E193-9AF8-4ADD-A0EE-BCE7DF987C96}"/>
-              </a:ext>
-            </a:extLst>
-          </p:cNvPr>
+          <p:cNvPr id="6" name="Content Placeholder 5"/>
           <p:cNvSpPr>
             <a:spLocks noGrp="1"/>
           </p:cNvSpPr>
@@ -1766,8 +2480,8 @@
         </p:nvSpPr>
         <p:spPr>
           <a:xfrm>
-            <a:off x="6172200" y="2505075"/>
-            <a:ext cx="5183188" cy="3684588"/>
+            <a:off x="5181600" y="4669432"/>
+            <a:ext cx="6245352" cy="1755648"/>
           </a:xfrm>
         </p:spPr>
         <p:txBody>
@@ -1807,19 +2521,13 @@
               <a:rPr lang="en-US"/>
               <a:t>Fifth level</a:t>
             </a:r>
-            <a:endParaRPr lang="en-GB"/>
-          </a:p>
-        </p:txBody>
-      </p:sp>
-      <p:sp>
-        <p:nvSpPr>
-          <p:cNvPr id="7" name="Date Placeholder 6">
-            <a:extLst>
-              <a:ext uri="{FF2B5EF4-FFF2-40B4-BE49-F238E27FC236}">
-                <a16:creationId xmlns:a16="http://schemas.microsoft.com/office/drawing/2014/main" id="{A4BD91CE-22A5-4CFA-A7D2-5E429E36E259}"/>
-              </a:ext>
-            </a:extLst>
-          </p:cNvPr>
+            <a:endParaRPr lang="en-US" dirty="0"/>
+          </a:p>
+        </p:txBody>
+      </p:sp>
+      <p:sp>
+        <p:nvSpPr>
+          <p:cNvPr id="7" name="Date Placeholder 6"/>
           <p:cNvSpPr>
             <a:spLocks noGrp="1"/>
           </p:cNvSpPr>
@@ -1842,13 +2550,7 @@
       </p:sp>
       <p:sp>
         <p:nvSpPr>
-          <p:cNvPr id="8" name="Footer Placeholder 7">
-            <a:extLst>
-              <a:ext uri="{FF2B5EF4-FFF2-40B4-BE49-F238E27FC236}">
-                <a16:creationId xmlns:a16="http://schemas.microsoft.com/office/drawing/2014/main" id="{49AA4053-1E20-4BD2-A763-DA5EDDDDA2CE}"/>
-              </a:ext>
-            </a:extLst>
-          </p:cNvPr>
+          <p:cNvPr id="8" name="Footer Placeholder 7"/>
           <p:cNvSpPr>
             <a:spLocks noGrp="1"/>
           </p:cNvSpPr>
@@ -1867,13 +2569,7 @@
       </p:sp>
       <p:sp>
         <p:nvSpPr>
-          <p:cNvPr id="9" name="Slide Number Placeholder 8">
-            <a:extLst>
-              <a:ext uri="{FF2B5EF4-FFF2-40B4-BE49-F238E27FC236}">
-                <a16:creationId xmlns:a16="http://schemas.microsoft.com/office/drawing/2014/main" id="{D780215E-B78B-4445-9D1B-AD2776B442ED}"/>
-              </a:ext>
-            </a:extLst>
-          </p:cNvPr>
+          <p:cNvPr id="9" name="Slide Number Placeholder 8"/>
           <p:cNvSpPr>
             <a:spLocks noGrp="1"/>
           </p:cNvSpPr>
@@ -1897,7 +2593,7 @@
     </p:spTree>
     <p:extLst>
       <p:ext uri="{BB962C8B-B14F-4D97-AF65-F5344CB8AC3E}">
-        <p14:creationId xmlns:p14="http://schemas.microsoft.com/office/powerpoint/2010/main" val="1045969364"/>
+        <p14:creationId xmlns:p14="http://schemas.microsoft.com/office/powerpoint/2010/main" val="802700933"/>
       </p:ext>
     </p:extLst>
   </p:cSld>
@@ -1926,13 +2622,7 @@
       </p:grpSpPr>
       <p:sp>
         <p:nvSpPr>
-          <p:cNvPr id="2" name="Title 1">
-            <a:extLst>
-              <a:ext uri="{FF2B5EF4-FFF2-40B4-BE49-F238E27FC236}">
-                <a16:creationId xmlns:a16="http://schemas.microsoft.com/office/drawing/2014/main" id="{1A5561F8-97AF-46E2-B28A-7E8EC8D6E00C}"/>
-              </a:ext>
-            </a:extLst>
-          </p:cNvPr>
+          <p:cNvPr id="2" name="Title 1"/>
           <p:cNvSpPr>
             <a:spLocks noGrp="1"/>
           </p:cNvSpPr>
@@ -1949,19 +2639,13 @@
               <a:rPr lang="en-US"/>
               <a:t>Click to edit Master title style</a:t>
             </a:r>
-            <a:endParaRPr lang="en-GB"/>
-          </a:p>
-        </p:txBody>
-      </p:sp>
-      <p:sp>
-        <p:nvSpPr>
-          <p:cNvPr id="3" name="Date Placeholder 2">
-            <a:extLst>
-              <a:ext uri="{FF2B5EF4-FFF2-40B4-BE49-F238E27FC236}">
-                <a16:creationId xmlns:a16="http://schemas.microsoft.com/office/drawing/2014/main" id="{900DC0EA-085E-4957-81E1-50086C4C9B94}"/>
-              </a:ext>
-            </a:extLst>
-          </p:cNvPr>
+            <a:endParaRPr lang="en-US" dirty="0"/>
+          </a:p>
+        </p:txBody>
+      </p:sp>
+      <p:sp>
+        <p:nvSpPr>
+          <p:cNvPr id="3" name="Date Placeholder 2"/>
           <p:cNvSpPr>
             <a:spLocks noGrp="1"/>
           </p:cNvSpPr>
@@ -1984,13 +2668,7 @@
       </p:sp>
       <p:sp>
         <p:nvSpPr>
-          <p:cNvPr id="4" name="Footer Placeholder 3">
-            <a:extLst>
-              <a:ext uri="{FF2B5EF4-FFF2-40B4-BE49-F238E27FC236}">
-                <a16:creationId xmlns:a16="http://schemas.microsoft.com/office/drawing/2014/main" id="{E9096675-362D-400D-BBC6-45F20AE159DF}"/>
-              </a:ext>
-            </a:extLst>
-          </p:cNvPr>
+          <p:cNvPr id="4" name="Footer Placeholder 3"/>
           <p:cNvSpPr>
             <a:spLocks noGrp="1"/>
           </p:cNvSpPr>
@@ -2009,13 +2687,7 @@
       </p:sp>
       <p:sp>
         <p:nvSpPr>
-          <p:cNvPr id="5" name="Slide Number Placeholder 4">
-            <a:extLst>
-              <a:ext uri="{FF2B5EF4-FFF2-40B4-BE49-F238E27FC236}">
-                <a16:creationId xmlns:a16="http://schemas.microsoft.com/office/drawing/2014/main" id="{89BEA9D5-0E64-444D-BE71-1464FFF63742}"/>
-              </a:ext>
-            </a:extLst>
-          </p:cNvPr>
+          <p:cNvPr id="5" name="Slide Number Placeholder 4"/>
           <p:cNvSpPr>
             <a:spLocks noGrp="1"/>
           </p:cNvSpPr>
@@ -2039,7 +2711,7 @@
     </p:spTree>
     <p:extLst>
       <p:ext uri="{BB962C8B-B14F-4D97-AF65-F5344CB8AC3E}">
-        <p14:creationId xmlns:p14="http://schemas.microsoft.com/office/powerpoint/2010/main" val="3719546684"/>
+        <p14:creationId xmlns:p14="http://schemas.microsoft.com/office/powerpoint/2010/main" val="1448529903"/>
       </p:ext>
     </p:extLst>
   </p:cSld>
@@ -2068,13 +2740,7 @@
       </p:grpSpPr>
       <p:sp>
         <p:nvSpPr>
-          <p:cNvPr id="2" name="Date Placeholder 1">
-            <a:extLst>
-              <a:ext uri="{FF2B5EF4-FFF2-40B4-BE49-F238E27FC236}">
-                <a16:creationId xmlns:a16="http://schemas.microsoft.com/office/drawing/2014/main" id="{8A6C81E1-65F8-45BE-ABDA-CDCCEB791EEC}"/>
-              </a:ext>
-            </a:extLst>
-          </p:cNvPr>
+          <p:cNvPr id="2" name="Date Placeholder 1"/>
           <p:cNvSpPr>
             <a:spLocks noGrp="1"/>
           </p:cNvSpPr>
@@ -2097,13 +2763,7 @@
       </p:sp>
       <p:sp>
         <p:nvSpPr>
-          <p:cNvPr id="3" name="Footer Placeholder 2">
-            <a:extLst>
-              <a:ext uri="{FF2B5EF4-FFF2-40B4-BE49-F238E27FC236}">
-                <a16:creationId xmlns:a16="http://schemas.microsoft.com/office/drawing/2014/main" id="{64809FD1-9719-411A-B687-6C497B18A48B}"/>
-              </a:ext>
-            </a:extLst>
-          </p:cNvPr>
+          <p:cNvPr id="3" name="Footer Placeholder 2"/>
           <p:cNvSpPr>
             <a:spLocks noGrp="1"/>
           </p:cNvSpPr>
@@ -2122,13 +2782,7 @@
       </p:sp>
       <p:sp>
         <p:nvSpPr>
-          <p:cNvPr id="4" name="Slide Number Placeholder 3">
-            <a:extLst>
-              <a:ext uri="{FF2B5EF4-FFF2-40B4-BE49-F238E27FC236}">
-                <a16:creationId xmlns:a16="http://schemas.microsoft.com/office/drawing/2014/main" id="{422757AB-6258-42F3-9319-7FB57A6CE97D}"/>
-              </a:ext>
-            </a:extLst>
-          </p:cNvPr>
+          <p:cNvPr id="4" name="Slide Number Placeholder 3"/>
           <p:cNvSpPr>
             <a:spLocks noGrp="1"/>
           </p:cNvSpPr>
@@ -2152,7 +2806,7 @@
     </p:spTree>
     <p:extLst>
       <p:ext uri="{BB962C8B-B14F-4D97-AF65-F5344CB8AC3E}">
-        <p14:creationId xmlns:p14="http://schemas.microsoft.com/office/powerpoint/2010/main" val="4156678617"/>
+        <p14:creationId xmlns:p14="http://schemas.microsoft.com/office/powerpoint/2010/main" val="4291490230"/>
       </p:ext>
     </p:extLst>
   </p:cSld>
@@ -2181,13 +2835,7 @@
       </p:grpSpPr>
       <p:sp>
         <p:nvSpPr>
-          <p:cNvPr id="2" name="Title 1">
-            <a:extLst>
-              <a:ext uri="{FF2B5EF4-FFF2-40B4-BE49-F238E27FC236}">
-                <a16:creationId xmlns:a16="http://schemas.microsoft.com/office/drawing/2014/main" id="{3D8E988B-3895-4A95-B4D4-7ED2821A6749}"/>
-              </a:ext>
-            </a:extLst>
-          </p:cNvPr>
+          <p:cNvPr id="2" name="Title 1"/>
           <p:cNvSpPr>
             <a:spLocks noGrp="1"/>
           </p:cNvSpPr>
@@ -2197,15 +2845,20 @@
         </p:nvSpPr>
         <p:spPr>
           <a:xfrm>
-            <a:off x="839788" y="457200"/>
-            <a:ext cx="3932237" cy="1600200"/>
+            <a:off x="762000" y="555479"/>
+            <a:ext cx="3838776" cy="1921022"/>
           </a:xfrm>
         </p:spPr>
         <p:txBody>
-          <a:bodyPr anchor="b"/>
+          <a:bodyPr anchor="t">
+            <a:noAutofit/>
+          </a:bodyPr>
           <a:lstStyle>
             <a:lvl1pPr>
-              <a:defRPr sz="3200"/>
+              <a:lnSpc>
+                <a:spcPct val="93000"/>
+              </a:lnSpc>
+              <a:defRPr sz="4000"/>
             </a:lvl1pPr>
           </a:lstStyle>
           <a:p>
@@ -2213,19 +2866,13 @@
               <a:rPr lang="en-US"/>
               <a:t>Click to edit Master title style</a:t>
             </a:r>
-            <a:endParaRPr lang="en-GB"/>
-          </a:p>
-        </p:txBody>
-      </p:sp>
-      <p:sp>
-        <p:nvSpPr>
-          <p:cNvPr id="3" name="Content Placeholder 2">
-            <a:extLst>
-              <a:ext uri="{FF2B5EF4-FFF2-40B4-BE49-F238E27FC236}">
-                <a16:creationId xmlns:a16="http://schemas.microsoft.com/office/drawing/2014/main" id="{E0A008C9-2014-43D0-A633-63AFBF9DDF4A}"/>
-              </a:ext>
-            </a:extLst>
-          </p:cNvPr>
+            <a:endParaRPr lang="en-US" dirty="0"/>
+          </a:p>
+        </p:txBody>
+      </p:sp>
+      <p:sp>
+        <p:nvSpPr>
+          <p:cNvPr id="3" name="Content Placeholder 2"/>
           <p:cNvSpPr>
             <a:spLocks noGrp="1"/>
           </p:cNvSpPr>
@@ -2235,39 +2882,54 @@
         </p:nvSpPr>
         <p:spPr>
           <a:xfrm>
-            <a:off x="5183188" y="987425"/>
-            <a:ext cx="6172200" cy="4873625"/>
+            <a:off x="5181600" y="564147"/>
+            <a:ext cx="6248400" cy="5622644"/>
           </a:xfrm>
         </p:spPr>
         <p:txBody>
           <a:bodyPr/>
           <a:lstStyle>
             <a:lvl1pPr>
-              <a:defRPr sz="3200"/>
+              <a:lnSpc>
+                <a:spcPct val="112000"/>
+              </a:lnSpc>
+              <a:defRPr sz="2000"/>
             </a:lvl1pPr>
             <a:lvl2pPr>
-              <a:defRPr sz="2800"/>
+              <a:lnSpc>
+                <a:spcPct val="112000"/>
+              </a:lnSpc>
+              <a:defRPr sz="1800"/>
             </a:lvl2pPr>
             <a:lvl3pPr>
-              <a:defRPr sz="2400"/>
+              <a:lnSpc>
+                <a:spcPct val="112000"/>
+              </a:lnSpc>
+              <a:defRPr sz="1600"/>
             </a:lvl3pPr>
             <a:lvl4pPr>
-              <a:defRPr sz="2000"/>
+              <a:lnSpc>
+                <a:spcPct val="112000"/>
+              </a:lnSpc>
+              <a:defRPr sz="1400"/>
             </a:lvl4pPr>
             <a:lvl5pPr>
-              <a:defRPr sz="2000"/>
+              <a:lnSpc>
+                <a:spcPct val="112000"/>
+              </a:lnSpc>
+              <a:defRPr sz="1400"/>
             </a:lvl5pPr>
             <a:lvl6pPr>
-              <a:defRPr sz="2000"/>
+              <a:defRPr sz="1400"/>
             </a:lvl6pPr>
             <a:lvl7pPr>
-              <a:defRPr sz="2000"/>
+              <a:defRPr sz="1400"/>
             </a:lvl7pPr>
             <a:lvl8pPr>
-              <a:defRPr sz="2000"/>
+              <a:defRPr sz="1400"/>
             </a:lvl8pPr>
             <a:lvl9pPr>
-              <a:defRPr sz="2000"/>
+              <a:defRPr sz="1400"/>
             </a:lvl9pPr>
           </a:lstStyle>
           <a:p>
@@ -2304,19 +2966,13 @@
               <a:rPr lang="en-US"/>
               <a:t>Fifth level</a:t>
             </a:r>
-            <a:endParaRPr lang="en-GB"/>
-          </a:p>
-        </p:txBody>
-      </p:sp>
-      <p:sp>
-        <p:nvSpPr>
-          <p:cNvPr id="4" name="Text Placeholder 3">
-            <a:extLst>
-              <a:ext uri="{FF2B5EF4-FFF2-40B4-BE49-F238E27FC236}">
-                <a16:creationId xmlns:a16="http://schemas.microsoft.com/office/drawing/2014/main" id="{DAC82718-17DA-4315-BE04-3B2DEF215E92}"/>
-              </a:ext>
-            </a:extLst>
-          </p:cNvPr>
+            <a:endParaRPr lang="en-US" dirty="0"/>
+          </a:p>
+        </p:txBody>
+      </p:sp>
+      <p:sp>
+        <p:nvSpPr>
+          <p:cNvPr id="4" name="Text Placeholder 3"/>
           <p:cNvSpPr>
             <a:spLocks noGrp="1"/>
           </p:cNvSpPr>
@@ -2326,14 +2982,17 @@
         </p:nvSpPr>
         <p:spPr>
           <a:xfrm>
-            <a:off x="839788" y="2057400"/>
-            <a:ext cx="3932237" cy="3811588"/>
+            <a:off x="762000" y="2621512"/>
+            <a:ext cx="3838776" cy="3239537"/>
           </a:xfrm>
         </p:spPr>
         <p:txBody>
           <a:bodyPr/>
           <a:lstStyle>
-            <a:lvl1pPr marL="0" indent="0">
+            <a:lvl1pPr marL="0" indent="0" algn="r">
+              <a:lnSpc>
+                <a:spcPct val="125000"/>
+              </a:lnSpc>
               <a:buNone/>
               <a:defRPr sz="1600"/>
             </a:lvl1pPr>
@@ -2381,13 +3040,7 @@
       </p:sp>
       <p:sp>
         <p:nvSpPr>
-          <p:cNvPr id="5" name="Date Placeholder 4">
-            <a:extLst>
-              <a:ext uri="{FF2B5EF4-FFF2-40B4-BE49-F238E27FC236}">
-                <a16:creationId xmlns:a16="http://schemas.microsoft.com/office/drawing/2014/main" id="{E5158465-8591-480E-B79B-90BA9A7472DC}"/>
-              </a:ext>
-            </a:extLst>
-          </p:cNvPr>
+          <p:cNvPr id="5" name="Date Placeholder 4"/>
           <p:cNvSpPr>
             <a:spLocks noGrp="1"/>
           </p:cNvSpPr>
@@ -2410,13 +3063,7 @@
       </p:sp>
       <p:sp>
         <p:nvSpPr>
-          <p:cNvPr id="6" name="Footer Placeholder 5">
-            <a:extLst>
-              <a:ext uri="{FF2B5EF4-FFF2-40B4-BE49-F238E27FC236}">
-                <a16:creationId xmlns:a16="http://schemas.microsoft.com/office/drawing/2014/main" id="{BD4334AA-AA37-4662-BB1C-141374E172B7}"/>
-              </a:ext>
-            </a:extLst>
-          </p:cNvPr>
+          <p:cNvPr id="6" name="Footer Placeholder 5"/>
           <p:cNvSpPr>
             <a:spLocks noGrp="1"/>
           </p:cNvSpPr>
@@ -2435,13 +3082,7 @@
       </p:sp>
       <p:sp>
         <p:nvSpPr>
-          <p:cNvPr id="7" name="Slide Number Placeholder 6">
-            <a:extLst>
-              <a:ext uri="{FF2B5EF4-FFF2-40B4-BE49-F238E27FC236}">
-                <a16:creationId xmlns:a16="http://schemas.microsoft.com/office/drawing/2014/main" id="{3FF1AD43-C37F-40B5-A01D-80EAD3010D62}"/>
-              </a:ext>
-            </a:extLst>
-          </p:cNvPr>
+          <p:cNvPr id="7" name="Slide Number Placeholder 6"/>
           <p:cNvSpPr>
             <a:spLocks noGrp="1"/>
           </p:cNvSpPr>
@@ -2465,7 +3106,7 @@
     </p:spTree>
     <p:extLst>
       <p:ext uri="{BB962C8B-B14F-4D97-AF65-F5344CB8AC3E}">
-        <p14:creationId xmlns:p14="http://schemas.microsoft.com/office/powerpoint/2010/main" val="375684769"/>
+        <p14:creationId xmlns:p14="http://schemas.microsoft.com/office/powerpoint/2010/main" val="1918494411"/>
       </p:ext>
     </p:extLst>
   </p:cSld>
@@ -2494,13 +3135,7 @@
       </p:grpSpPr>
       <p:sp>
         <p:nvSpPr>
-          <p:cNvPr id="2" name="Title 1">
-            <a:extLst>
-              <a:ext uri="{FF2B5EF4-FFF2-40B4-BE49-F238E27FC236}">
-                <a16:creationId xmlns:a16="http://schemas.microsoft.com/office/drawing/2014/main" id="{2BCB041F-2829-4030-BCED-403C88D4292A}"/>
-              </a:ext>
-            </a:extLst>
-          </p:cNvPr>
+          <p:cNvPr id="2" name="Title 1"/>
           <p:cNvSpPr>
             <a:spLocks noGrp="1"/>
           </p:cNvSpPr>
@@ -2510,15 +3145,20 @@
         </p:nvSpPr>
         <p:spPr>
           <a:xfrm>
-            <a:off x="839788" y="457200"/>
-            <a:ext cx="3932237" cy="1600200"/>
+            <a:off x="758952" y="557261"/>
+            <a:ext cx="3840480" cy="1919239"/>
           </a:xfrm>
         </p:spPr>
         <p:txBody>
-          <a:bodyPr anchor="b"/>
+          <a:bodyPr anchor="t">
+            <a:noAutofit/>
+          </a:bodyPr>
           <a:lstStyle>
             <a:lvl1pPr>
-              <a:defRPr sz="3200"/>
+              <a:lnSpc>
+                <a:spcPct val="93000"/>
+              </a:lnSpc>
+              <a:defRPr sz="4000" baseline="0"/>
             </a:lvl1pPr>
           </a:lstStyle>
           <a:p>
@@ -2526,21 +3166,15 @@
               <a:rPr lang="en-US"/>
               <a:t>Click to edit Master title style</a:t>
             </a:r>
-            <a:endParaRPr lang="en-GB"/>
-          </a:p>
-        </p:txBody>
-      </p:sp>
-      <p:sp>
-        <p:nvSpPr>
-          <p:cNvPr id="3" name="Picture Placeholder 2">
-            <a:extLst>
-              <a:ext uri="{FF2B5EF4-FFF2-40B4-BE49-F238E27FC236}">
-                <a16:creationId xmlns:a16="http://schemas.microsoft.com/office/drawing/2014/main" id="{734211A6-4213-47D0-8768-C547028AAD2F}"/>
-              </a:ext>
-            </a:extLst>
-          </p:cNvPr>
-          <p:cNvSpPr>
-            <a:spLocks noGrp="1"/>
+            <a:endParaRPr lang="en-US" dirty="0"/>
+          </a:p>
+        </p:txBody>
+      </p:sp>
+      <p:sp>
+        <p:nvSpPr>
+          <p:cNvPr id="3" name="Picture Placeholder 2"/>
+          <p:cNvSpPr>
+            <a:spLocks noGrp="1" noChangeAspect="1"/>
           </p:cNvSpPr>
           <p:nvPr>
             <p:ph type="pic" idx="1"/>
@@ -2548,12 +3182,12 @@
         </p:nvSpPr>
         <p:spPr>
           <a:xfrm>
-            <a:off x="5183188" y="987425"/>
-            <a:ext cx="6172200" cy="4873625"/>
+            <a:off x="5257800" y="0"/>
+            <a:ext cx="6172200" cy="6857999"/>
           </a:xfrm>
         </p:spPr>
         <p:txBody>
-          <a:bodyPr/>
+          <a:bodyPr anchor="t"/>
           <a:lstStyle>
             <a:lvl1pPr marL="0" indent="0">
               <a:buNone/>
@@ -2593,19 +3227,17 @@
             </a:lvl9pPr>
           </a:lstStyle>
           <a:p>
-            <a:endParaRPr lang="en-GB"/>
-          </a:p>
-        </p:txBody>
-      </p:sp>
-      <p:sp>
-        <p:nvSpPr>
-          <p:cNvPr id="4" name="Text Placeholder 3">
-            <a:extLst>
-              <a:ext uri="{FF2B5EF4-FFF2-40B4-BE49-F238E27FC236}">
-                <a16:creationId xmlns:a16="http://schemas.microsoft.com/office/drawing/2014/main" id="{75D9666D-C0B9-43D2-9FCB-07F2EA01C654}"/>
-              </a:ext>
-            </a:extLst>
-          </p:cNvPr>
+            <a:r>
+              <a:rPr lang="en-US"/>
+              <a:t>Click icon to add picture</a:t>
+            </a:r>
+            <a:endParaRPr lang="en-US" dirty="0"/>
+          </a:p>
+        </p:txBody>
+      </p:sp>
+      <p:sp>
+        <p:nvSpPr>
+          <p:cNvPr id="4" name="Text Placeholder 3"/>
           <p:cNvSpPr>
             <a:spLocks noGrp="1"/>
           </p:cNvSpPr>
@@ -2615,14 +3247,17 @@
         </p:nvSpPr>
         <p:spPr>
           <a:xfrm>
-            <a:off x="839788" y="2057400"/>
-            <a:ext cx="3932237" cy="3811588"/>
+            <a:off x="758952" y="2621512"/>
+            <a:ext cx="3840480" cy="3236976"/>
           </a:xfrm>
         </p:spPr>
         <p:txBody>
           <a:bodyPr/>
           <a:lstStyle>
-            <a:lvl1pPr marL="0" indent="0">
+            <a:lvl1pPr marL="0" indent="0" algn="r">
+              <a:lnSpc>
+                <a:spcPct val="125000"/>
+              </a:lnSpc>
               <a:buNone/>
               <a:defRPr sz="1600"/>
             </a:lvl1pPr>
@@ -2670,13 +3305,7 @@
       </p:sp>
       <p:sp>
         <p:nvSpPr>
-          <p:cNvPr id="5" name="Date Placeholder 4">
-            <a:extLst>
-              <a:ext uri="{FF2B5EF4-FFF2-40B4-BE49-F238E27FC236}">
-                <a16:creationId xmlns:a16="http://schemas.microsoft.com/office/drawing/2014/main" id="{4817694D-7D73-4131-9857-E1393EA3B93E}"/>
-              </a:ext>
-            </a:extLst>
-          </p:cNvPr>
+          <p:cNvPr id="5" name="Date Placeholder 4"/>
           <p:cNvSpPr>
             <a:spLocks noGrp="1"/>
           </p:cNvSpPr>
@@ -2699,13 +3328,7 @@
       </p:sp>
       <p:sp>
         <p:nvSpPr>
-          <p:cNvPr id="6" name="Footer Placeholder 5">
-            <a:extLst>
-              <a:ext uri="{FF2B5EF4-FFF2-40B4-BE49-F238E27FC236}">
-                <a16:creationId xmlns:a16="http://schemas.microsoft.com/office/drawing/2014/main" id="{F2293D21-6DB1-4D8E-AEF3-4F338978E02E}"/>
-              </a:ext>
-            </a:extLst>
-          </p:cNvPr>
+          <p:cNvPr id="6" name="Footer Placeholder 5"/>
           <p:cNvSpPr>
             <a:spLocks noGrp="1"/>
           </p:cNvSpPr>
@@ -2724,13 +3347,7 @@
       </p:sp>
       <p:sp>
         <p:nvSpPr>
-          <p:cNvPr id="7" name="Slide Number Placeholder 6">
-            <a:extLst>
-              <a:ext uri="{FF2B5EF4-FFF2-40B4-BE49-F238E27FC236}">
-                <a16:creationId xmlns:a16="http://schemas.microsoft.com/office/drawing/2014/main" id="{95C9A7BB-4915-48AF-81C4-F58DA04E8CFD}"/>
-              </a:ext>
-            </a:extLst>
-          </p:cNvPr>
+          <p:cNvPr id="7" name="Slide Number Placeholder 6"/>
           <p:cNvSpPr>
             <a:spLocks noGrp="1"/>
           </p:cNvSpPr>
@@ -2754,7 +3371,7 @@
     </p:spTree>
     <p:extLst>
       <p:ext uri="{BB962C8B-B14F-4D97-AF65-F5344CB8AC3E}">
-        <p14:creationId xmlns:p14="http://schemas.microsoft.com/office/powerpoint/2010/main" val="1048544391"/>
+        <p14:creationId xmlns:p14="http://schemas.microsoft.com/office/powerpoint/2010/main" val="2115418918"/>
       </p:ext>
     </p:extLst>
   </p:cSld>
@@ -2768,9 +3385,12 @@
 <p:sldMaster xmlns:a="http://schemas.openxmlformats.org/drawingml/2006/main" xmlns:r="http://schemas.openxmlformats.org/officeDocument/2006/relationships" xmlns:p="http://schemas.openxmlformats.org/presentationml/2006/main">
   <p:cSld>
     <p:bg>
-      <p:bgRef idx="1001">
-        <a:schemeClr val="bg1"/>
-      </p:bgRef>
+      <p:bgPr>
+        <a:solidFill>
+          <a:schemeClr val="bg2"/>
+        </a:solidFill>
+        <a:effectLst/>
+      </p:bgPr>
     </p:bg>
     <p:spTree>
       <p:nvGrpSpPr>
@@ -2788,13 +3408,207 @@
       </p:grpSpPr>
       <p:sp>
         <p:nvSpPr>
-          <p:cNvPr id="2" name="Title Placeholder 1">
-            <a:extLst>
-              <a:ext uri="{FF2B5EF4-FFF2-40B4-BE49-F238E27FC236}">
-                <a16:creationId xmlns:a16="http://schemas.microsoft.com/office/drawing/2014/main" id="{EFE5C4E2-32D7-4F97-8F08-58A82699782A}"/>
-              </a:ext>
-            </a:extLst>
-          </p:cNvPr>
+          <p:cNvPr id="20" name="Freeform 6" title="Page Number Shape"/>
+          <p:cNvSpPr/>
+          <p:nvPr/>
+        </p:nvSpPr>
+        <p:spPr bwMode="auto">
+          <a:xfrm>
+            <a:off x="11784011" y="5380580"/>
+            <a:ext cx="407988" cy="819150"/>
+          </a:xfrm>
+          <a:custGeom>
+            <a:avLst/>
+            <a:gdLst/>
+            <a:ahLst/>
+            <a:cxnLst/>
+            <a:rect l="0" t="0" r="r" b="b"/>
+            <a:pathLst>
+              <a:path w="1799" h="3612">
+                <a:moveTo>
+                  <a:pt x="1799" y="0"/>
+                </a:moveTo>
+                <a:lnTo>
+                  <a:pt x="1799" y="3612"/>
+                </a:lnTo>
+                <a:lnTo>
+                  <a:pt x="1686" y="3609"/>
+                </a:lnTo>
+                <a:lnTo>
+                  <a:pt x="1574" y="3598"/>
+                </a:lnTo>
+                <a:lnTo>
+                  <a:pt x="1464" y="3581"/>
+                </a:lnTo>
+                <a:lnTo>
+                  <a:pt x="1357" y="3557"/>
+                </a:lnTo>
+                <a:lnTo>
+                  <a:pt x="1251" y="3527"/>
+                </a:lnTo>
+                <a:lnTo>
+                  <a:pt x="1150" y="3490"/>
+                </a:lnTo>
+                <a:lnTo>
+                  <a:pt x="1050" y="3448"/>
+                </a:lnTo>
+                <a:lnTo>
+                  <a:pt x="953" y="3401"/>
+                </a:lnTo>
+                <a:lnTo>
+                  <a:pt x="860" y="3347"/>
+                </a:lnTo>
+                <a:lnTo>
+                  <a:pt x="771" y="3289"/>
+                </a:lnTo>
+                <a:lnTo>
+                  <a:pt x="686" y="3224"/>
+                </a:lnTo>
+                <a:lnTo>
+                  <a:pt x="604" y="3156"/>
+                </a:lnTo>
+                <a:lnTo>
+                  <a:pt x="527" y="3083"/>
+                </a:lnTo>
+                <a:lnTo>
+                  <a:pt x="454" y="3005"/>
+                </a:lnTo>
+                <a:lnTo>
+                  <a:pt x="386" y="2923"/>
+                </a:lnTo>
+                <a:lnTo>
+                  <a:pt x="323" y="2838"/>
+                </a:lnTo>
+                <a:lnTo>
+                  <a:pt x="265" y="2748"/>
+                </a:lnTo>
+                <a:lnTo>
+                  <a:pt x="211" y="2655"/>
+                </a:lnTo>
+                <a:lnTo>
+                  <a:pt x="163" y="2559"/>
+                </a:lnTo>
+                <a:lnTo>
+                  <a:pt x="121" y="2459"/>
+                </a:lnTo>
+                <a:lnTo>
+                  <a:pt x="85" y="2356"/>
+                </a:lnTo>
+                <a:lnTo>
+                  <a:pt x="55" y="2251"/>
+                </a:lnTo>
+                <a:lnTo>
+                  <a:pt x="32" y="2143"/>
+                </a:lnTo>
+                <a:lnTo>
+                  <a:pt x="14" y="2033"/>
+                </a:lnTo>
+                <a:lnTo>
+                  <a:pt x="4" y="1920"/>
+                </a:lnTo>
+                <a:lnTo>
+                  <a:pt x="0" y="1806"/>
+                </a:lnTo>
+                <a:lnTo>
+                  <a:pt x="4" y="1692"/>
+                </a:lnTo>
+                <a:lnTo>
+                  <a:pt x="14" y="1580"/>
+                </a:lnTo>
+                <a:lnTo>
+                  <a:pt x="32" y="1469"/>
+                </a:lnTo>
+                <a:lnTo>
+                  <a:pt x="55" y="1362"/>
+                </a:lnTo>
+                <a:lnTo>
+                  <a:pt x="85" y="1256"/>
+                </a:lnTo>
+                <a:lnTo>
+                  <a:pt x="121" y="1154"/>
+                </a:lnTo>
+                <a:lnTo>
+                  <a:pt x="163" y="1054"/>
+                </a:lnTo>
+                <a:lnTo>
+                  <a:pt x="211" y="958"/>
+                </a:lnTo>
+                <a:lnTo>
+                  <a:pt x="265" y="864"/>
+                </a:lnTo>
+                <a:lnTo>
+                  <a:pt x="323" y="774"/>
+                </a:lnTo>
+                <a:lnTo>
+                  <a:pt x="386" y="689"/>
+                </a:lnTo>
+                <a:lnTo>
+                  <a:pt x="454" y="607"/>
+                </a:lnTo>
+                <a:lnTo>
+                  <a:pt x="527" y="529"/>
+                </a:lnTo>
+                <a:lnTo>
+                  <a:pt x="604" y="456"/>
+                </a:lnTo>
+                <a:lnTo>
+                  <a:pt x="686" y="388"/>
+                </a:lnTo>
+                <a:lnTo>
+                  <a:pt x="771" y="325"/>
+                </a:lnTo>
+                <a:lnTo>
+                  <a:pt x="860" y="266"/>
+                </a:lnTo>
+                <a:lnTo>
+                  <a:pt x="953" y="212"/>
+                </a:lnTo>
+                <a:lnTo>
+                  <a:pt x="1050" y="164"/>
+                </a:lnTo>
+                <a:lnTo>
+                  <a:pt x="1150" y="122"/>
+                </a:lnTo>
+                <a:lnTo>
+                  <a:pt x="1251" y="85"/>
+                </a:lnTo>
+                <a:lnTo>
+                  <a:pt x="1357" y="55"/>
+                </a:lnTo>
+                <a:lnTo>
+                  <a:pt x="1464" y="32"/>
+                </a:lnTo>
+                <a:lnTo>
+                  <a:pt x="1574" y="14"/>
+                </a:lnTo>
+                <a:lnTo>
+                  <a:pt x="1686" y="5"/>
+                </a:lnTo>
+                <a:lnTo>
+                  <a:pt x="1799" y="0"/>
+                </a:lnTo>
+                <a:close/>
+              </a:path>
+            </a:pathLst>
+          </a:custGeom>
+          <a:solidFill>
+            <a:schemeClr val="tx1">
+              <a:lumMod val="85000"/>
+              <a:lumOff val="15000"/>
+            </a:schemeClr>
+          </a:solidFill>
+          <a:ln w="0">
+            <a:noFill/>
+            <a:prstDash val="solid"/>
+            <a:round/>
+            <a:headEnd/>
+            <a:tailEnd/>
+          </a:ln>
+        </p:spPr>
+      </p:sp>
+      <p:sp>
+        <p:nvSpPr>
+          <p:cNvPr id="2" name="Title Placeholder 1"/>
           <p:cNvSpPr>
             <a:spLocks noGrp="1"/>
           </p:cNvSpPr>
@@ -2804,15 +3618,15 @@
         </p:nvSpPr>
         <p:spPr>
           <a:xfrm>
-            <a:off x="838200" y="365125"/>
-            <a:ext cx="10515600" cy="1325563"/>
+            <a:off x="762000" y="559678"/>
+            <a:ext cx="3833906" cy="4952492"/>
           </a:xfrm>
           <a:prstGeom prst="rect">
             <a:avLst/>
           </a:prstGeom>
         </p:spPr>
         <p:txBody>
-          <a:bodyPr vert="horz" lIns="91440" tIns="45720" rIns="91440" bIns="45720" rtlCol="0" anchor="ctr">
+          <a:bodyPr vert="horz" lIns="91440" tIns="45720" rIns="91440" bIns="45720" rtlCol="0" anchor="t">
             <a:normAutofit/>
           </a:bodyPr>
           <a:lstStyle/>
@@ -2821,19 +3635,13 @@
               <a:rPr lang="en-US"/>
               <a:t>Click to edit Master title style</a:t>
             </a:r>
-            <a:endParaRPr lang="en-GB"/>
-          </a:p>
-        </p:txBody>
-      </p:sp>
-      <p:sp>
-        <p:nvSpPr>
-          <p:cNvPr id="3" name="Text Placeholder 2">
-            <a:extLst>
-              <a:ext uri="{FF2B5EF4-FFF2-40B4-BE49-F238E27FC236}">
-                <a16:creationId xmlns:a16="http://schemas.microsoft.com/office/drawing/2014/main" id="{F2A42ECB-BC9E-425C-BD11-871923EB09E4}"/>
-              </a:ext>
-            </a:extLst>
-          </p:cNvPr>
+            <a:endParaRPr lang="en-US" dirty="0"/>
+          </a:p>
+        </p:txBody>
+      </p:sp>
+      <p:sp>
+        <p:nvSpPr>
+          <p:cNvPr id="3" name="Text Placeholder 2"/>
           <p:cNvSpPr>
             <a:spLocks noGrp="1"/>
           </p:cNvSpPr>
@@ -2843,8 +3651,8 @@
         </p:nvSpPr>
         <p:spPr>
           <a:xfrm>
-            <a:off x="838200" y="1825625"/>
-            <a:ext cx="10515600" cy="4351338"/>
+            <a:off x="5181600" y="569066"/>
+            <a:ext cx="6248398" cy="5655156"/>
           </a:xfrm>
           <a:prstGeom prst="rect">
             <a:avLst/>
@@ -2889,19 +3697,13 @@
               <a:rPr lang="en-US"/>
               <a:t>Fifth level</a:t>
             </a:r>
-            <a:endParaRPr lang="en-GB"/>
-          </a:p>
-        </p:txBody>
-      </p:sp>
-      <p:sp>
-        <p:nvSpPr>
-          <p:cNvPr id="4" name="Date Placeholder 3">
-            <a:extLst>
-              <a:ext uri="{FF2B5EF4-FFF2-40B4-BE49-F238E27FC236}">
-                <a16:creationId xmlns:a16="http://schemas.microsoft.com/office/drawing/2014/main" id="{6E497762-EEAE-4A1D-8207-8F1DB055D8DB}"/>
-              </a:ext>
-            </a:extLst>
-          </p:cNvPr>
+            <a:endParaRPr lang="en-US" dirty="0"/>
+          </a:p>
+        </p:txBody>
+      </p:sp>
+      <p:sp>
+        <p:nvSpPr>
+          <p:cNvPr id="4" name="Date Placeholder 3"/>
           <p:cNvSpPr>
             <a:spLocks noGrp="1"/>
           </p:cNvSpPr>
@@ -2911,23 +3713,25 @@
         </p:nvSpPr>
         <p:spPr>
           <a:xfrm>
-            <a:off x="838200" y="6356350"/>
-            <a:ext cx="2743200" cy="365125"/>
+            <a:off x="762001" y="5930060"/>
+            <a:ext cx="3814856" cy="365125"/>
           </a:xfrm>
           <a:prstGeom prst="rect">
             <a:avLst/>
           </a:prstGeom>
         </p:spPr>
         <p:txBody>
-          <a:bodyPr vert="horz" lIns="91440" tIns="45720" rIns="91440" bIns="45720" rtlCol="0" anchor="ctr"/>
+          <a:bodyPr vert="horz" lIns="91440" tIns="45720" rIns="91440" bIns="45720" rtlCol="0" anchor="t"/>
           <a:lstStyle>
-            <a:lvl1pPr algn="l">
-              <a:defRPr sz="1200">
+            <a:lvl1pPr algn="r">
+              <a:defRPr sz="1000" b="0" i="1" baseline="0">
                 <a:solidFill>
                   <a:schemeClr val="tx1">
-                    <a:tint val="75000"/>
+                    <a:lumMod val="85000"/>
+                    <a:lumOff val="15000"/>
                   </a:schemeClr>
                 </a:solidFill>
+                <a:latin typeface="+mj-lt"/>
               </a:defRPr>
             </a:lvl1pPr>
           </a:lstStyle>
@@ -2942,13 +3746,7 @@
       </p:sp>
       <p:sp>
         <p:nvSpPr>
-          <p:cNvPr id="5" name="Footer Placeholder 4">
-            <a:extLst>
-              <a:ext uri="{FF2B5EF4-FFF2-40B4-BE49-F238E27FC236}">
-                <a16:creationId xmlns:a16="http://schemas.microsoft.com/office/drawing/2014/main" id="{ADF2AE22-922D-48F8-B997-EC0A36FC5674}"/>
-              </a:ext>
-            </a:extLst>
-          </p:cNvPr>
+          <p:cNvPr id="5" name="Footer Placeholder 4"/>
           <p:cNvSpPr>
             <a:spLocks noGrp="1"/>
           </p:cNvSpPr>
@@ -2958,23 +3756,25 @@
         </p:nvSpPr>
         <p:spPr>
           <a:xfrm>
-            <a:off x="4038600" y="6356350"/>
-            <a:ext cx="4114800" cy="365125"/>
+            <a:off x="762001" y="6314440"/>
+            <a:ext cx="3814856" cy="365125"/>
           </a:xfrm>
           <a:prstGeom prst="rect">
             <a:avLst/>
           </a:prstGeom>
         </p:spPr>
         <p:txBody>
-          <a:bodyPr vert="horz" lIns="91440" tIns="45720" rIns="91440" bIns="45720" rtlCol="0" anchor="ctr"/>
+          <a:bodyPr vert="horz" lIns="91440" tIns="45720" rIns="91440" bIns="45720" rtlCol="0" anchor="t"/>
           <a:lstStyle>
-            <a:lvl1pPr algn="ctr">
-              <a:defRPr sz="1200">
+            <a:lvl1pPr algn="r">
+              <a:defRPr sz="1200" b="1" i="1" baseline="0">
                 <a:solidFill>
                   <a:schemeClr val="tx1">
-                    <a:tint val="75000"/>
+                    <a:lumMod val="85000"/>
+                    <a:lumOff val="15000"/>
                   </a:schemeClr>
                 </a:solidFill>
+                <a:latin typeface="+mj-lt"/>
               </a:defRPr>
             </a:lvl1pPr>
           </a:lstStyle>
@@ -2985,13 +3785,7 @@
       </p:sp>
       <p:sp>
         <p:nvSpPr>
-          <p:cNvPr id="6" name="Slide Number Placeholder 5">
-            <a:extLst>
-              <a:ext uri="{FF2B5EF4-FFF2-40B4-BE49-F238E27FC236}">
-                <a16:creationId xmlns:a16="http://schemas.microsoft.com/office/drawing/2014/main" id="{4B7C2878-2F4D-422B-B928-16C1A7DBA627}"/>
-              </a:ext>
-            </a:extLst>
-          </p:cNvPr>
+          <p:cNvPr id="6" name="Slide Number Placeholder 5"/>
           <p:cNvSpPr>
             <a:spLocks noGrp="1"/>
           </p:cNvSpPr>
@@ -3001,8 +3795,8 @@
         </p:nvSpPr>
         <p:spPr>
           <a:xfrm>
-            <a:off x="8610600" y="6356350"/>
-            <a:ext cx="2743200" cy="365125"/>
+            <a:off x="11784011" y="5607592"/>
+            <a:ext cx="407988" cy="365125"/>
           </a:xfrm>
           <a:prstGeom prst="rect">
             <a:avLst/>
@@ -3012,12 +3806,11 @@
           <a:bodyPr vert="horz" lIns="91440" tIns="45720" rIns="91440" bIns="45720" rtlCol="0" anchor="ctr"/>
           <a:lstStyle>
             <a:lvl1pPr algn="r">
-              <a:defRPr sz="1200">
+              <a:defRPr sz="1200" b="0" i="1" baseline="0">
                 <a:solidFill>
-                  <a:schemeClr val="tx1">
-                    <a:tint val="75000"/>
-                  </a:schemeClr>
+                  <a:schemeClr val="bg2"/>
                 </a:solidFill>
+                <a:latin typeface="+mj-lt"/>
               </a:defRPr>
             </a:lvl1pPr>
           </a:lstStyle>
@@ -3030,30 +3823,68 @@
           </a:p>
         </p:txBody>
       </p:sp>
+      <p:cxnSp>
+        <p:nvCxnSpPr>
+          <p:cNvPr id="10" name="Straight Connector 9" title="Horizontal Rule Line"/>
+          <p:cNvCxnSpPr/>
+          <p:nvPr/>
+        </p:nvCxnSpPr>
+        <p:spPr>
+          <a:xfrm>
+            <a:off x="0" y="6199730"/>
+            <a:ext cx="4495800" cy="0"/>
+          </a:xfrm>
+          <a:prstGeom prst="line">
+            <a:avLst/>
+          </a:prstGeom>
+          <a:ln w="25400">
+            <a:solidFill>
+              <a:schemeClr val="tx1">
+                <a:lumMod val="85000"/>
+                <a:lumOff val="15000"/>
+              </a:schemeClr>
+            </a:solidFill>
+          </a:ln>
+        </p:spPr>
+        <p:style>
+          <a:lnRef idx="1">
+            <a:schemeClr val="accent1"/>
+          </a:lnRef>
+          <a:fillRef idx="0">
+            <a:schemeClr val="accent1"/>
+          </a:fillRef>
+          <a:effectRef idx="0">
+            <a:schemeClr val="accent1"/>
+          </a:effectRef>
+          <a:fontRef idx="minor">
+            <a:schemeClr val="tx1"/>
+          </a:fontRef>
+        </p:style>
+      </p:cxnSp>
     </p:spTree>
     <p:extLst>
       <p:ext uri="{BB962C8B-B14F-4D97-AF65-F5344CB8AC3E}">
-        <p14:creationId xmlns:p14="http://schemas.microsoft.com/office/powerpoint/2010/main" val="1736602434"/>
+        <p14:creationId xmlns:p14="http://schemas.microsoft.com/office/powerpoint/2010/main" val="3650233928"/>
       </p:ext>
     </p:extLst>
   </p:cSld>
   <p:clrMap bg1="lt1" tx1="dk1" bg2="lt2" tx2="dk2" accent1="accent1" accent2="accent2" accent3="accent3" accent4="accent4" accent5="accent5" accent6="accent6" hlink="hlink" folHlink="folHlink"/>
   <p:sldLayoutIdLst>
-    <p:sldLayoutId id="2147483649" r:id="rId1"/>
-    <p:sldLayoutId id="2147483650" r:id="rId2"/>
-    <p:sldLayoutId id="2147483651" r:id="rId3"/>
-    <p:sldLayoutId id="2147483652" r:id="rId4"/>
-    <p:sldLayoutId id="2147483653" r:id="rId5"/>
-    <p:sldLayoutId id="2147483654" r:id="rId6"/>
-    <p:sldLayoutId id="2147483655" r:id="rId7"/>
-    <p:sldLayoutId id="2147483656" r:id="rId8"/>
-    <p:sldLayoutId id="2147483657" r:id="rId9"/>
-    <p:sldLayoutId id="2147483658" r:id="rId10"/>
-    <p:sldLayoutId id="2147483659" r:id="rId11"/>
+    <p:sldLayoutId id="2147483685" r:id="rId1"/>
+    <p:sldLayoutId id="2147483686" r:id="rId2"/>
+    <p:sldLayoutId id="2147483687" r:id="rId3"/>
+    <p:sldLayoutId id="2147483688" r:id="rId4"/>
+    <p:sldLayoutId id="2147483689" r:id="rId5"/>
+    <p:sldLayoutId id="2147483690" r:id="rId6"/>
+    <p:sldLayoutId id="2147483691" r:id="rId7"/>
+    <p:sldLayoutId id="2147483692" r:id="rId8"/>
+    <p:sldLayoutId id="2147483693" r:id="rId9"/>
+    <p:sldLayoutId id="2147483694" r:id="rId10"/>
+    <p:sldLayoutId id="2147483695" r:id="rId11"/>
   </p:sldLayoutIdLst>
   <p:txStyles>
     <p:titleStyle>
-      <a:lvl1pPr algn="l" defTabSz="914400" rtl="0" eaLnBrk="1" latinLnBrk="0" hangingPunct="1">
+      <a:lvl1pPr algn="r" defTabSz="914400" rtl="0" eaLnBrk="1" latinLnBrk="0" hangingPunct="1">
         <a:lnSpc>
           <a:spcPct val="90000"/>
         </a:lnSpc>
@@ -3061,9 +3892,12 @@
           <a:spcPct val="0"/>
         </a:spcBef>
         <a:buNone/>
-        <a:defRPr sz="4400" kern="1200">
+        <a:defRPr sz="5000" b="0" i="1" kern="1200" baseline="0">
           <a:solidFill>
-            <a:schemeClr val="tx1"/>
+            <a:schemeClr val="tx1">
+              <a:lumMod val="85000"/>
+              <a:lumOff val="15000"/>
+            </a:schemeClr>
           </a:solidFill>
           <a:latin typeface="+mj-lt"/>
           <a:ea typeface="+mj-ea"/>
@@ -3072,162 +3906,189 @@
       </a:lvl1pPr>
     </p:titleStyle>
     <p:bodyStyle>
-      <a:lvl1pPr marL="228600" indent="-228600" algn="l" defTabSz="914400" rtl="0" eaLnBrk="1" latinLnBrk="0" hangingPunct="1">
+      <a:lvl1pPr marL="283464" indent="-283464" algn="l" defTabSz="914400" rtl="0" eaLnBrk="1" latinLnBrk="0" hangingPunct="1">
         <a:lnSpc>
-          <a:spcPct val="90000"/>
+          <a:spcPct val="112000"/>
         </a:lnSpc>
         <a:spcBef>
-          <a:spcPts val="1000"/>
+          <a:spcPts val="900"/>
         </a:spcBef>
         <a:buFont typeface="Arial" panose="020B0604020202020204" pitchFamily="34" charset="0"/>
         <a:buChar char="•"/>
-        <a:defRPr sz="2800" kern="1200">
+        <a:defRPr sz="2000" kern="1200" baseline="0">
           <a:solidFill>
-            <a:schemeClr val="tx1"/>
+            <a:schemeClr val="tx1">
+              <a:lumMod val="85000"/>
+              <a:lumOff val="15000"/>
+            </a:schemeClr>
           </a:solidFill>
           <a:latin typeface="+mn-lt"/>
           <a:ea typeface="+mn-ea"/>
           <a:cs typeface="+mn-cs"/>
         </a:defRPr>
       </a:lvl1pPr>
-      <a:lvl2pPr marL="685800" indent="-228600" algn="l" defTabSz="914400" rtl="0" eaLnBrk="1" latinLnBrk="0" hangingPunct="1">
+      <a:lvl2pPr marL="685800" indent="-283464" algn="l" defTabSz="914400" rtl="0" eaLnBrk="1" latinLnBrk="0" hangingPunct="1">
         <a:lnSpc>
-          <a:spcPct val="90000"/>
+          <a:spcPct val="112000"/>
         </a:lnSpc>
         <a:spcBef>
-          <a:spcPts val="500"/>
+          <a:spcPts val="900"/>
         </a:spcBef>
-        <a:buFont typeface="Arial" panose="020B0604020202020204" pitchFamily="34" charset="0"/>
-        <a:buChar char="•"/>
-        <a:defRPr sz="2400" kern="1200">
+        <a:buFont typeface="Corbel" panose="020B0503020204020204" pitchFamily="34" charset="0"/>
+        <a:buChar char="–"/>
+        <a:defRPr sz="1800" kern="1200" baseline="0">
           <a:solidFill>
-            <a:schemeClr val="tx1"/>
+            <a:schemeClr val="tx1">
+              <a:lumMod val="85000"/>
+              <a:lumOff val="15000"/>
+            </a:schemeClr>
           </a:solidFill>
           <a:latin typeface="+mn-lt"/>
           <a:ea typeface="+mn-ea"/>
           <a:cs typeface="+mn-cs"/>
         </a:defRPr>
       </a:lvl2pPr>
-      <a:lvl3pPr marL="1143000" indent="-228600" algn="l" defTabSz="914400" rtl="0" eaLnBrk="1" latinLnBrk="0" hangingPunct="1">
+      <a:lvl3pPr marL="1143000" indent="-283464" algn="l" defTabSz="914400" rtl="0" eaLnBrk="1" latinLnBrk="0" hangingPunct="1">
         <a:lnSpc>
-          <a:spcPct val="90000"/>
+          <a:spcPct val="112000"/>
         </a:lnSpc>
         <a:spcBef>
-          <a:spcPts val="500"/>
+          <a:spcPts val="900"/>
         </a:spcBef>
         <a:buFont typeface="Arial" panose="020B0604020202020204" pitchFamily="34" charset="0"/>
         <a:buChar char="•"/>
-        <a:defRPr sz="2000" kern="1200">
+        <a:defRPr sz="1600" kern="1200" baseline="0">
           <a:solidFill>
-            <a:schemeClr val="tx1"/>
+            <a:schemeClr val="tx1">
+              <a:lumMod val="85000"/>
+              <a:lumOff val="15000"/>
+            </a:schemeClr>
           </a:solidFill>
           <a:latin typeface="+mn-lt"/>
           <a:ea typeface="+mn-ea"/>
           <a:cs typeface="+mn-cs"/>
         </a:defRPr>
       </a:lvl3pPr>
-      <a:lvl4pPr marL="1600200" indent="-228600" algn="l" defTabSz="914400" rtl="0" eaLnBrk="1" latinLnBrk="0" hangingPunct="1">
+      <a:lvl4pPr marL="1600200" indent="-283464" algn="l" defTabSz="914400" rtl="0" eaLnBrk="1" latinLnBrk="0" hangingPunct="1">
         <a:lnSpc>
-          <a:spcPct val="90000"/>
+          <a:spcPct val="112000"/>
         </a:lnSpc>
         <a:spcBef>
-          <a:spcPts val="500"/>
+          <a:spcPts val="900"/>
         </a:spcBef>
-        <a:buFont typeface="Arial" panose="020B0604020202020204" pitchFamily="34" charset="0"/>
-        <a:buChar char="•"/>
-        <a:defRPr sz="1800" kern="1200">
+        <a:buFont typeface="Corbel" panose="020B0503020204020204" pitchFamily="34" charset="0"/>
+        <a:buChar char="–"/>
+        <a:defRPr sz="1400" kern="1200" baseline="0">
           <a:solidFill>
-            <a:schemeClr val="tx1"/>
+            <a:schemeClr val="tx1">
+              <a:lumMod val="85000"/>
+              <a:lumOff val="15000"/>
+            </a:schemeClr>
           </a:solidFill>
           <a:latin typeface="+mn-lt"/>
           <a:ea typeface="+mn-ea"/>
           <a:cs typeface="+mn-cs"/>
         </a:defRPr>
       </a:lvl4pPr>
-      <a:lvl5pPr marL="2057400" indent="-228600" algn="l" defTabSz="914400" rtl="0" eaLnBrk="1" latinLnBrk="0" hangingPunct="1">
+      <a:lvl5pPr marL="2057400" indent="-283464" algn="l" defTabSz="914400" rtl="0" eaLnBrk="1" latinLnBrk="0" hangingPunct="1">
         <a:lnSpc>
-          <a:spcPct val="90000"/>
+          <a:spcPct val="112000"/>
         </a:lnSpc>
         <a:spcBef>
-          <a:spcPts val="500"/>
+          <a:spcPts val="900"/>
         </a:spcBef>
         <a:buFont typeface="Arial" panose="020B0604020202020204" pitchFamily="34" charset="0"/>
         <a:buChar char="•"/>
-        <a:defRPr sz="1800" kern="1200">
+        <a:defRPr sz="1400" i="1" kern="1200" baseline="0">
           <a:solidFill>
-            <a:schemeClr val="tx1"/>
+            <a:schemeClr val="tx1">
+              <a:lumMod val="85000"/>
+              <a:lumOff val="15000"/>
+            </a:schemeClr>
           </a:solidFill>
           <a:latin typeface="+mn-lt"/>
           <a:ea typeface="+mn-ea"/>
           <a:cs typeface="+mn-cs"/>
         </a:defRPr>
       </a:lvl5pPr>
-      <a:lvl6pPr marL="2514600" indent="-228600" algn="l" defTabSz="914400" rtl="0" eaLnBrk="1" latinLnBrk="0" hangingPunct="1">
+      <a:lvl6pPr marL="2514600" indent="-283464" algn="l" defTabSz="914400" rtl="0" eaLnBrk="1" latinLnBrk="0" hangingPunct="1">
         <a:lnSpc>
-          <a:spcPct val="90000"/>
+          <a:spcPct val="112000"/>
         </a:lnSpc>
         <a:spcBef>
-          <a:spcPts val="500"/>
+          <a:spcPts val="1300"/>
         </a:spcBef>
-        <a:buFont typeface="Arial" panose="020B0604020202020204" pitchFamily="34" charset="0"/>
-        <a:buChar char="•"/>
-        <a:defRPr sz="1800" kern="1200">
+        <a:buFont typeface="Corbel" panose="020B0503020204020204" pitchFamily="34" charset="0"/>
+        <a:buChar char="–"/>
+        <a:defRPr sz="1400" kern="1200">
           <a:solidFill>
-            <a:schemeClr val="tx1"/>
+            <a:schemeClr val="tx1">
+              <a:lumMod val="85000"/>
+              <a:lumOff val="15000"/>
+            </a:schemeClr>
           </a:solidFill>
           <a:latin typeface="+mn-lt"/>
           <a:ea typeface="+mn-ea"/>
           <a:cs typeface="+mn-cs"/>
         </a:defRPr>
       </a:lvl6pPr>
-      <a:lvl7pPr marL="2971800" indent="-228600" algn="l" defTabSz="914400" rtl="0" eaLnBrk="1" latinLnBrk="0" hangingPunct="1">
+      <a:lvl7pPr marL="2971800" indent="-283464" algn="l" defTabSz="914400" rtl="0" eaLnBrk="1" latinLnBrk="0" hangingPunct="1">
         <a:lnSpc>
-          <a:spcPct val="90000"/>
+          <a:spcPct val="112000"/>
         </a:lnSpc>
         <a:spcBef>
-          <a:spcPts val="500"/>
+          <a:spcPts val="1300"/>
         </a:spcBef>
         <a:buFont typeface="Arial" panose="020B0604020202020204" pitchFamily="34" charset="0"/>
         <a:buChar char="•"/>
-        <a:defRPr sz="1800" kern="1200">
+        <a:defRPr sz="1400" i="1" kern="1200">
           <a:solidFill>
-            <a:schemeClr val="tx1"/>
+            <a:schemeClr val="tx1">
+              <a:lumMod val="85000"/>
+              <a:lumOff val="15000"/>
+            </a:schemeClr>
           </a:solidFill>
           <a:latin typeface="+mn-lt"/>
           <a:ea typeface="+mn-ea"/>
           <a:cs typeface="+mn-cs"/>
         </a:defRPr>
       </a:lvl7pPr>
-      <a:lvl8pPr marL="3429000" indent="-228600" algn="l" defTabSz="914400" rtl="0" eaLnBrk="1" latinLnBrk="0" hangingPunct="1">
+      <a:lvl8pPr marL="3429000" indent="-283464" algn="l" defTabSz="914400" rtl="0" eaLnBrk="1" latinLnBrk="0" hangingPunct="1">
         <a:lnSpc>
-          <a:spcPct val="90000"/>
+          <a:spcPct val="112000"/>
         </a:lnSpc>
         <a:spcBef>
-          <a:spcPts val="500"/>
+          <a:spcPts val="1300"/>
         </a:spcBef>
-        <a:buFont typeface="Arial" panose="020B0604020202020204" pitchFamily="34" charset="0"/>
-        <a:buChar char="•"/>
-        <a:defRPr sz="1800" kern="1200">
+        <a:buFont typeface="Corbel" panose="020B0503020204020204" pitchFamily="34" charset="0"/>
+        <a:buChar char="–"/>
+        <a:defRPr sz="1400" kern="1200">
           <a:solidFill>
-            <a:schemeClr val="tx1"/>
+            <a:schemeClr val="tx1">
+              <a:lumMod val="85000"/>
+              <a:lumOff val="15000"/>
+            </a:schemeClr>
           </a:solidFill>
           <a:latin typeface="+mn-lt"/>
           <a:ea typeface="+mn-ea"/>
           <a:cs typeface="+mn-cs"/>
         </a:defRPr>
       </a:lvl8pPr>
-      <a:lvl9pPr marL="3886200" indent="-228600" algn="l" defTabSz="914400" rtl="0" eaLnBrk="1" latinLnBrk="0" hangingPunct="1">
+      <a:lvl9pPr marL="3886200" indent="-283464" algn="l" defTabSz="914400" rtl="0" eaLnBrk="1" latinLnBrk="0" hangingPunct="1">
         <a:lnSpc>
-          <a:spcPct val="90000"/>
+          <a:spcPct val="112000"/>
         </a:lnSpc>
         <a:spcBef>
-          <a:spcPts val="500"/>
+          <a:spcPts val="1300"/>
         </a:spcBef>
         <a:buFont typeface="Arial" panose="020B0604020202020204" pitchFamily="34" charset="0"/>
         <a:buChar char="•"/>
-        <a:defRPr sz="1800" kern="1200">
+        <a:defRPr sz="1400" i="1" kern="1200" baseline="0">
           <a:solidFill>
-            <a:schemeClr val="tx1"/>
+            <a:schemeClr val="tx1">
+              <a:lumMod val="85000"/>
+              <a:lumOff val="15000"/>
+            </a:schemeClr>
           </a:solidFill>
           <a:latin typeface="+mn-lt"/>
           <a:ea typeface="+mn-ea"/>
@@ -3331,6 +4192,37 @@
       </a:lvl9pPr>
     </p:otherStyle>
   </p:txStyles>
+  <p:extLst>
+    <p:ext uri="{27BBF7A9-308A-43DC-89C8-2F10F3537804}">
+      <p15:sldGuideLst xmlns:p15="http://schemas.microsoft.com/office/powerpoint/2012/main">
+        <p15:guide id="1" pos="2832">
+          <p15:clr>
+            <a:srgbClr val="F26B43"/>
+          </p15:clr>
+        </p15:guide>
+        <p15:guide id="2" pos="480">
+          <p15:clr>
+            <a:srgbClr val="F26B43"/>
+          </p15:clr>
+        </p15:guide>
+        <p15:guide id="3" orient="horz" pos="432">
+          <p15:clr>
+            <a:srgbClr val="F26B43"/>
+          </p15:clr>
+        </p15:guide>
+        <p15:guide id="4" pos="7200">
+          <p15:clr>
+            <a:srgbClr val="F26B43"/>
+          </p15:clr>
+        </p15:guide>
+        <p15:guide id="5" pos="3264">
+          <p15:clr>
+            <a:srgbClr val="F26B43"/>
+          </p15:clr>
+        </p15:guide>
+      </p15:sldGuideLst>
+    </p:ext>
+  </p:extLst>
 </p:sldMaster>
 </file>
 
@@ -3367,7 +4259,12 @@
             <p:ph type="ctrTitle"/>
           </p:nvPr>
         </p:nvSpPr>
-        <p:spPr/>
+        <p:spPr>
+          <a:xfrm>
+            <a:off x="1088913" y="1143293"/>
+            <a:ext cx="9377450" cy="4268965"/>
+          </a:xfrm>
+        </p:spPr>
         <p:txBody>
           <a:bodyPr/>
           <a:lstStyle/>
@@ -3413,6 +4310,785 @@
   </p:cSld>
   <p:clrMapOvr>
     <a:masterClrMapping/>
+  </p:clrMapOvr>
+</p:sld>
+</file>
+
+<file path=ppt/slides/slide10.xml><?xml version="1.0" encoding="utf-8"?>
+<p:sld xmlns:a="http://schemas.openxmlformats.org/drawingml/2006/main" xmlns:r="http://schemas.openxmlformats.org/officeDocument/2006/relationships" xmlns:p="http://schemas.openxmlformats.org/presentationml/2006/main">
+  <p:cSld>
+    <p:bg>
+      <p:bgPr>
+        <a:solidFill>
+          <a:schemeClr val="bg2"/>
+        </a:solidFill>
+        <a:effectLst/>
+      </p:bgPr>
+    </p:bg>
+    <p:spTree>
+      <p:nvGrpSpPr>
+        <p:cNvPr id="1" name=""/>
+        <p:cNvGrpSpPr/>
+        <p:nvPr/>
+      </p:nvGrpSpPr>
+      <p:grpSpPr>
+        <a:xfrm>
+          <a:off x="0" y="0"/>
+          <a:ext cx="0" cy="0"/>
+          <a:chOff x="0" y="0"/>
+          <a:chExt cx="0" cy="0"/>
+        </a:xfrm>
+      </p:grpSpPr>
+      <p:sp>
+        <p:nvSpPr>
+          <p:cNvPr id="20" name="Rectangle 19">
+            <a:extLst>
+              <a:ext uri="{FF2B5EF4-FFF2-40B4-BE49-F238E27FC236}">
+                <a16:creationId xmlns:a16="http://schemas.microsoft.com/office/drawing/2014/main" id="{2D069AD6-6C92-4BC4-9260-165D14C96F82}"/>
+              </a:ext>
+              <a:ext uri="{C183D7F6-B498-43B3-948B-1728B52AA6E4}">
+                <adec:decorative xmlns:adec="http://schemas.microsoft.com/office/drawing/2017/decorative" val="1"/>
+              </a:ext>
+            </a:extLst>
+          </p:cNvPr>
+          <p:cNvSpPr>
+            <a:spLocks noGrp="1" noRot="1" noChangeAspect="1" noMove="1" noResize="1" noEditPoints="1" noAdjustHandles="1" noChangeArrowheads="1" noChangeShapeType="1" noTextEdit="1"/>
+          </p:cNvSpPr>
+          <p:nvPr>
+            <p:extLst>
+              <p:ext uri="{386F3935-93C4-4BCD-93E2-E3B085C9AB24}">
+                <p16:designElem xmlns:p16="http://schemas.microsoft.com/office/powerpoint/2015/main" val="1"/>
+              </p:ext>
+            </p:extLst>
+          </p:nvPr>
+        </p:nvSpPr>
+        <p:spPr>
+          <a:xfrm>
+            <a:off x="0" y="0"/>
+            <a:ext cx="12192000" cy="6858000"/>
+          </a:xfrm>
+          <a:prstGeom prst="rect">
+            <a:avLst/>
+          </a:prstGeom>
+          <a:solidFill>
+            <a:schemeClr val="tx2"/>
+          </a:solidFill>
+          <a:ln>
+            <a:noFill/>
+          </a:ln>
+        </p:spPr>
+        <p:style>
+          <a:lnRef idx="2">
+            <a:schemeClr val="accent1">
+              <a:shade val="50000"/>
+            </a:schemeClr>
+          </a:lnRef>
+          <a:fillRef idx="1">
+            <a:schemeClr val="accent1"/>
+          </a:fillRef>
+          <a:effectRef idx="0">
+            <a:schemeClr val="accent1"/>
+          </a:effectRef>
+          <a:fontRef idx="minor">
+            <a:schemeClr val="lt1"/>
+          </a:fontRef>
+        </p:style>
+        <p:txBody>
+          <a:bodyPr rot="0" spcFirstLastPara="0" vert="horz" wrap="square" lIns="91440" tIns="45720" rIns="91440" bIns="45720" numCol="1" spcCol="0" rtlCol="0" fromWordArt="0" anchor="ctr" anchorCtr="0" forceAA="0" compatLnSpc="1">
+            <a:prstTxWarp prst="textNoShape">
+              <a:avLst/>
+            </a:prstTxWarp>
+            <a:noAutofit/>
+          </a:bodyPr>
+          <a:lstStyle>
+            <a:defPPr>
+              <a:defRPr lang="en-US"/>
+            </a:defPPr>
+            <a:lvl1pPr marL="0" algn="l" defTabSz="914400" rtl="0" eaLnBrk="1" latinLnBrk="0" hangingPunct="1">
+              <a:defRPr sz="1800" kern="1200">
+                <a:solidFill>
+                  <a:schemeClr val="lt1"/>
+                </a:solidFill>
+                <a:latin typeface="+mn-lt"/>
+                <a:ea typeface="+mn-ea"/>
+                <a:cs typeface="+mn-cs"/>
+              </a:defRPr>
+            </a:lvl1pPr>
+            <a:lvl2pPr marL="457200" algn="l" defTabSz="914400" rtl="0" eaLnBrk="1" latinLnBrk="0" hangingPunct="1">
+              <a:defRPr sz="1800" kern="1200">
+                <a:solidFill>
+                  <a:schemeClr val="lt1"/>
+                </a:solidFill>
+                <a:latin typeface="+mn-lt"/>
+                <a:ea typeface="+mn-ea"/>
+                <a:cs typeface="+mn-cs"/>
+              </a:defRPr>
+            </a:lvl2pPr>
+            <a:lvl3pPr marL="914400" algn="l" defTabSz="914400" rtl="0" eaLnBrk="1" latinLnBrk="0" hangingPunct="1">
+              <a:defRPr sz="1800" kern="1200">
+                <a:solidFill>
+                  <a:schemeClr val="lt1"/>
+                </a:solidFill>
+                <a:latin typeface="+mn-lt"/>
+                <a:ea typeface="+mn-ea"/>
+                <a:cs typeface="+mn-cs"/>
+              </a:defRPr>
+            </a:lvl3pPr>
+            <a:lvl4pPr marL="1371600" algn="l" defTabSz="914400" rtl="0" eaLnBrk="1" latinLnBrk="0" hangingPunct="1">
+              <a:defRPr sz="1800" kern="1200">
+                <a:solidFill>
+                  <a:schemeClr val="lt1"/>
+                </a:solidFill>
+                <a:latin typeface="+mn-lt"/>
+                <a:ea typeface="+mn-ea"/>
+                <a:cs typeface="+mn-cs"/>
+              </a:defRPr>
+            </a:lvl4pPr>
+            <a:lvl5pPr marL="1828800" algn="l" defTabSz="914400" rtl="0" eaLnBrk="1" latinLnBrk="0" hangingPunct="1">
+              <a:defRPr sz="1800" kern="1200">
+                <a:solidFill>
+                  <a:schemeClr val="lt1"/>
+                </a:solidFill>
+                <a:latin typeface="+mn-lt"/>
+                <a:ea typeface="+mn-ea"/>
+                <a:cs typeface="+mn-cs"/>
+              </a:defRPr>
+            </a:lvl5pPr>
+            <a:lvl6pPr marL="2286000" algn="l" defTabSz="914400" rtl="0" eaLnBrk="1" latinLnBrk="0" hangingPunct="1">
+              <a:defRPr sz="1800" kern="1200">
+                <a:solidFill>
+                  <a:schemeClr val="lt1"/>
+                </a:solidFill>
+                <a:latin typeface="+mn-lt"/>
+                <a:ea typeface="+mn-ea"/>
+                <a:cs typeface="+mn-cs"/>
+              </a:defRPr>
+            </a:lvl6pPr>
+            <a:lvl7pPr marL="2743200" algn="l" defTabSz="914400" rtl="0" eaLnBrk="1" latinLnBrk="0" hangingPunct="1">
+              <a:defRPr sz="1800" kern="1200">
+                <a:solidFill>
+                  <a:schemeClr val="lt1"/>
+                </a:solidFill>
+                <a:latin typeface="+mn-lt"/>
+                <a:ea typeface="+mn-ea"/>
+                <a:cs typeface="+mn-cs"/>
+              </a:defRPr>
+            </a:lvl7pPr>
+            <a:lvl8pPr marL="3200400" algn="l" defTabSz="914400" rtl="0" eaLnBrk="1" latinLnBrk="0" hangingPunct="1">
+              <a:defRPr sz="1800" kern="1200">
+                <a:solidFill>
+                  <a:schemeClr val="lt1"/>
+                </a:solidFill>
+                <a:latin typeface="+mn-lt"/>
+                <a:ea typeface="+mn-ea"/>
+                <a:cs typeface="+mn-cs"/>
+              </a:defRPr>
+            </a:lvl8pPr>
+            <a:lvl9pPr marL="3657600" algn="l" defTabSz="914400" rtl="0" eaLnBrk="1" latinLnBrk="0" hangingPunct="1">
+              <a:defRPr sz="1800" kern="1200">
+                <a:solidFill>
+                  <a:schemeClr val="lt1"/>
+                </a:solidFill>
+                <a:latin typeface="+mn-lt"/>
+                <a:ea typeface="+mn-ea"/>
+                <a:cs typeface="+mn-cs"/>
+              </a:defRPr>
+            </a:lvl9pPr>
+          </a:lstStyle>
+          <a:p>
+            <a:pPr algn="ctr"/>
+            <a:endParaRPr lang="en-US"/>
+          </a:p>
+        </p:txBody>
+      </p:sp>
+      <p:sp>
+        <p:nvSpPr>
+          <p:cNvPr id="2" name="Title 1">
+            <a:extLst>
+              <a:ext uri="{FF2B5EF4-FFF2-40B4-BE49-F238E27FC236}">
+                <a16:creationId xmlns:a16="http://schemas.microsoft.com/office/drawing/2014/main" id="{1C284C8A-A3ED-43F7-9800-E9CBF05D1EFC}"/>
+              </a:ext>
+            </a:extLst>
+          </p:cNvPr>
+          <p:cNvSpPr>
+            <a:spLocks noGrp="1"/>
+          </p:cNvSpPr>
+          <p:nvPr>
+            <p:ph type="title"/>
+          </p:nvPr>
+        </p:nvSpPr>
+        <p:spPr>
+          <a:xfrm>
+            <a:off x="873940" y="643466"/>
+            <a:ext cx="6136461" cy="4912795"/>
+          </a:xfrm>
+        </p:spPr>
+        <p:txBody>
+          <a:bodyPr vert="horz" lIns="91440" tIns="45720" rIns="91440" bIns="45720" rtlCol="0" anchor="ctr">
+            <a:normAutofit/>
+          </a:bodyPr>
+          <a:lstStyle/>
+          <a:p>
+            <a:pPr algn="l"/>
+            <a:br>
+              <a:rPr lang="en-US" sz="6000" dirty="0">
+                <a:solidFill>
+                  <a:schemeClr val="bg2"/>
+                </a:solidFill>
+              </a:rPr>
+            </a:br>
+            <a:r>
+              <a:rPr lang="en-US" sz="6000" dirty="0">
+                <a:solidFill>
+                  <a:schemeClr val="bg2"/>
+                </a:solidFill>
+              </a:rPr>
+              <a:t>Query-Based </a:t>
+            </a:r>
+            <a:br>
+              <a:rPr lang="en-US" sz="6000" dirty="0">
+                <a:solidFill>
+                  <a:schemeClr val="bg2"/>
+                </a:solidFill>
+              </a:rPr>
+            </a:br>
+            <a:r>
+              <a:rPr lang="en-US" sz="6000" dirty="0">
+                <a:solidFill>
+                  <a:schemeClr val="bg2"/>
+                </a:solidFill>
+              </a:rPr>
+              <a:t>Extractive Summarization</a:t>
+            </a:r>
+            <a:br>
+              <a:rPr lang="en-US" sz="6000" dirty="0">
+                <a:solidFill>
+                  <a:schemeClr val="bg2"/>
+                </a:solidFill>
+              </a:rPr>
+            </a:br>
+            <a:endParaRPr lang="en-US" sz="6000" dirty="0">
+              <a:solidFill>
+                <a:schemeClr val="bg2"/>
+              </a:solidFill>
+            </a:endParaRPr>
+          </a:p>
+        </p:txBody>
+      </p:sp>
+      <p:cxnSp>
+        <p:nvCxnSpPr>
+          <p:cNvPr id="22" name="Straight Connector 21">
+            <a:extLst>
+              <a:ext uri="{FF2B5EF4-FFF2-40B4-BE49-F238E27FC236}">
+                <a16:creationId xmlns:a16="http://schemas.microsoft.com/office/drawing/2014/main" id="{CC255597-A71E-4CDC-8CCB-93CC4D09FF15}"/>
+              </a:ext>
+              <a:ext uri="{C183D7F6-B498-43B3-948B-1728B52AA6E4}">
+                <adec:decorative xmlns:adec="http://schemas.microsoft.com/office/drawing/2017/decorative" val="1"/>
+              </a:ext>
+            </a:extLst>
+          </p:cNvPr>
+          <p:cNvCxnSpPr>
+            <a:cxnSpLocks noGrp="1" noRot="1" noChangeAspect="1" noMove="1" noResize="1" noEditPoints="1" noAdjustHandles="1" noChangeArrowheads="1" noChangeShapeType="1"/>
+          </p:cNvCxnSpPr>
+          <p:nvPr>
+            <p:extLst>
+              <p:ext uri="{386F3935-93C4-4BCD-93E2-E3B085C9AB24}">
+                <p16:designElem xmlns:p16="http://schemas.microsoft.com/office/powerpoint/2015/main" val="1"/>
+              </p:ext>
+            </p:extLst>
+          </p:nvPr>
+        </p:nvCxnSpPr>
+        <p:spPr>
+          <a:xfrm>
+            <a:off x="0" y="6199730"/>
+            <a:ext cx="7010400" cy="0"/>
+          </a:xfrm>
+          <a:prstGeom prst="line">
+            <a:avLst/>
+          </a:prstGeom>
+          <a:ln w="25400">
+            <a:solidFill>
+              <a:schemeClr val="bg2"/>
+            </a:solidFill>
+          </a:ln>
+        </p:spPr>
+        <p:style>
+          <a:lnRef idx="1">
+            <a:schemeClr val="accent1"/>
+          </a:lnRef>
+          <a:fillRef idx="0">
+            <a:schemeClr val="accent1"/>
+          </a:fillRef>
+          <a:effectRef idx="0">
+            <a:schemeClr val="accent1"/>
+          </a:effectRef>
+          <a:fontRef idx="minor">
+            <a:schemeClr val="tx1"/>
+          </a:fontRef>
+        </p:style>
+      </p:cxnSp>
+      <p:sp>
+        <p:nvSpPr>
+          <p:cNvPr id="24" name="Rectangle 23">
+            <a:extLst>
+              <a:ext uri="{FF2B5EF4-FFF2-40B4-BE49-F238E27FC236}">
+                <a16:creationId xmlns:a16="http://schemas.microsoft.com/office/drawing/2014/main" id="{B3B39673-4CAC-4142-821B-CBD9F946855F}"/>
+              </a:ext>
+              <a:ext uri="{C183D7F6-B498-43B3-948B-1728B52AA6E4}">
+                <adec:decorative xmlns:adec="http://schemas.microsoft.com/office/drawing/2017/decorative" val="1"/>
+              </a:ext>
+            </a:extLst>
+          </p:cNvPr>
+          <p:cNvSpPr>
+            <a:spLocks noGrp="1" noRot="1" noChangeAspect="1" noMove="1" noResize="1" noEditPoints="1" noAdjustHandles="1" noChangeArrowheads="1" noChangeShapeType="1" noTextEdit="1"/>
+          </p:cNvSpPr>
+          <p:nvPr>
+            <p:extLst>
+              <p:ext uri="{386F3935-93C4-4BCD-93E2-E3B085C9AB24}">
+                <p16:designElem xmlns:p16="http://schemas.microsoft.com/office/powerpoint/2015/main" val="1"/>
+              </p:ext>
+            </p:extLst>
+          </p:nvPr>
+        </p:nvSpPr>
+        <p:spPr>
+          <a:xfrm>
+            <a:off x="7537704" y="0"/>
+            <a:ext cx="4654296" cy="6858000"/>
+          </a:xfrm>
+          <a:prstGeom prst="rect">
+            <a:avLst/>
+          </a:prstGeom>
+          <a:solidFill>
+            <a:schemeClr val="bg2"/>
+          </a:solidFill>
+          <a:ln>
+            <a:noFill/>
+          </a:ln>
+        </p:spPr>
+        <p:style>
+          <a:lnRef idx="2">
+            <a:schemeClr val="accent1">
+              <a:shade val="50000"/>
+            </a:schemeClr>
+          </a:lnRef>
+          <a:fillRef idx="1">
+            <a:schemeClr val="accent1"/>
+          </a:fillRef>
+          <a:effectRef idx="0">
+            <a:schemeClr val="accent1"/>
+          </a:effectRef>
+          <a:fontRef idx="minor">
+            <a:schemeClr val="lt1"/>
+          </a:fontRef>
+        </p:style>
+        <p:txBody>
+          <a:bodyPr rtlCol="0" anchor="ctr"/>
+          <a:lstStyle/>
+          <a:p>
+            <a:pPr algn="ctr"/>
+            <a:endParaRPr lang="en-US"/>
+          </a:p>
+        </p:txBody>
+      </p:sp>
+      <p:sp>
+        <p:nvSpPr>
+          <p:cNvPr id="4" name="Title 1">
+            <a:extLst>
+              <a:ext uri="{FF2B5EF4-FFF2-40B4-BE49-F238E27FC236}">
+                <a16:creationId xmlns:a16="http://schemas.microsoft.com/office/drawing/2014/main" id="{85FA0033-6F72-46CB-A9A5-1BFDE8E2E1B5}"/>
+              </a:ext>
+            </a:extLst>
+          </p:cNvPr>
+          <p:cNvSpPr txBox="1">
+            <a:spLocks/>
+          </p:cNvSpPr>
+          <p:nvPr/>
+        </p:nvSpPr>
+        <p:spPr>
+          <a:xfrm>
+            <a:off x="8073155" y="643466"/>
+            <a:ext cx="3475379" cy="5578469"/>
+          </a:xfrm>
+          <a:prstGeom prst="rect">
+            <a:avLst/>
+          </a:prstGeom>
+        </p:spPr>
+        <p:txBody>
+          <a:bodyPr vert="horz" lIns="91440" tIns="45720" rIns="91440" bIns="45720" rtlCol="0" anchor="ctr">
+            <a:normAutofit/>
+          </a:bodyPr>
+          <a:lstStyle>
+            <a:lvl1pPr algn="r" defTabSz="914400" rtl="0" eaLnBrk="1" latinLnBrk="0" hangingPunct="1">
+              <a:lnSpc>
+                <a:spcPct val="90000"/>
+              </a:lnSpc>
+              <a:spcBef>
+                <a:spcPct val="0"/>
+              </a:spcBef>
+              <a:buNone/>
+              <a:defRPr sz="5000" b="0" i="1" kern="1200" baseline="0">
+                <a:solidFill>
+                  <a:schemeClr val="tx1">
+                    <a:lumMod val="85000"/>
+                    <a:lumOff val="15000"/>
+                  </a:schemeClr>
+                </a:solidFill>
+                <a:latin typeface="+mj-lt"/>
+                <a:ea typeface="+mj-ea"/>
+                <a:cs typeface="+mj-cs"/>
+              </a:defRPr>
+            </a:lvl1pPr>
+          </a:lstStyle>
+          <a:p>
+            <a:pPr indent="-283464" algn="l">
+              <a:lnSpc>
+                <a:spcPct val="102000"/>
+              </a:lnSpc>
+              <a:spcBef>
+                <a:spcPts val="900"/>
+              </a:spcBef>
+            </a:pPr>
+            <a:r>
+              <a:rPr lang="en-GB" sz="3100" dirty="0" err="1">
+                <a:solidFill>
+                  <a:schemeClr val="tx2"/>
+                </a:solidFill>
+                <a:latin typeface="+mn-lt"/>
+                <a:ea typeface="+mn-ea"/>
+                <a:cs typeface="+mn-cs"/>
+              </a:rPr>
+              <a:t>Yousefi</a:t>
+            </a:r>
+            <a:r>
+              <a:rPr lang="en-GB" sz="3100" dirty="0">
+                <a:solidFill>
+                  <a:schemeClr val="tx2"/>
+                </a:solidFill>
+                <a:latin typeface="+mn-lt"/>
+                <a:ea typeface="+mn-ea"/>
+                <a:cs typeface="+mn-cs"/>
+              </a:rPr>
+              <a:t>-Azar, M. &amp; </a:t>
+            </a:r>
+            <a:r>
+              <a:rPr lang="en-GB" sz="3100" dirty="0" err="1">
+                <a:solidFill>
+                  <a:schemeClr val="tx2"/>
+                </a:solidFill>
+                <a:latin typeface="+mn-lt"/>
+                <a:ea typeface="+mn-ea"/>
+                <a:cs typeface="+mn-cs"/>
+              </a:rPr>
+              <a:t>Hamey</a:t>
+            </a:r>
+            <a:r>
+              <a:rPr lang="en-GB" sz="3100" dirty="0">
+                <a:solidFill>
+                  <a:schemeClr val="tx2"/>
+                </a:solidFill>
+                <a:latin typeface="+mn-lt"/>
+                <a:ea typeface="+mn-ea"/>
+                <a:cs typeface="+mn-cs"/>
+              </a:rPr>
+              <a:t>, L., 2017. Expert Systems With Applications, 68(C), pp.93–105.</a:t>
+            </a:r>
+          </a:p>
+        </p:txBody>
+      </p:sp>
+      <p:sp>
+        <p:nvSpPr>
+          <p:cNvPr id="26" name="Freeform 6">
+            <a:extLst>
+              <a:ext uri="{FF2B5EF4-FFF2-40B4-BE49-F238E27FC236}">
+                <a16:creationId xmlns:a16="http://schemas.microsoft.com/office/drawing/2014/main" id="{37A3AED6-20FF-46BC-B176-29CE106816C3}"/>
+              </a:ext>
+              <a:ext uri="{C183D7F6-B498-43B3-948B-1728B52AA6E4}">
+                <adec:decorative xmlns:adec="http://schemas.microsoft.com/office/drawing/2017/decorative" val="1"/>
+              </a:ext>
+            </a:extLst>
+          </p:cNvPr>
+          <p:cNvSpPr>
+            <a:spLocks noGrp="1" noRot="1" noChangeAspect="1" noMove="1" noResize="1" noEditPoints="1" noAdjustHandles="1" noChangeArrowheads="1" noChangeShapeType="1" noTextEdit="1"/>
+          </p:cNvSpPr>
+          <p:nvPr>
+            <p:extLst>
+              <p:ext uri="{386F3935-93C4-4BCD-93E2-E3B085C9AB24}">
+                <p16:designElem xmlns:p16="http://schemas.microsoft.com/office/powerpoint/2015/main" val="1"/>
+              </p:ext>
+            </p:extLst>
+          </p:nvPr>
+        </p:nvSpPr>
+        <p:spPr bwMode="auto">
+          <a:xfrm>
+            <a:off x="11784012" y="643466"/>
+            <a:ext cx="407988" cy="819150"/>
+          </a:xfrm>
+          <a:custGeom>
+            <a:avLst/>
+            <a:gdLst/>
+            <a:ahLst/>
+            <a:cxnLst/>
+            <a:rect l="0" t="0" r="r" b="b"/>
+            <a:pathLst>
+              <a:path w="1799" h="3612">
+                <a:moveTo>
+                  <a:pt x="1799" y="0"/>
+                </a:moveTo>
+                <a:lnTo>
+                  <a:pt x="1799" y="3612"/>
+                </a:lnTo>
+                <a:lnTo>
+                  <a:pt x="1686" y="3609"/>
+                </a:lnTo>
+                <a:lnTo>
+                  <a:pt x="1574" y="3598"/>
+                </a:lnTo>
+                <a:lnTo>
+                  <a:pt x="1464" y="3581"/>
+                </a:lnTo>
+                <a:lnTo>
+                  <a:pt x="1357" y="3557"/>
+                </a:lnTo>
+                <a:lnTo>
+                  <a:pt x="1251" y="3527"/>
+                </a:lnTo>
+                <a:lnTo>
+                  <a:pt x="1150" y="3490"/>
+                </a:lnTo>
+                <a:lnTo>
+                  <a:pt x="1050" y="3448"/>
+                </a:lnTo>
+                <a:lnTo>
+                  <a:pt x="953" y="3401"/>
+                </a:lnTo>
+                <a:lnTo>
+                  <a:pt x="860" y="3347"/>
+                </a:lnTo>
+                <a:lnTo>
+                  <a:pt x="771" y="3289"/>
+                </a:lnTo>
+                <a:lnTo>
+                  <a:pt x="686" y="3224"/>
+                </a:lnTo>
+                <a:lnTo>
+                  <a:pt x="604" y="3156"/>
+                </a:lnTo>
+                <a:lnTo>
+                  <a:pt x="527" y="3083"/>
+                </a:lnTo>
+                <a:lnTo>
+                  <a:pt x="454" y="3005"/>
+                </a:lnTo>
+                <a:lnTo>
+                  <a:pt x="386" y="2923"/>
+                </a:lnTo>
+                <a:lnTo>
+                  <a:pt x="323" y="2838"/>
+                </a:lnTo>
+                <a:lnTo>
+                  <a:pt x="265" y="2748"/>
+                </a:lnTo>
+                <a:lnTo>
+                  <a:pt x="211" y="2655"/>
+                </a:lnTo>
+                <a:lnTo>
+                  <a:pt x="163" y="2559"/>
+                </a:lnTo>
+                <a:lnTo>
+                  <a:pt x="121" y="2459"/>
+                </a:lnTo>
+                <a:lnTo>
+                  <a:pt x="85" y="2356"/>
+                </a:lnTo>
+                <a:lnTo>
+                  <a:pt x="55" y="2251"/>
+                </a:lnTo>
+                <a:lnTo>
+                  <a:pt x="32" y="2143"/>
+                </a:lnTo>
+                <a:lnTo>
+                  <a:pt x="14" y="2033"/>
+                </a:lnTo>
+                <a:lnTo>
+                  <a:pt x="4" y="1920"/>
+                </a:lnTo>
+                <a:lnTo>
+                  <a:pt x="0" y="1806"/>
+                </a:lnTo>
+                <a:lnTo>
+                  <a:pt x="4" y="1692"/>
+                </a:lnTo>
+                <a:lnTo>
+                  <a:pt x="14" y="1580"/>
+                </a:lnTo>
+                <a:lnTo>
+                  <a:pt x="32" y="1469"/>
+                </a:lnTo>
+                <a:lnTo>
+                  <a:pt x="55" y="1362"/>
+                </a:lnTo>
+                <a:lnTo>
+                  <a:pt x="85" y="1256"/>
+                </a:lnTo>
+                <a:lnTo>
+                  <a:pt x="121" y="1154"/>
+                </a:lnTo>
+                <a:lnTo>
+                  <a:pt x="163" y="1054"/>
+                </a:lnTo>
+                <a:lnTo>
+                  <a:pt x="211" y="958"/>
+                </a:lnTo>
+                <a:lnTo>
+                  <a:pt x="265" y="864"/>
+                </a:lnTo>
+                <a:lnTo>
+                  <a:pt x="323" y="774"/>
+                </a:lnTo>
+                <a:lnTo>
+                  <a:pt x="386" y="689"/>
+                </a:lnTo>
+                <a:lnTo>
+                  <a:pt x="454" y="607"/>
+                </a:lnTo>
+                <a:lnTo>
+                  <a:pt x="527" y="529"/>
+                </a:lnTo>
+                <a:lnTo>
+                  <a:pt x="604" y="456"/>
+                </a:lnTo>
+                <a:lnTo>
+                  <a:pt x="686" y="388"/>
+                </a:lnTo>
+                <a:lnTo>
+                  <a:pt x="771" y="325"/>
+                </a:lnTo>
+                <a:lnTo>
+                  <a:pt x="860" y="266"/>
+                </a:lnTo>
+                <a:lnTo>
+                  <a:pt x="953" y="212"/>
+                </a:lnTo>
+                <a:lnTo>
+                  <a:pt x="1050" y="164"/>
+                </a:lnTo>
+                <a:lnTo>
+                  <a:pt x="1150" y="122"/>
+                </a:lnTo>
+                <a:lnTo>
+                  <a:pt x="1251" y="85"/>
+                </a:lnTo>
+                <a:lnTo>
+                  <a:pt x="1357" y="55"/>
+                </a:lnTo>
+                <a:lnTo>
+                  <a:pt x="1464" y="32"/>
+                </a:lnTo>
+                <a:lnTo>
+                  <a:pt x="1574" y="14"/>
+                </a:lnTo>
+                <a:lnTo>
+                  <a:pt x="1686" y="5"/>
+                </a:lnTo>
+                <a:lnTo>
+                  <a:pt x="1799" y="0"/>
+                </a:lnTo>
+                <a:close/>
+              </a:path>
+            </a:pathLst>
+          </a:custGeom>
+          <a:solidFill>
+            <a:schemeClr val="tx2"/>
+          </a:solidFill>
+          <a:ln w="0">
+            <a:noFill/>
+            <a:prstDash val="solid"/>
+            <a:round/>
+            <a:headEnd/>
+            <a:tailEnd/>
+          </a:ln>
+        </p:spPr>
+      </p:sp>
+      <p:sp>
+        <p:nvSpPr>
+          <p:cNvPr id="8" name="Title 1">
+            <a:extLst>
+              <a:ext uri="{FF2B5EF4-FFF2-40B4-BE49-F238E27FC236}">
+                <a16:creationId xmlns:a16="http://schemas.microsoft.com/office/drawing/2014/main" id="{87CC1C8C-6D24-4373-8CC6-23C7A3902929}"/>
+              </a:ext>
+            </a:extLst>
+          </p:cNvPr>
+          <p:cNvSpPr txBox="1">
+            <a:spLocks/>
+          </p:cNvSpPr>
+          <p:nvPr/>
+        </p:nvSpPr>
+        <p:spPr>
+          <a:xfrm>
+            <a:off x="873940" y="4929140"/>
+            <a:ext cx="6136461" cy="948855"/>
+          </a:xfrm>
+          <a:prstGeom prst="rect">
+            <a:avLst/>
+          </a:prstGeom>
+        </p:spPr>
+        <p:txBody>
+          <a:bodyPr vert="horz" lIns="91440" tIns="45720" rIns="91440" bIns="45720" rtlCol="0" anchor="ctr">
+            <a:normAutofit/>
+          </a:bodyPr>
+          <a:lstStyle>
+            <a:lvl1pPr algn="r" defTabSz="914400" rtl="0" eaLnBrk="1" latinLnBrk="0" hangingPunct="1">
+              <a:lnSpc>
+                <a:spcPct val="90000"/>
+              </a:lnSpc>
+              <a:spcBef>
+                <a:spcPct val="0"/>
+              </a:spcBef>
+              <a:buNone/>
+              <a:defRPr sz="5000" b="0" i="1" kern="1200" baseline="0">
+                <a:solidFill>
+                  <a:schemeClr val="tx1">
+                    <a:lumMod val="85000"/>
+                    <a:lumOff val="15000"/>
+                  </a:schemeClr>
+                </a:solidFill>
+                <a:latin typeface="+mj-lt"/>
+                <a:ea typeface="+mj-ea"/>
+                <a:cs typeface="+mj-cs"/>
+              </a:defRPr>
+            </a:lvl1pPr>
+          </a:lstStyle>
+          <a:p>
+            <a:pPr algn="l">
+              <a:spcAft>
+                <a:spcPts val="600"/>
+              </a:spcAft>
+            </a:pPr>
+            <a:r>
+              <a:rPr lang="en-GB" sz="2900" dirty="0">
+                <a:solidFill>
+                  <a:schemeClr val="bg2"/>
+                </a:solidFill>
+              </a:rPr>
+              <a:t>Text summarization using unsupervised deep learning.</a:t>
+            </a:r>
+            <a:endParaRPr lang="en-US" sz="2900" dirty="0">
+              <a:solidFill>
+                <a:schemeClr val="bg2"/>
+              </a:solidFill>
+            </a:endParaRPr>
+          </a:p>
+        </p:txBody>
+      </p:sp>
+    </p:spTree>
+    <p:extLst>
+      <p:ext uri="{BB962C8B-B14F-4D97-AF65-F5344CB8AC3E}">
+        <p14:creationId xmlns:p14="http://schemas.microsoft.com/office/powerpoint/2010/main" val="2882961856"/>
+      </p:ext>
+    </p:extLst>
+  </p:cSld>
+  <p:clrMapOvr>
+    <a:overrideClrMapping bg1="dk1" tx1="lt1" bg2="dk2" tx2="lt2" accent1="accent1" accent2="accent2" accent3="accent3" accent4="accent4" accent5="accent5" accent6="accent6" hlink="hlink" folHlink="folHlink"/>
   </p:clrMapOvr>
 </p:sld>
 </file>
@@ -3483,7 +5159,22 @@
           <a:bodyPr/>
           <a:lstStyle/>
           <a:p>
-            <a:endParaRPr lang="en-GB" dirty="0"/>
+            <a:r>
+              <a:rPr lang="en-GB" dirty="0"/>
+              <a:t>The internet offers a vast library of documents and articles, it is unfeasible for anyone to read every single document that is relevant to them. </a:t>
+            </a:r>
+          </a:p>
+          <a:p>
+            <a:r>
+              <a:rPr lang="en-GB" dirty="0"/>
+              <a:t>Summaries reduce a document allowing a reader to decide the documents importance and if it needs to be read or can be kept for later.</a:t>
+            </a:r>
+          </a:p>
+          <a:p>
+            <a:r>
+              <a:rPr lang="en-GB" dirty="0"/>
+              <a:t>To generate a summary a document needs to read by an unbiased expert who will then reduce the document to its core features, the depth of information on the internet makes this difficult.</a:t>
+            </a:r>
           </a:p>
         </p:txBody>
       </p:sp>
@@ -3540,7 +5231,7 @@
           <a:p>
             <a:r>
               <a:rPr lang="en-GB" dirty="0"/>
-              <a:t>objectives</a:t>
+              <a:t>Objectives</a:t>
             </a:r>
           </a:p>
         </p:txBody>
@@ -3566,7 +5257,19 @@
           <a:bodyPr/>
           <a:lstStyle/>
           <a:p>
-            <a:endParaRPr lang="en-GB"/>
+            <a:pPr marL="0" indent="0">
+              <a:buNone/>
+            </a:pPr>
+            <a:r>
+              <a:rPr lang="en-GB" dirty="0"/>
+              <a:t>This need for document reduction has led to research into auto summarization applications: algorithms and machine learning models</a:t>
+            </a:r>
+          </a:p>
+          <a:p>
+            <a:r>
+              <a:rPr lang="en-GB" dirty="0"/>
+              <a:t>Objective 1</a:t>
+            </a:r>
           </a:p>
         </p:txBody>
       </p:sp>
@@ -3586,6 +5289,14 @@
 <file path=ppt/slides/slide4.xml><?xml version="1.0" encoding="utf-8"?>
 <p:sld xmlns:a="http://schemas.openxmlformats.org/drawingml/2006/main" xmlns:r="http://schemas.openxmlformats.org/officeDocument/2006/relationships" xmlns:p="http://schemas.openxmlformats.org/presentationml/2006/main">
   <p:cSld>
+    <p:bg>
+      <p:bgPr>
+        <a:solidFill>
+          <a:schemeClr val="bg2"/>
+        </a:solidFill>
+        <a:effectLst/>
+      </p:bgPr>
+    </p:bg>
     <p:spTree>
       <p:nvGrpSpPr>
         <p:cNvPr id="1" name=""/>
@@ -3602,6 +5313,332 @@
       </p:grpSpPr>
       <p:sp>
         <p:nvSpPr>
+          <p:cNvPr id="10" name="Freeform 6">
+            <a:extLst>
+              <a:ext uri="{FF2B5EF4-FFF2-40B4-BE49-F238E27FC236}">
+                <a16:creationId xmlns:a16="http://schemas.microsoft.com/office/drawing/2014/main" id="{B9FC6610-A5F8-45EA-B7D4-AFDF75D208D8}"/>
+              </a:ext>
+              <a:ext uri="{C183D7F6-B498-43B3-948B-1728B52AA6E4}">
+                <adec:decorative xmlns:adec="http://schemas.microsoft.com/office/drawing/2017/decorative" val="1"/>
+              </a:ext>
+            </a:extLst>
+          </p:cNvPr>
+          <p:cNvSpPr>
+            <a:spLocks noGrp="1" noRot="1" noChangeAspect="1" noMove="1" noResize="1" noEditPoints="1" noAdjustHandles="1" noChangeArrowheads="1" noChangeShapeType="1" noTextEdit="1"/>
+          </p:cNvSpPr>
+          <p:nvPr>
+            <p:extLst>
+              <p:ext uri="{386F3935-93C4-4BCD-93E2-E3B085C9AB24}">
+                <p16:designElem xmlns:p16="http://schemas.microsoft.com/office/powerpoint/2015/main" val="1"/>
+              </p:ext>
+            </p:extLst>
+          </p:nvPr>
+        </p:nvSpPr>
+        <p:spPr bwMode="auto">
+          <a:xfrm>
+            <a:off x="11784011" y="1189204"/>
+            <a:ext cx="407988" cy="819150"/>
+          </a:xfrm>
+          <a:custGeom>
+            <a:avLst/>
+            <a:gdLst/>
+            <a:ahLst/>
+            <a:cxnLst/>
+            <a:rect l="0" t="0" r="r" b="b"/>
+            <a:pathLst>
+              <a:path w="1799" h="3612">
+                <a:moveTo>
+                  <a:pt x="1799" y="0"/>
+                </a:moveTo>
+                <a:lnTo>
+                  <a:pt x="1799" y="3612"/>
+                </a:lnTo>
+                <a:lnTo>
+                  <a:pt x="1686" y="3609"/>
+                </a:lnTo>
+                <a:lnTo>
+                  <a:pt x="1574" y="3598"/>
+                </a:lnTo>
+                <a:lnTo>
+                  <a:pt x="1464" y="3581"/>
+                </a:lnTo>
+                <a:lnTo>
+                  <a:pt x="1357" y="3557"/>
+                </a:lnTo>
+                <a:lnTo>
+                  <a:pt x="1251" y="3527"/>
+                </a:lnTo>
+                <a:lnTo>
+                  <a:pt x="1150" y="3490"/>
+                </a:lnTo>
+                <a:lnTo>
+                  <a:pt x="1050" y="3448"/>
+                </a:lnTo>
+                <a:lnTo>
+                  <a:pt x="953" y="3401"/>
+                </a:lnTo>
+                <a:lnTo>
+                  <a:pt x="860" y="3347"/>
+                </a:lnTo>
+                <a:lnTo>
+                  <a:pt x="771" y="3289"/>
+                </a:lnTo>
+                <a:lnTo>
+                  <a:pt x="686" y="3224"/>
+                </a:lnTo>
+                <a:lnTo>
+                  <a:pt x="604" y="3156"/>
+                </a:lnTo>
+                <a:lnTo>
+                  <a:pt x="527" y="3083"/>
+                </a:lnTo>
+                <a:lnTo>
+                  <a:pt x="454" y="3005"/>
+                </a:lnTo>
+                <a:lnTo>
+                  <a:pt x="386" y="2923"/>
+                </a:lnTo>
+                <a:lnTo>
+                  <a:pt x="323" y="2838"/>
+                </a:lnTo>
+                <a:lnTo>
+                  <a:pt x="265" y="2748"/>
+                </a:lnTo>
+                <a:lnTo>
+                  <a:pt x="211" y="2655"/>
+                </a:lnTo>
+                <a:lnTo>
+                  <a:pt x="163" y="2559"/>
+                </a:lnTo>
+                <a:lnTo>
+                  <a:pt x="121" y="2459"/>
+                </a:lnTo>
+                <a:lnTo>
+                  <a:pt x="85" y="2356"/>
+                </a:lnTo>
+                <a:lnTo>
+                  <a:pt x="55" y="2251"/>
+                </a:lnTo>
+                <a:lnTo>
+                  <a:pt x="32" y="2143"/>
+                </a:lnTo>
+                <a:lnTo>
+                  <a:pt x="14" y="2033"/>
+                </a:lnTo>
+                <a:lnTo>
+                  <a:pt x="4" y="1920"/>
+                </a:lnTo>
+                <a:lnTo>
+                  <a:pt x="0" y="1806"/>
+                </a:lnTo>
+                <a:lnTo>
+                  <a:pt x="4" y="1692"/>
+                </a:lnTo>
+                <a:lnTo>
+                  <a:pt x="14" y="1580"/>
+                </a:lnTo>
+                <a:lnTo>
+                  <a:pt x="32" y="1469"/>
+                </a:lnTo>
+                <a:lnTo>
+                  <a:pt x="55" y="1362"/>
+                </a:lnTo>
+                <a:lnTo>
+                  <a:pt x="85" y="1256"/>
+                </a:lnTo>
+                <a:lnTo>
+                  <a:pt x="121" y="1154"/>
+                </a:lnTo>
+                <a:lnTo>
+                  <a:pt x="163" y="1054"/>
+                </a:lnTo>
+                <a:lnTo>
+                  <a:pt x="211" y="958"/>
+                </a:lnTo>
+                <a:lnTo>
+                  <a:pt x="265" y="864"/>
+                </a:lnTo>
+                <a:lnTo>
+                  <a:pt x="323" y="774"/>
+                </a:lnTo>
+                <a:lnTo>
+                  <a:pt x="386" y="689"/>
+                </a:lnTo>
+                <a:lnTo>
+                  <a:pt x="454" y="607"/>
+                </a:lnTo>
+                <a:lnTo>
+                  <a:pt x="527" y="529"/>
+                </a:lnTo>
+                <a:lnTo>
+                  <a:pt x="604" y="456"/>
+                </a:lnTo>
+                <a:lnTo>
+                  <a:pt x="686" y="388"/>
+                </a:lnTo>
+                <a:lnTo>
+                  <a:pt x="771" y="325"/>
+                </a:lnTo>
+                <a:lnTo>
+                  <a:pt x="860" y="266"/>
+                </a:lnTo>
+                <a:lnTo>
+                  <a:pt x="953" y="212"/>
+                </a:lnTo>
+                <a:lnTo>
+                  <a:pt x="1050" y="164"/>
+                </a:lnTo>
+                <a:lnTo>
+                  <a:pt x="1150" y="122"/>
+                </a:lnTo>
+                <a:lnTo>
+                  <a:pt x="1251" y="85"/>
+                </a:lnTo>
+                <a:lnTo>
+                  <a:pt x="1357" y="55"/>
+                </a:lnTo>
+                <a:lnTo>
+                  <a:pt x="1464" y="32"/>
+                </a:lnTo>
+                <a:lnTo>
+                  <a:pt x="1574" y="14"/>
+                </a:lnTo>
+                <a:lnTo>
+                  <a:pt x="1686" y="5"/>
+                </a:lnTo>
+                <a:lnTo>
+                  <a:pt x="1799" y="0"/>
+                </a:lnTo>
+                <a:close/>
+              </a:path>
+            </a:pathLst>
+          </a:custGeom>
+          <a:solidFill>
+            <a:schemeClr val="tx2"/>
+          </a:solidFill>
+          <a:ln w="0">
+            <a:noFill/>
+            <a:prstDash val="solid"/>
+            <a:round/>
+            <a:headEnd/>
+            <a:tailEnd/>
+          </a:ln>
+        </p:spPr>
+      </p:sp>
+      <p:cxnSp>
+        <p:nvCxnSpPr>
+          <p:cNvPr id="12" name="Straight Connector 11">
+            <a:extLst>
+              <a:ext uri="{FF2B5EF4-FFF2-40B4-BE49-F238E27FC236}">
+                <a16:creationId xmlns:a16="http://schemas.microsoft.com/office/drawing/2014/main" id="{4E9AB7A3-4EBC-40F6-99B4-4B1FE7F9DD4A}"/>
+              </a:ext>
+              <a:ext uri="{C183D7F6-B498-43B3-948B-1728B52AA6E4}">
+                <adec:decorative xmlns:adec="http://schemas.microsoft.com/office/drawing/2017/decorative" val="1"/>
+              </a:ext>
+            </a:extLst>
+          </p:cNvPr>
+          <p:cNvCxnSpPr>
+            <a:cxnSpLocks noGrp="1" noRot="1" noChangeAspect="1" noMove="1" noResize="1" noEditPoints="1" noAdjustHandles="1" noChangeArrowheads="1" noChangeShapeType="1"/>
+          </p:cNvCxnSpPr>
+          <p:nvPr>
+            <p:extLst>
+              <p:ext uri="{386F3935-93C4-4BCD-93E2-E3B085C9AB24}">
+                <p16:designElem xmlns:p16="http://schemas.microsoft.com/office/powerpoint/2015/main" val="1"/>
+              </p:ext>
+            </p:extLst>
+          </p:nvPr>
+        </p:nvCxnSpPr>
+        <p:spPr>
+          <a:xfrm>
+            <a:off x="773855" y="1257300"/>
+            <a:ext cx="0" cy="5600700"/>
+          </a:xfrm>
+          <a:prstGeom prst="line">
+            <a:avLst/>
+          </a:prstGeom>
+          <a:ln w="25400">
+            <a:solidFill>
+              <a:schemeClr val="tx2"/>
+            </a:solidFill>
+          </a:ln>
+        </p:spPr>
+        <p:style>
+          <a:lnRef idx="1">
+            <a:schemeClr val="accent1"/>
+          </a:lnRef>
+          <a:fillRef idx="0">
+            <a:schemeClr val="accent1"/>
+          </a:fillRef>
+          <a:effectRef idx="0">
+            <a:schemeClr val="accent1"/>
+          </a:effectRef>
+          <a:fontRef idx="minor">
+            <a:schemeClr val="tx1"/>
+          </a:fontRef>
+        </p:style>
+      </p:cxnSp>
+      <p:sp useBgFill="1">
+        <p:nvSpPr>
+          <p:cNvPr id="14" name="Rectangle 13">
+            <a:extLst>
+              <a:ext uri="{FF2B5EF4-FFF2-40B4-BE49-F238E27FC236}">
+                <a16:creationId xmlns:a16="http://schemas.microsoft.com/office/drawing/2014/main" id="{7865333E-6BF7-40FE-AC7D-EB8A0900AA91}"/>
+              </a:ext>
+              <a:ext uri="{C183D7F6-B498-43B3-948B-1728B52AA6E4}">
+                <adec:decorative xmlns:adec="http://schemas.microsoft.com/office/drawing/2017/decorative" val="1"/>
+              </a:ext>
+            </a:extLst>
+          </p:cNvPr>
+          <p:cNvSpPr>
+            <a:spLocks noGrp="1" noRot="1" noChangeAspect="1" noMove="1" noResize="1" noEditPoints="1" noAdjustHandles="1" noChangeArrowheads="1" noChangeShapeType="1" noTextEdit="1"/>
+          </p:cNvSpPr>
+          <p:nvPr>
+            <p:extLst>
+              <p:ext uri="{386F3935-93C4-4BCD-93E2-E3B085C9AB24}">
+                <p16:designElem xmlns:p16="http://schemas.microsoft.com/office/powerpoint/2015/main" val="1"/>
+              </p:ext>
+            </p:extLst>
+          </p:nvPr>
+        </p:nvSpPr>
+        <p:spPr bwMode="grayWhite">
+          <a:xfrm>
+            <a:off x="0" y="0"/>
+            <a:ext cx="12191999" cy="6858000"/>
+          </a:xfrm>
+          <a:prstGeom prst="rect">
+            <a:avLst/>
+          </a:prstGeom>
+          <a:ln>
+            <a:noFill/>
+          </a:ln>
+        </p:spPr>
+        <p:style>
+          <a:lnRef idx="2">
+            <a:schemeClr val="accent1">
+              <a:shade val="50000"/>
+            </a:schemeClr>
+          </a:lnRef>
+          <a:fillRef idx="1">
+            <a:schemeClr val="accent1"/>
+          </a:fillRef>
+          <a:effectRef idx="0">
+            <a:schemeClr val="accent1"/>
+          </a:effectRef>
+          <a:fontRef idx="minor">
+            <a:schemeClr val="lt1"/>
+          </a:fontRef>
+        </p:style>
+        <p:txBody>
+          <a:bodyPr rtlCol="0" anchor="ctr"/>
+          <a:lstStyle/>
+          <a:p>
+            <a:pPr algn="ctr"/>
+            <a:endParaRPr lang="en-US"/>
+          </a:p>
+        </p:txBody>
+      </p:sp>
+      <p:sp>
+        <p:nvSpPr>
           <p:cNvPr id="2" name="Title 1">
             <a:extLst>
               <a:ext uri="{FF2B5EF4-FFF2-40B4-BE49-F238E27FC236}">
@@ -3616,43 +5653,300 @@
             <p:ph type="title"/>
           </p:nvPr>
         </p:nvSpPr>
-        <p:spPr/>
-        <p:txBody>
-          <a:bodyPr/>
+        <p:spPr>
+          <a:xfrm>
+            <a:off x="2797126" y="2678464"/>
+            <a:ext cx="8832898" cy="3798420"/>
+          </a:xfrm>
+        </p:spPr>
+        <p:txBody>
+          <a:bodyPr vert="horz" lIns="91440" tIns="45720" rIns="91440" bIns="45720" rtlCol="0" anchor="t">
+            <a:normAutofit/>
+          </a:bodyPr>
           <a:lstStyle/>
           <a:p>
-            <a:r>
-              <a:rPr lang="en-GB" dirty="0"/>
-              <a:t>methodologies </a:t>
-            </a:r>
-          </a:p>
-        </p:txBody>
-      </p:sp>
-      <p:sp>
-        <p:nvSpPr>
-          <p:cNvPr id="3" name="Content Placeholder 2">
+            <a:pPr algn="l">
+              <a:lnSpc>
+                <a:spcPct val="85000"/>
+              </a:lnSpc>
+            </a:pPr>
+            <a:r>
+              <a:rPr lang="en-US" sz="6800" cap="all">
+                <a:solidFill>
+                  <a:schemeClr val="tx2"/>
+                </a:solidFill>
+              </a:rPr>
+              <a:t>Methodologies </a:t>
+            </a:r>
+          </a:p>
+        </p:txBody>
+      </p:sp>
+      <p:sp>
+        <p:nvSpPr>
+          <p:cNvPr id="16" name="Freeform 6">
             <a:extLst>
               <a:ext uri="{FF2B5EF4-FFF2-40B4-BE49-F238E27FC236}">
-                <a16:creationId xmlns:a16="http://schemas.microsoft.com/office/drawing/2014/main" id="{FDA8FA34-4AC6-414D-AD53-D17C37634079}"/>
+                <a16:creationId xmlns:a16="http://schemas.microsoft.com/office/drawing/2014/main" id="{C971C6CD-6DA8-4FDD-A89B-4B681DEABB53}"/>
+              </a:ext>
+              <a:ext uri="{C183D7F6-B498-43B3-948B-1728B52AA6E4}">
+                <adec:decorative xmlns:adec="http://schemas.microsoft.com/office/drawing/2017/decorative" val="1"/>
               </a:ext>
             </a:extLst>
           </p:cNvPr>
           <p:cNvSpPr>
-            <a:spLocks noGrp="1"/>
-          </p:cNvSpPr>
-          <p:nvPr>
-            <p:ph idx="1"/>
-          </p:nvPr>
-        </p:nvSpPr>
-        <p:spPr/>
-        <p:txBody>
-          <a:bodyPr/>
-          <a:lstStyle/>
-          <a:p>
-            <a:endParaRPr lang="en-GB"/>
-          </a:p>
-        </p:txBody>
-      </p:sp>
+            <a:spLocks noGrp="1" noRot="1" noChangeAspect="1" noMove="1" noResize="1" noEditPoints="1" noAdjustHandles="1" noChangeArrowheads="1" noChangeShapeType="1" noTextEdit="1"/>
+          </p:cNvSpPr>
+          <p:nvPr>
+            <p:extLst>
+              <p:ext uri="{386F3935-93C4-4BCD-93E2-E3B085C9AB24}">
+                <p16:designElem xmlns:p16="http://schemas.microsoft.com/office/powerpoint/2015/main" val="1"/>
+              </p:ext>
+            </p:extLst>
+          </p:nvPr>
+        </p:nvSpPr>
+        <p:spPr bwMode="auto">
+          <a:xfrm>
+            <a:off x="11784011" y="514572"/>
+            <a:ext cx="407988" cy="819150"/>
+          </a:xfrm>
+          <a:custGeom>
+            <a:avLst/>
+            <a:gdLst/>
+            <a:ahLst/>
+            <a:cxnLst/>
+            <a:rect l="0" t="0" r="r" b="b"/>
+            <a:pathLst>
+              <a:path w="1799" h="3612">
+                <a:moveTo>
+                  <a:pt x="1799" y="0"/>
+                </a:moveTo>
+                <a:lnTo>
+                  <a:pt x="1799" y="3612"/>
+                </a:lnTo>
+                <a:lnTo>
+                  <a:pt x="1686" y="3609"/>
+                </a:lnTo>
+                <a:lnTo>
+                  <a:pt x="1574" y="3598"/>
+                </a:lnTo>
+                <a:lnTo>
+                  <a:pt x="1464" y="3581"/>
+                </a:lnTo>
+                <a:lnTo>
+                  <a:pt x="1357" y="3557"/>
+                </a:lnTo>
+                <a:lnTo>
+                  <a:pt x="1251" y="3527"/>
+                </a:lnTo>
+                <a:lnTo>
+                  <a:pt x="1150" y="3490"/>
+                </a:lnTo>
+                <a:lnTo>
+                  <a:pt x="1050" y="3448"/>
+                </a:lnTo>
+                <a:lnTo>
+                  <a:pt x="953" y="3401"/>
+                </a:lnTo>
+                <a:lnTo>
+                  <a:pt x="860" y="3347"/>
+                </a:lnTo>
+                <a:lnTo>
+                  <a:pt x="771" y="3289"/>
+                </a:lnTo>
+                <a:lnTo>
+                  <a:pt x="686" y="3224"/>
+                </a:lnTo>
+                <a:lnTo>
+                  <a:pt x="604" y="3156"/>
+                </a:lnTo>
+                <a:lnTo>
+                  <a:pt x="527" y="3083"/>
+                </a:lnTo>
+                <a:lnTo>
+                  <a:pt x="454" y="3005"/>
+                </a:lnTo>
+                <a:lnTo>
+                  <a:pt x="386" y="2923"/>
+                </a:lnTo>
+                <a:lnTo>
+                  <a:pt x="323" y="2838"/>
+                </a:lnTo>
+                <a:lnTo>
+                  <a:pt x="265" y="2748"/>
+                </a:lnTo>
+                <a:lnTo>
+                  <a:pt x="211" y="2655"/>
+                </a:lnTo>
+                <a:lnTo>
+                  <a:pt x="163" y="2559"/>
+                </a:lnTo>
+                <a:lnTo>
+                  <a:pt x="121" y="2459"/>
+                </a:lnTo>
+                <a:lnTo>
+                  <a:pt x="85" y="2356"/>
+                </a:lnTo>
+                <a:lnTo>
+                  <a:pt x="55" y="2251"/>
+                </a:lnTo>
+                <a:lnTo>
+                  <a:pt x="32" y="2143"/>
+                </a:lnTo>
+                <a:lnTo>
+                  <a:pt x="14" y="2033"/>
+                </a:lnTo>
+                <a:lnTo>
+                  <a:pt x="4" y="1920"/>
+                </a:lnTo>
+                <a:lnTo>
+                  <a:pt x="0" y="1806"/>
+                </a:lnTo>
+                <a:lnTo>
+                  <a:pt x="4" y="1692"/>
+                </a:lnTo>
+                <a:lnTo>
+                  <a:pt x="14" y="1580"/>
+                </a:lnTo>
+                <a:lnTo>
+                  <a:pt x="32" y="1469"/>
+                </a:lnTo>
+                <a:lnTo>
+                  <a:pt x="55" y="1362"/>
+                </a:lnTo>
+                <a:lnTo>
+                  <a:pt x="85" y="1256"/>
+                </a:lnTo>
+                <a:lnTo>
+                  <a:pt x="121" y="1154"/>
+                </a:lnTo>
+                <a:lnTo>
+                  <a:pt x="163" y="1054"/>
+                </a:lnTo>
+                <a:lnTo>
+                  <a:pt x="211" y="958"/>
+                </a:lnTo>
+                <a:lnTo>
+                  <a:pt x="265" y="864"/>
+                </a:lnTo>
+                <a:lnTo>
+                  <a:pt x="323" y="774"/>
+                </a:lnTo>
+                <a:lnTo>
+                  <a:pt x="386" y="689"/>
+                </a:lnTo>
+                <a:lnTo>
+                  <a:pt x="454" y="607"/>
+                </a:lnTo>
+                <a:lnTo>
+                  <a:pt x="527" y="529"/>
+                </a:lnTo>
+                <a:lnTo>
+                  <a:pt x="604" y="456"/>
+                </a:lnTo>
+                <a:lnTo>
+                  <a:pt x="686" y="388"/>
+                </a:lnTo>
+                <a:lnTo>
+                  <a:pt x="771" y="325"/>
+                </a:lnTo>
+                <a:lnTo>
+                  <a:pt x="860" y="266"/>
+                </a:lnTo>
+                <a:lnTo>
+                  <a:pt x="953" y="212"/>
+                </a:lnTo>
+                <a:lnTo>
+                  <a:pt x="1050" y="164"/>
+                </a:lnTo>
+                <a:lnTo>
+                  <a:pt x="1150" y="122"/>
+                </a:lnTo>
+                <a:lnTo>
+                  <a:pt x="1251" y="85"/>
+                </a:lnTo>
+                <a:lnTo>
+                  <a:pt x="1357" y="55"/>
+                </a:lnTo>
+                <a:lnTo>
+                  <a:pt x="1464" y="32"/>
+                </a:lnTo>
+                <a:lnTo>
+                  <a:pt x="1574" y="14"/>
+                </a:lnTo>
+                <a:lnTo>
+                  <a:pt x="1686" y="5"/>
+                </a:lnTo>
+                <a:lnTo>
+                  <a:pt x="1799" y="0"/>
+                </a:lnTo>
+                <a:close/>
+              </a:path>
+            </a:pathLst>
+          </a:custGeom>
+          <a:solidFill>
+            <a:schemeClr val="tx2"/>
+          </a:solidFill>
+          <a:ln w="0">
+            <a:noFill/>
+            <a:prstDash val="solid"/>
+            <a:round/>
+            <a:headEnd/>
+            <a:tailEnd/>
+          </a:ln>
+        </p:spPr>
+      </p:sp>
+      <p:cxnSp>
+        <p:nvCxnSpPr>
+          <p:cNvPr id="18" name="Straight Connector 17">
+            <a:extLst>
+              <a:ext uri="{FF2B5EF4-FFF2-40B4-BE49-F238E27FC236}">
+                <a16:creationId xmlns:a16="http://schemas.microsoft.com/office/drawing/2014/main" id="{ED3CBB7D-B825-489C-9789-70D05A25CF6F}"/>
+              </a:ext>
+              <a:ext uri="{C183D7F6-B498-43B3-948B-1728B52AA6E4}">
+                <adec:decorative xmlns:adec="http://schemas.microsoft.com/office/drawing/2017/decorative" val="1"/>
+              </a:ext>
+            </a:extLst>
+          </p:cNvPr>
+          <p:cNvCxnSpPr>
+            <a:cxnSpLocks noGrp="1" noRot="1" noChangeAspect="1" noMove="1" noResize="1" noEditPoints="1" noAdjustHandles="1" noChangeArrowheads="1" noChangeShapeType="1"/>
+          </p:cNvCxnSpPr>
+          <p:nvPr>
+            <p:extLst>
+              <p:ext uri="{386F3935-93C4-4BCD-93E2-E3B085C9AB24}">
+                <p16:designElem xmlns:p16="http://schemas.microsoft.com/office/powerpoint/2015/main" val="1"/>
+              </p:ext>
+            </p:extLst>
+          </p:nvPr>
+        </p:nvCxnSpPr>
+        <p:spPr>
+          <a:xfrm>
+            <a:off x="2865120" y="2519131"/>
+            <a:ext cx="9326880" cy="0"/>
+          </a:xfrm>
+          <a:prstGeom prst="line">
+            <a:avLst/>
+          </a:prstGeom>
+          <a:ln w="25400">
+            <a:solidFill>
+              <a:schemeClr val="tx2"/>
+            </a:solidFill>
+          </a:ln>
+        </p:spPr>
+        <p:style>
+          <a:lnRef idx="1">
+            <a:schemeClr val="accent1"/>
+          </a:lnRef>
+          <a:fillRef idx="0">
+            <a:schemeClr val="accent1"/>
+          </a:fillRef>
+          <a:effectRef idx="0">
+            <a:schemeClr val="accent1"/>
+          </a:effectRef>
+          <a:fontRef idx="minor">
+            <a:schemeClr val="tx1"/>
+          </a:fontRef>
+        </p:style>
+      </p:cxnSp>
     </p:spTree>
     <p:extLst>
       <p:ext uri="{BB962C8B-B14F-4D97-AF65-F5344CB8AC3E}">
@@ -3661,7 +5955,7 @@
     </p:extLst>
   </p:cSld>
   <p:clrMapOvr>
-    <a:masterClrMapping/>
+    <a:overrideClrMapping bg1="dk1" tx1="lt1" bg2="dk2" tx2="lt2" accent1="accent1" accent2="accent2" accent3="accent3" accent4="accent4" accent5="accent5" accent6="accent6" hlink="hlink" folHlink="folHlink"/>
   </p:clrMapOvr>
 </p:sld>
 </file>
@@ -3688,6 +5982,553 @@
           <p:cNvPr id="2" name="Title 1">
             <a:extLst>
               <a:ext uri="{FF2B5EF4-FFF2-40B4-BE49-F238E27FC236}">
+                <a16:creationId xmlns:a16="http://schemas.microsoft.com/office/drawing/2014/main" id="{ECFE3CF3-769C-4BEE-862A-1D29DF7BEAF7}"/>
+              </a:ext>
+            </a:extLst>
+          </p:cNvPr>
+          <p:cNvSpPr>
+            <a:spLocks noGrp="1"/>
+          </p:cNvSpPr>
+          <p:nvPr>
+            <p:ph type="title"/>
+          </p:nvPr>
+        </p:nvSpPr>
+        <p:spPr>
+          <a:xfrm>
+            <a:off x="1" y="559678"/>
+            <a:ext cx="4675238" cy="4952492"/>
+          </a:xfrm>
+        </p:spPr>
+        <p:txBody>
+          <a:bodyPr/>
+          <a:lstStyle/>
+          <a:p>
+            <a:r>
+              <a:rPr lang="en-GB" dirty="0"/>
+              <a:t>Extractive text summarization</a:t>
+            </a:r>
+            <a:br>
+              <a:rPr lang="en-GB" dirty="0"/>
+            </a:br>
+            <a:r>
+              <a:rPr lang="en-GB" dirty="0"/>
+              <a:t> </a:t>
+            </a:r>
+          </a:p>
+        </p:txBody>
+      </p:sp>
+      <p:sp>
+        <p:nvSpPr>
+          <p:cNvPr id="3" name="Content Placeholder 2">
+            <a:extLst>
+              <a:ext uri="{FF2B5EF4-FFF2-40B4-BE49-F238E27FC236}">
+                <a16:creationId xmlns:a16="http://schemas.microsoft.com/office/drawing/2014/main" id="{FDA8FA34-4AC6-414D-AD53-D17C37634079}"/>
+              </a:ext>
+            </a:extLst>
+          </p:cNvPr>
+          <p:cNvSpPr>
+            <a:spLocks noGrp="1"/>
+          </p:cNvSpPr>
+          <p:nvPr>
+            <p:ph idx="1"/>
+          </p:nvPr>
+        </p:nvSpPr>
+        <p:spPr/>
+        <p:txBody>
+          <a:bodyPr/>
+          <a:lstStyle/>
+          <a:p>
+            <a:r>
+              <a:rPr lang="en-GB" dirty="0"/>
+              <a:t>This method focuses on removing the text from the document and ranking it by its “importance” then using the ranking to generate a summary.</a:t>
+            </a:r>
+          </a:p>
+          <a:p>
+            <a:r>
+              <a:rPr lang="en-GB" dirty="0"/>
+              <a:t>There are two sub types of extractive summarization:</a:t>
+            </a:r>
+          </a:p>
+          <a:p>
+            <a:pPr lvl="1"/>
+            <a:r>
+              <a:rPr lang="en-GB" dirty="0"/>
+              <a:t>Query- Based: Here a topic or tag is given to the summarization model and summaries focused around the topic are generated.</a:t>
+            </a:r>
+          </a:p>
+          <a:p>
+            <a:pPr lvl="1"/>
+            <a:r>
+              <a:rPr lang="en-GB" dirty="0"/>
+              <a:t>Generic: A general summary of the document and its overall meaning is generated.</a:t>
+            </a:r>
+          </a:p>
+        </p:txBody>
+      </p:sp>
+    </p:spTree>
+    <p:extLst>
+      <p:ext uri="{BB962C8B-B14F-4D97-AF65-F5344CB8AC3E}">
+        <p14:creationId xmlns:p14="http://schemas.microsoft.com/office/powerpoint/2010/main" val="613888700"/>
+      </p:ext>
+    </p:extLst>
+  </p:cSld>
+  <p:clrMapOvr>
+    <a:masterClrMapping/>
+  </p:clrMapOvr>
+</p:sld>
+</file>
+
+<file path=ppt/slides/slide6.xml><?xml version="1.0" encoding="utf-8"?>
+<p:sld xmlns:a="http://schemas.openxmlformats.org/drawingml/2006/main" xmlns:r="http://schemas.openxmlformats.org/officeDocument/2006/relationships" xmlns:p="http://schemas.openxmlformats.org/presentationml/2006/main">
+  <p:cSld>
+    <p:spTree>
+      <p:nvGrpSpPr>
+        <p:cNvPr id="1" name=""/>
+        <p:cNvGrpSpPr/>
+        <p:nvPr/>
+      </p:nvGrpSpPr>
+      <p:grpSpPr>
+        <a:xfrm>
+          <a:off x="0" y="0"/>
+          <a:ext cx="0" cy="0"/>
+          <a:chOff x="0" y="0"/>
+          <a:chExt cx="0" cy="0"/>
+        </a:xfrm>
+      </p:grpSpPr>
+      <p:sp>
+        <p:nvSpPr>
+          <p:cNvPr id="2" name="Title 1">
+            <a:extLst>
+              <a:ext uri="{FF2B5EF4-FFF2-40B4-BE49-F238E27FC236}">
+                <a16:creationId xmlns:a16="http://schemas.microsoft.com/office/drawing/2014/main" id="{ECFE3CF3-769C-4BEE-862A-1D29DF7BEAF7}"/>
+              </a:ext>
+            </a:extLst>
+          </p:cNvPr>
+          <p:cNvSpPr>
+            <a:spLocks noGrp="1"/>
+          </p:cNvSpPr>
+          <p:nvPr>
+            <p:ph type="title"/>
+          </p:nvPr>
+        </p:nvSpPr>
+        <p:spPr>
+          <a:xfrm>
+            <a:off x="1" y="559678"/>
+            <a:ext cx="4675238" cy="4952492"/>
+          </a:xfrm>
+        </p:spPr>
+        <p:txBody>
+          <a:bodyPr/>
+          <a:lstStyle/>
+          <a:p>
+            <a:r>
+              <a:rPr lang="en-GB" dirty="0"/>
+              <a:t>Abstractive text summarization</a:t>
+            </a:r>
+            <a:br>
+              <a:rPr lang="en-GB" dirty="0"/>
+            </a:br>
+            <a:r>
+              <a:rPr lang="en-GB" dirty="0"/>
+              <a:t> </a:t>
+            </a:r>
+          </a:p>
+        </p:txBody>
+      </p:sp>
+      <p:sp>
+        <p:nvSpPr>
+          <p:cNvPr id="3" name="Content Placeholder 2">
+            <a:extLst>
+              <a:ext uri="{FF2B5EF4-FFF2-40B4-BE49-F238E27FC236}">
+                <a16:creationId xmlns:a16="http://schemas.microsoft.com/office/drawing/2014/main" id="{FDA8FA34-4AC6-414D-AD53-D17C37634079}"/>
+              </a:ext>
+            </a:extLst>
+          </p:cNvPr>
+          <p:cNvSpPr>
+            <a:spLocks noGrp="1"/>
+          </p:cNvSpPr>
+          <p:nvPr>
+            <p:ph idx="1"/>
+          </p:nvPr>
+        </p:nvSpPr>
+        <p:spPr/>
+        <p:txBody>
+          <a:bodyPr/>
+          <a:lstStyle/>
+          <a:p>
+            <a:endParaRPr lang="en-GB" dirty="0"/>
+          </a:p>
+        </p:txBody>
+      </p:sp>
+    </p:spTree>
+    <p:extLst>
+      <p:ext uri="{BB962C8B-B14F-4D97-AF65-F5344CB8AC3E}">
+        <p14:creationId xmlns:p14="http://schemas.microsoft.com/office/powerpoint/2010/main" val="3162503999"/>
+      </p:ext>
+    </p:extLst>
+  </p:cSld>
+  <p:clrMapOvr>
+    <a:masterClrMapping/>
+  </p:clrMapOvr>
+</p:sld>
+</file>
+
+<file path=ppt/slides/slide7.xml><?xml version="1.0" encoding="utf-8"?>
+<p:sld xmlns:a="http://schemas.openxmlformats.org/drawingml/2006/main" xmlns:r="http://schemas.openxmlformats.org/officeDocument/2006/relationships" xmlns:p="http://schemas.openxmlformats.org/presentationml/2006/main">
+  <p:cSld>
+    <p:bg>
+      <p:bgPr>
+        <a:solidFill>
+          <a:schemeClr val="bg2"/>
+        </a:solidFill>
+        <a:effectLst/>
+      </p:bgPr>
+    </p:bg>
+    <p:spTree>
+      <p:nvGrpSpPr>
+        <p:cNvPr id="1" name=""/>
+        <p:cNvGrpSpPr/>
+        <p:nvPr/>
+      </p:nvGrpSpPr>
+      <p:grpSpPr>
+        <a:xfrm>
+          <a:off x="0" y="0"/>
+          <a:ext cx="0" cy="0"/>
+          <a:chOff x="0" y="0"/>
+          <a:chExt cx="0" cy="0"/>
+        </a:xfrm>
+      </p:grpSpPr>
+      <p:sp>
+        <p:nvSpPr>
+          <p:cNvPr id="7" name="Freeform 6">
+            <a:extLst>
+              <a:ext uri="{FF2B5EF4-FFF2-40B4-BE49-F238E27FC236}">
+                <a16:creationId xmlns:a16="http://schemas.microsoft.com/office/drawing/2014/main" id="{B9FC6610-A5F8-45EA-B7D4-AFDF75D208D8}"/>
+              </a:ext>
+              <a:ext uri="{C183D7F6-B498-43B3-948B-1728B52AA6E4}">
+                <adec:decorative xmlns:adec="http://schemas.microsoft.com/office/drawing/2017/decorative" val="1"/>
+              </a:ext>
+            </a:extLst>
+          </p:cNvPr>
+          <p:cNvSpPr>
+            <a:spLocks noGrp="1" noRot="1" noChangeAspect="1" noMove="1" noResize="1" noEditPoints="1" noAdjustHandles="1" noChangeArrowheads="1" noChangeShapeType="1" noTextEdit="1"/>
+          </p:cNvSpPr>
+          <p:nvPr>
+            <p:extLst>
+              <p:ext uri="{386F3935-93C4-4BCD-93E2-E3B085C9AB24}">
+                <p16:designElem xmlns:p16="http://schemas.microsoft.com/office/powerpoint/2015/main" val="1"/>
+              </p:ext>
+            </p:extLst>
+          </p:nvPr>
+        </p:nvSpPr>
+        <p:spPr bwMode="auto">
+          <a:xfrm>
+            <a:off x="11784011" y="1189204"/>
+            <a:ext cx="407988" cy="819150"/>
+          </a:xfrm>
+          <a:custGeom>
+            <a:avLst/>
+            <a:gdLst/>
+            <a:ahLst/>
+            <a:cxnLst/>
+            <a:rect l="0" t="0" r="r" b="b"/>
+            <a:pathLst>
+              <a:path w="1799" h="3612">
+                <a:moveTo>
+                  <a:pt x="1799" y="0"/>
+                </a:moveTo>
+                <a:lnTo>
+                  <a:pt x="1799" y="3612"/>
+                </a:lnTo>
+                <a:lnTo>
+                  <a:pt x="1686" y="3609"/>
+                </a:lnTo>
+                <a:lnTo>
+                  <a:pt x="1574" y="3598"/>
+                </a:lnTo>
+                <a:lnTo>
+                  <a:pt x="1464" y="3581"/>
+                </a:lnTo>
+                <a:lnTo>
+                  <a:pt x="1357" y="3557"/>
+                </a:lnTo>
+                <a:lnTo>
+                  <a:pt x="1251" y="3527"/>
+                </a:lnTo>
+                <a:lnTo>
+                  <a:pt x="1150" y="3490"/>
+                </a:lnTo>
+                <a:lnTo>
+                  <a:pt x="1050" y="3448"/>
+                </a:lnTo>
+                <a:lnTo>
+                  <a:pt x="953" y="3401"/>
+                </a:lnTo>
+                <a:lnTo>
+                  <a:pt x="860" y="3347"/>
+                </a:lnTo>
+                <a:lnTo>
+                  <a:pt x="771" y="3289"/>
+                </a:lnTo>
+                <a:lnTo>
+                  <a:pt x="686" y="3224"/>
+                </a:lnTo>
+                <a:lnTo>
+                  <a:pt x="604" y="3156"/>
+                </a:lnTo>
+                <a:lnTo>
+                  <a:pt x="527" y="3083"/>
+                </a:lnTo>
+                <a:lnTo>
+                  <a:pt x="454" y="3005"/>
+                </a:lnTo>
+                <a:lnTo>
+                  <a:pt x="386" y="2923"/>
+                </a:lnTo>
+                <a:lnTo>
+                  <a:pt x="323" y="2838"/>
+                </a:lnTo>
+                <a:lnTo>
+                  <a:pt x="265" y="2748"/>
+                </a:lnTo>
+                <a:lnTo>
+                  <a:pt x="211" y="2655"/>
+                </a:lnTo>
+                <a:lnTo>
+                  <a:pt x="163" y="2559"/>
+                </a:lnTo>
+                <a:lnTo>
+                  <a:pt x="121" y="2459"/>
+                </a:lnTo>
+                <a:lnTo>
+                  <a:pt x="85" y="2356"/>
+                </a:lnTo>
+                <a:lnTo>
+                  <a:pt x="55" y="2251"/>
+                </a:lnTo>
+                <a:lnTo>
+                  <a:pt x="32" y="2143"/>
+                </a:lnTo>
+                <a:lnTo>
+                  <a:pt x="14" y="2033"/>
+                </a:lnTo>
+                <a:lnTo>
+                  <a:pt x="4" y="1920"/>
+                </a:lnTo>
+                <a:lnTo>
+                  <a:pt x="0" y="1806"/>
+                </a:lnTo>
+                <a:lnTo>
+                  <a:pt x="4" y="1692"/>
+                </a:lnTo>
+                <a:lnTo>
+                  <a:pt x="14" y="1580"/>
+                </a:lnTo>
+                <a:lnTo>
+                  <a:pt x="32" y="1469"/>
+                </a:lnTo>
+                <a:lnTo>
+                  <a:pt x="55" y="1362"/>
+                </a:lnTo>
+                <a:lnTo>
+                  <a:pt x="85" y="1256"/>
+                </a:lnTo>
+                <a:lnTo>
+                  <a:pt x="121" y="1154"/>
+                </a:lnTo>
+                <a:lnTo>
+                  <a:pt x="163" y="1054"/>
+                </a:lnTo>
+                <a:lnTo>
+                  <a:pt x="211" y="958"/>
+                </a:lnTo>
+                <a:lnTo>
+                  <a:pt x="265" y="864"/>
+                </a:lnTo>
+                <a:lnTo>
+                  <a:pt x="323" y="774"/>
+                </a:lnTo>
+                <a:lnTo>
+                  <a:pt x="386" y="689"/>
+                </a:lnTo>
+                <a:lnTo>
+                  <a:pt x="454" y="607"/>
+                </a:lnTo>
+                <a:lnTo>
+                  <a:pt x="527" y="529"/>
+                </a:lnTo>
+                <a:lnTo>
+                  <a:pt x="604" y="456"/>
+                </a:lnTo>
+                <a:lnTo>
+                  <a:pt x="686" y="388"/>
+                </a:lnTo>
+                <a:lnTo>
+                  <a:pt x="771" y="325"/>
+                </a:lnTo>
+                <a:lnTo>
+                  <a:pt x="860" y="266"/>
+                </a:lnTo>
+                <a:lnTo>
+                  <a:pt x="953" y="212"/>
+                </a:lnTo>
+                <a:lnTo>
+                  <a:pt x="1050" y="164"/>
+                </a:lnTo>
+                <a:lnTo>
+                  <a:pt x="1150" y="122"/>
+                </a:lnTo>
+                <a:lnTo>
+                  <a:pt x="1251" y="85"/>
+                </a:lnTo>
+                <a:lnTo>
+                  <a:pt x="1357" y="55"/>
+                </a:lnTo>
+                <a:lnTo>
+                  <a:pt x="1464" y="32"/>
+                </a:lnTo>
+                <a:lnTo>
+                  <a:pt x="1574" y="14"/>
+                </a:lnTo>
+                <a:lnTo>
+                  <a:pt x="1686" y="5"/>
+                </a:lnTo>
+                <a:lnTo>
+                  <a:pt x="1799" y="0"/>
+                </a:lnTo>
+                <a:close/>
+              </a:path>
+            </a:pathLst>
+          </a:custGeom>
+          <a:solidFill>
+            <a:schemeClr val="tx2"/>
+          </a:solidFill>
+          <a:ln w="0">
+            <a:noFill/>
+            <a:prstDash val="solid"/>
+            <a:round/>
+            <a:headEnd/>
+            <a:tailEnd/>
+          </a:ln>
+        </p:spPr>
+      </p:sp>
+      <p:cxnSp>
+        <p:nvCxnSpPr>
+          <p:cNvPr id="9" name="Straight Connector 8">
+            <a:extLst>
+              <a:ext uri="{FF2B5EF4-FFF2-40B4-BE49-F238E27FC236}">
+                <a16:creationId xmlns:a16="http://schemas.microsoft.com/office/drawing/2014/main" id="{4E9AB7A3-4EBC-40F6-99B4-4B1FE7F9DD4A}"/>
+              </a:ext>
+              <a:ext uri="{C183D7F6-B498-43B3-948B-1728B52AA6E4}">
+                <adec:decorative xmlns:adec="http://schemas.microsoft.com/office/drawing/2017/decorative" val="1"/>
+              </a:ext>
+            </a:extLst>
+          </p:cNvPr>
+          <p:cNvCxnSpPr>
+            <a:cxnSpLocks noGrp="1" noRot="1" noChangeAspect="1" noMove="1" noResize="1" noEditPoints="1" noAdjustHandles="1" noChangeArrowheads="1" noChangeShapeType="1"/>
+          </p:cNvCxnSpPr>
+          <p:nvPr>
+            <p:extLst>
+              <p:ext uri="{386F3935-93C4-4BCD-93E2-E3B085C9AB24}">
+                <p16:designElem xmlns:p16="http://schemas.microsoft.com/office/powerpoint/2015/main" val="1"/>
+              </p:ext>
+            </p:extLst>
+          </p:nvPr>
+        </p:nvCxnSpPr>
+        <p:spPr>
+          <a:xfrm>
+            <a:off x="773855" y="1257300"/>
+            <a:ext cx="0" cy="5600700"/>
+          </a:xfrm>
+          <a:prstGeom prst="line">
+            <a:avLst/>
+          </a:prstGeom>
+          <a:ln w="25400">
+            <a:solidFill>
+              <a:schemeClr val="tx2"/>
+            </a:solidFill>
+          </a:ln>
+        </p:spPr>
+        <p:style>
+          <a:lnRef idx="1">
+            <a:schemeClr val="accent1"/>
+          </a:lnRef>
+          <a:fillRef idx="0">
+            <a:schemeClr val="accent1"/>
+          </a:fillRef>
+          <a:effectRef idx="0">
+            <a:schemeClr val="accent1"/>
+          </a:effectRef>
+          <a:fontRef idx="minor">
+            <a:schemeClr val="tx1"/>
+          </a:fontRef>
+        </p:style>
+      </p:cxnSp>
+      <p:sp useBgFill="1">
+        <p:nvSpPr>
+          <p:cNvPr id="11" name="Rectangle 10">
+            <a:extLst>
+              <a:ext uri="{FF2B5EF4-FFF2-40B4-BE49-F238E27FC236}">
+                <a16:creationId xmlns:a16="http://schemas.microsoft.com/office/drawing/2014/main" id="{7865333E-6BF7-40FE-AC7D-EB8A0900AA91}"/>
+              </a:ext>
+              <a:ext uri="{C183D7F6-B498-43B3-948B-1728B52AA6E4}">
+                <adec:decorative xmlns:adec="http://schemas.microsoft.com/office/drawing/2017/decorative" val="1"/>
+              </a:ext>
+            </a:extLst>
+          </p:cNvPr>
+          <p:cNvSpPr>
+            <a:spLocks noGrp="1" noRot="1" noChangeAspect="1" noMove="1" noResize="1" noEditPoints="1" noAdjustHandles="1" noChangeArrowheads="1" noChangeShapeType="1" noTextEdit="1"/>
+          </p:cNvSpPr>
+          <p:nvPr>
+            <p:extLst>
+              <p:ext uri="{386F3935-93C4-4BCD-93E2-E3B085C9AB24}">
+                <p16:designElem xmlns:p16="http://schemas.microsoft.com/office/powerpoint/2015/main" val="1"/>
+              </p:ext>
+            </p:extLst>
+          </p:nvPr>
+        </p:nvSpPr>
+        <p:spPr bwMode="grayWhite">
+          <a:xfrm>
+            <a:off x="0" y="0"/>
+            <a:ext cx="12191999" cy="6858000"/>
+          </a:xfrm>
+          <a:prstGeom prst="rect">
+            <a:avLst/>
+          </a:prstGeom>
+          <a:ln>
+            <a:noFill/>
+          </a:ln>
+        </p:spPr>
+        <p:style>
+          <a:lnRef idx="2">
+            <a:schemeClr val="accent1">
+              <a:shade val="50000"/>
+            </a:schemeClr>
+          </a:lnRef>
+          <a:fillRef idx="1">
+            <a:schemeClr val="accent1"/>
+          </a:fillRef>
+          <a:effectRef idx="0">
+            <a:schemeClr val="accent1"/>
+          </a:effectRef>
+          <a:fontRef idx="minor">
+            <a:schemeClr val="lt1"/>
+          </a:fontRef>
+        </p:style>
+        <p:txBody>
+          <a:bodyPr rtlCol="0" anchor="ctr"/>
+          <a:lstStyle/>
+          <a:p>
+            <a:pPr algn="ctr"/>
+            <a:endParaRPr lang="en-US"/>
+          </a:p>
+        </p:txBody>
+      </p:sp>
+      <p:sp>
+        <p:nvSpPr>
+          <p:cNvPr id="2" name="Title 1">
+            <a:extLst>
+              <a:ext uri="{FF2B5EF4-FFF2-40B4-BE49-F238E27FC236}">
                 <a16:creationId xmlns:a16="http://schemas.microsoft.com/office/drawing/2014/main" id="{1C284C8A-A3ED-43F7-9800-E9CBF05D1EFC}"/>
               </a:ext>
             </a:extLst>
@@ -3699,47 +6540,1173 @@
             <p:ph type="title"/>
           </p:nvPr>
         </p:nvSpPr>
-        <p:spPr/>
-        <p:txBody>
-          <a:bodyPr/>
+        <p:spPr>
+          <a:xfrm>
+            <a:off x="2797126" y="2678464"/>
+            <a:ext cx="8832898" cy="3798420"/>
+          </a:xfrm>
+        </p:spPr>
+        <p:txBody>
+          <a:bodyPr vert="horz" lIns="91440" tIns="45720" rIns="91440" bIns="45720" rtlCol="0" anchor="t">
+            <a:normAutofit/>
+          </a:bodyPr>
           <a:lstStyle/>
           <a:p>
-            <a:r>
-              <a:rPr lang="en-GB" dirty="0"/>
-              <a:t>contributions</a:t>
-            </a:r>
-          </a:p>
-        </p:txBody>
-      </p:sp>
-      <p:sp>
-        <p:nvSpPr>
-          <p:cNvPr id="3" name="Content Placeholder 2">
+            <a:pPr algn="l">
+              <a:lnSpc>
+                <a:spcPct val="85000"/>
+              </a:lnSpc>
+            </a:pPr>
+            <a:r>
+              <a:rPr lang="en-US" sz="7400" cap="all">
+                <a:solidFill>
+                  <a:schemeClr val="tx2"/>
+                </a:solidFill>
+              </a:rPr>
+              <a:t>Contributions</a:t>
+            </a:r>
+            <a:br>
+              <a:rPr lang="en-US" sz="7400" cap="all">
+                <a:solidFill>
+                  <a:schemeClr val="tx2"/>
+                </a:solidFill>
+              </a:rPr>
+            </a:br>
+            <a:endParaRPr lang="en-US" sz="7400" cap="all">
+              <a:solidFill>
+                <a:schemeClr val="tx2"/>
+              </a:solidFill>
+            </a:endParaRPr>
+          </a:p>
+        </p:txBody>
+      </p:sp>
+      <p:sp>
+        <p:nvSpPr>
+          <p:cNvPr id="13" name="Freeform 6">
             <a:extLst>
               <a:ext uri="{FF2B5EF4-FFF2-40B4-BE49-F238E27FC236}">
-                <a16:creationId xmlns:a16="http://schemas.microsoft.com/office/drawing/2014/main" id="{FD6E2413-F343-40C2-A5D6-AA9A131ECD1A}"/>
+                <a16:creationId xmlns:a16="http://schemas.microsoft.com/office/drawing/2014/main" id="{C971C6CD-6DA8-4FDD-A89B-4B681DEABB53}"/>
+              </a:ext>
+              <a:ext uri="{C183D7F6-B498-43B3-948B-1728B52AA6E4}">
+                <adec:decorative xmlns:adec="http://schemas.microsoft.com/office/drawing/2017/decorative" val="1"/>
               </a:ext>
             </a:extLst>
           </p:cNvPr>
           <p:cNvSpPr>
-            <a:spLocks noGrp="1"/>
-          </p:cNvSpPr>
-          <p:nvPr>
-            <p:ph idx="1"/>
-          </p:nvPr>
-        </p:nvSpPr>
-        <p:spPr/>
-        <p:txBody>
-          <a:bodyPr/>
-          <a:lstStyle/>
-          <a:p>
-            <a:endParaRPr lang="en-GB"/>
-          </a:p>
-        </p:txBody>
-      </p:sp>
+            <a:spLocks noGrp="1" noRot="1" noChangeAspect="1" noMove="1" noResize="1" noEditPoints="1" noAdjustHandles="1" noChangeArrowheads="1" noChangeShapeType="1" noTextEdit="1"/>
+          </p:cNvSpPr>
+          <p:nvPr>
+            <p:extLst>
+              <p:ext uri="{386F3935-93C4-4BCD-93E2-E3B085C9AB24}">
+                <p16:designElem xmlns:p16="http://schemas.microsoft.com/office/powerpoint/2015/main" val="1"/>
+              </p:ext>
+            </p:extLst>
+          </p:nvPr>
+        </p:nvSpPr>
+        <p:spPr bwMode="auto">
+          <a:xfrm>
+            <a:off x="11784011" y="514572"/>
+            <a:ext cx="407988" cy="819150"/>
+          </a:xfrm>
+          <a:custGeom>
+            <a:avLst/>
+            <a:gdLst/>
+            <a:ahLst/>
+            <a:cxnLst/>
+            <a:rect l="0" t="0" r="r" b="b"/>
+            <a:pathLst>
+              <a:path w="1799" h="3612">
+                <a:moveTo>
+                  <a:pt x="1799" y="0"/>
+                </a:moveTo>
+                <a:lnTo>
+                  <a:pt x="1799" y="3612"/>
+                </a:lnTo>
+                <a:lnTo>
+                  <a:pt x="1686" y="3609"/>
+                </a:lnTo>
+                <a:lnTo>
+                  <a:pt x="1574" y="3598"/>
+                </a:lnTo>
+                <a:lnTo>
+                  <a:pt x="1464" y="3581"/>
+                </a:lnTo>
+                <a:lnTo>
+                  <a:pt x="1357" y="3557"/>
+                </a:lnTo>
+                <a:lnTo>
+                  <a:pt x="1251" y="3527"/>
+                </a:lnTo>
+                <a:lnTo>
+                  <a:pt x="1150" y="3490"/>
+                </a:lnTo>
+                <a:lnTo>
+                  <a:pt x="1050" y="3448"/>
+                </a:lnTo>
+                <a:lnTo>
+                  <a:pt x="953" y="3401"/>
+                </a:lnTo>
+                <a:lnTo>
+                  <a:pt x="860" y="3347"/>
+                </a:lnTo>
+                <a:lnTo>
+                  <a:pt x="771" y="3289"/>
+                </a:lnTo>
+                <a:lnTo>
+                  <a:pt x="686" y="3224"/>
+                </a:lnTo>
+                <a:lnTo>
+                  <a:pt x="604" y="3156"/>
+                </a:lnTo>
+                <a:lnTo>
+                  <a:pt x="527" y="3083"/>
+                </a:lnTo>
+                <a:lnTo>
+                  <a:pt x="454" y="3005"/>
+                </a:lnTo>
+                <a:lnTo>
+                  <a:pt x="386" y="2923"/>
+                </a:lnTo>
+                <a:lnTo>
+                  <a:pt x="323" y="2838"/>
+                </a:lnTo>
+                <a:lnTo>
+                  <a:pt x="265" y="2748"/>
+                </a:lnTo>
+                <a:lnTo>
+                  <a:pt x="211" y="2655"/>
+                </a:lnTo>
+                <a:lnTo>
+                  <a:pt x="163" y="2559"/>
+                </a:lnTo>
+                <a:lnTo>
+                  <a:pt x="121" y="2459"/>
+                </a:lnTo>
+                <a:lnTo>
+                  <a:pt x="85" y="2356"/>
+                </a:lnTo>
+                <a:lnTo>
+                  <a:pt x="55" y="2251"/>
+                </a:lnTo>
+                <a:lnTo>
+                  <a:pt x="32" y="2143"/>
+                </a:lnTo>
+                <a:lnTo>
+                  <a:pt x="14" y="2033"/>
+                </a:lnTo>
+                <a:lnTo>
+                  <a:pt x="4" y="1920"/>
+                </a:lnTo>
+                <a:lnTo>
+                  <a:pt x="0" y="1806"/>
+                </a:lnTo>
+                <a:lnTo>
+                  <a:pt x="4" y="1692"/>
+                </a:lnTo>
+                <a:lnTo>
+                  <a:pt x="14" y="1580"/>
+                </a:lnTo>
+                <a:lnTo>
+                  <a:pt x="32" y="1469"/>
+                </a:lnTo>
+                <a:lnTo>
+                  <a:pt x="55" y="1362"/>
+                </a:lnTo>
+                <a:lnTo>
+                  <a:pt x="85" y="1256"/>
+                </a:lnTo>
+                <a:lnTo>
+                  <a:pt x="121" y="1154"/>
+                </a:lnTo>
+                <a:lnTo>
+                  <a:pt x="163" y="1054"/>
+                </a:lnTo>
+                <a:lnTo>
+                  <a:pt x="211" y="958"/>
+                </a:lnTo>
+                <a:lnTo>
+                  <a:pt x="265" y="864"/>
+                </a:lnTo>
+                <a:lnTo>
+                  <a:pt x="323" y="774"/>
+                </a:lnTo>
+                <a:lnTo>
+                  <a:pt x="386" y="689"/>
+                </a:lnTo>
+                <a:lnTo>
+                  <a:pt x="454" y="607"/>
+                </a:lnTo>
+                <a:lnTo>
+                  <a:pt x="527" y="529"/>
+                </a:lnTo>
+                <a:lnTo>
+                  <a:pt x="604" y="456"/>
+                </a:lnTo>
+                <a:lnTo>
+                  <a:pt x="686" y="388"/>
+                </a:lnTo>
+                <a:lnTo>
+                  <a:pt x="771" y="325"/>
+                </a:lnTo>
+                <a:lnTo>
+                  <a:pt x="860" y="266"/>
+                </a:lnTo>
+                <a:lnTo>
+                  <a:pt x="953" y="212"/>
+                </a:lnTo>
+                <a:lnTo>
+                  <a:pt x="1050" y="164"/>
+                </a:lnTo>
+                <a:lnTo>
+                  <a:pt x="1150" y="122"/>
+                </a:lnTo>
+                <a:lnTo>
+                  <a:pt x="1251" y="85"/>
+                </a:lnTo>
+                <a:lnTo>
+                  <a:pt x="1357" y="55"/>
+                </a:lnTo>
+                <a:lnTo>
+                  <a:pt x="1464" y="32"/>
+                </a:lnTo>
+                <a:lnTo>
+                  <a:pt x="1574" y="14"/>
+                </a:lnTo>
+                <a:lnTo>
+                  <a:pt x="1686" y="5"/>
+                </a:lnTo>
+                <a:lnTo>
+                  <a:pt x="1799" y="0"/>
+                </a:lnTo>
+                <a:close/>
+              </a:path>
+            </a:pathLst>
+          </a:custGeom>
+          <a:solidFill>
+            <a:schemeClr val="tx2"/>
+          </a:solidFill>
+          <a:ln w="0">
+            <a:noFill/>
+            <a:prstDash val="solid"/>
+            <a:round/>
+            <a:headEnd/>
+            <a:tailEnd/>
+          </a:ln>
+        </p:spPr>
+      </p:sp>
+      <p:cxnSp>
+        <p:nvCxnSpPr>
+          <p:cNvPr id="15" name="Straight Connector 14">
+            <a:extLst>
+              <a:ext uri="{FF2B5EF4-FFF2-40B4-BE49-F238E27FC236}">
+                <a16:creationId xmlns:a16="http://schemas.microsoft.com/office/drawing/2014/main" id="{ED3CBB7D-B825-489C-9789-70D05A25CF6F}"/>
+              </a:ext>
+              <a:ext uri="{C183D7F6-B498-43B3-948B-1728B52AA6E4}">
+                <adec:decorative xmlns:adec="http://schemas.microsoft.com/office/drawing/2017/decorative" val="1"/>
+              </a:ext>
+            </a:extLst>
+          </p:cNvPr>
+          <p:cNvCxnSpPr>
+            <a:cxnSpLocks noGrp="1" noRot="1" noChangeAspect="1" noMove="1" noResize="1" noEditPoints="1" noAdjustHandles="1" noChangeArrowheads="1" noChangeShapeType="1"/>
+          </p:cNvCxnSpPr>
+          <p:nvPr>
+            <p:extLst>
+              <p:ext uri="{386F3935-93C4-4BCD-93E2-E3B085C9AB24}">
+                <p16:designElem xmlns:p16="http://schemas.microsoft.com/office/powerpoint/2015/main" val="1"/>
+              </p:ext>
+            </p:extLst>
+          </p:nvPr>
+        </p:nvCxnSpPr>
+        <p:spPr>
+          <a:xfrm>
+            <a:off x="2865120" y="2519131"/>
+            <a:ext cx="9326880" cy="0"/>
+          </a:xfrm>
+          <a:prstGeom prst="line">
+            <a:avLst/>
+          </a:prstGeom>
+          <a:ln w="25400">
+            <a:solidFill>
+              <a:schemeClr val="tx2"/>
+            </a:solidFill>
+          </a:ln>
+        </p:spPr>
+        <p:style>
+          <a:lnRef idx="1">
+            <a:schemeClr val="accent1"/>
+          </a:lnRef>
+          <a:fillRef idx="0">
+            <a:schemeClr val="accent1"/>
+          </a:fillRef>
+          <a:effectRef idx="0">
+            <a:schemeClr val="accent1"/>
+          </a:effectRef>
+          <a:fontRef idx="minor">
+            <a:schemeClr val="tx1"/>
+          </a:fontRef>
+        </p:style>
+      </p:cxnSp>
     </p:spTree>
     <p:extLst>
       <p:ext uri="{BB962C8B-B14F-4D97-AF65-F5344CB8AC3E}">
         <p14:creationId xmlns:p14="http://schemas.microsoft.com/office/powerpoint/2010/main" val="3641639922"/>
+      </p:ext>
+    </p:extLst>
+  </p:cSld>
+  <p:clrMapOvr>
+    <a:overrideClrMapping bg1="dk1" tx1="lt1" bg2="dk2" tx2="lt2" accent1="accent1" accent2="accent2" accent3="accent3" accent4="accent4" accent5="accent5" accent6="accent6" hlink="hlink" folHlink="folHlink"/>
+  </p:clrMapOvr>
+</p:sld>
+</file>
+
+<file path=ppt/slides/slide8.xml><?xml version="1.0" encoding="utf-8"?>
+<p:sld xmlns:a="http://schemas.openxmlformats.org/drawingml/2006/main" xmlns:r="http://schemas.openxmlformats.org/officeDocument/2006/relationships" xmlns:p="http://schemas.openxmlformats.org/presentationml/2006/main">
+  <p:cSld>
+    <p:bg>
+      <p:bgPr>
+        <a:solidFill>
+          <a:schemeClr val="bg2"/>
+        </a:solidFill>
+        <a:effectLst/>
+      </p:bgPr>
+    </p:bg>
+    <p:spTree>
+      <p:nvGrpSpPr>
+        <p:cNvPr id="1" name=""/>
+        <p:cNvGrpSpPr/>
+        <p:nvPr/>
+      </p:nvGrpSpPr>
+      <p:grpSpPr>
+        <a:xfrm>
+          <a:off x="0" y="0"/>
+          <a:ext cx="0" cy="0"/>
+          <a:chOff x="0" y="0"/>
+          <a:chExt cx="0" cy="0"/>
+        </a:xfrm>
+      </p:grpSpPr>
+      <p:sp>
+        <p:nvSpPr>
+          <p:cNvPr id="20" name="Rectangle 19">
+            <a:extLst>
+              <a:ext uri="{FF2B5EF4-FFF2-40B4-BE49-F238E27FC236}">
+                <a16:creationId xmlns:a16="http://schemas.microsoft.com/office/drawing/2014/main" id="{2D069AD6-6C92-4BC4-9260-165D14C96F82}"/>
+              </a:ext>
+              <a:ext uri="{C183D7F6-B498-43B3-948B-1728B52AA6E4}">
+                <adec:decorative xmlns:adec="http://schemas.microsoft.com/office/drawing/2017/decorative" val="1"/>
+              </a:ext>
+            </a:extLst>
+          </p:cNvPr>
+          <p:cNvSpPr>
+            <a:spLocks noGrp="1" noRot="1" noChangeAspect="1" noMove="1" noResize="1" noEditPoints="1" noAdjustHandles="1" noChangeArrowheads="1" noChangeShapeType="1" noTextEdit="1"/>
+          </p:cNvSpPr>
+          <p:nvPr>
+            <p:extLst>
+              <p:ext uri="{386F3935-93C4-4BCD-93E2-E3B085C9AB24}">
+                <p16:designElem xmlns:p16="http://schemas.microsoft.com/office/powerpoint/2015/main" val="1"/>
+              </p:ext>
+            </p:extLst>
+          </p:nvPr>
+        </p:nvSpPr>
+        <p:spPr>
+          <a:xfrm>
+            <a:off x="0" y="0"/>
+            <a:ext cx="12192000" cy="6858000"/>
+          </a:xfrm>
+          <a:prstGeom prst="rect">
+            <a:avLst/>
+          </a:prstGeom>
+          <a:solidFill>
+            <a:schemeClr val="tx2"/>
+          </a:solidFill>
+          <a:ln>
+            <a:noFill/>
+          </a:ln>
+        </p:spPr>
+        <p:style>
+          <a:lnRef idx="2">
+            <a:schemeClr val="accent1">
+              <a:shade val="50000"/>
+            </a:schemeClr>
+          </a:lnRef>
+          <a:fillRef idx="1">
+            <a:schemeClr val="accent1"/>
+          </a:fillRef>
+          <a:effectRef idx="0">
+            <a:schemeClr val="accent1"/>
+          </a:effectRef>
+          <a:fontRef idx="minor">
+            <a:schemeClr val="lt1"/>
+          </a:fontRef>
+        </p:style>
+        <p:txBody>
+          <a:bodyPr rot="0" spcFirstLastPara="0" vert="horz" wrap="square" lIns="91440" tIns="45720" rIns="91440" bIns="45720" numCol="1" spcCol="0" rtlCol="0" fromWordArt="0" anchor="ctr" anchorCtr="0" forceAA="0" compatLnSpc="1">
+            <a:prstTxWarp prst="textNoShape">
+              <a:avLst/>
+            </a:prstTxWarp>
+            <a:noAutofit/>
+          </a:bodyPr>
+          <a:lstStyle>
+            <a:defPPr>
+              <a:defRPr lang="en-US"/>
+            </a:defPPr>
+            <a:lvl1pPr marL="0" algn="l" defTabSz="914400" rtl="0" eaLnBrk="1" latinLnBrk="0" hangingPunct="1">
+              <a:defRPr sz="1800" kern="1200">
+                <a:solidFill>
+                  <a:schemeClr val="lt1"/>
+                </a:solidFill>
+                <a:latin typeface="+mn-lt"/>
+                <a:ea typeface="+mn-ea"/>
+                <a:cs typeface="+mn-cs"/>
+              </a:defRPr>
+            </a:lvl1pPr>
+            <a:lvl2pPr marL="457200" algn="l" defTabSz="914400" rtl="0" eaLnBrk="1" latinLnBrk="0" hangingPunct="1">
+              <a:defRPr sz="1800" kern="1200">
+                <a:solidFill>
+                  <a:schemeClr val="lt1"/>
+                </a:solidFill>
+                <a:latin typeface="+mn-lt"/>
+                <a:ea typeface="+mn-ea"/>
+                <a:cs typeface="+mn-cs"/>
+              </a:defRPr>
+            </a:lvl2pPr>
+            <a:lvl3pPr marL="914400" algn="l" defTabSz="914400" rtl="0" eaLnBrk="1" latinLnBrk="0" hangingPunct="1">
+              <a:defRPr sz="1800" kern="1200">
+                <a:solidFill>
+                  <a:schemeClr val="lt1"/>
+                </a:solidFill>
+                <a:latin typeface="+mn-lt"/>
+                <a:ea typeface="+mn-ea"/>
+                <a:cs typeface="+mn-cs"/>
+              </a:defRPr>
+            </a:lvl3pPr>
+            <a:lvl4pPr marL="1371600" algn="l" defTabSz="914400" rtl="0" eaLnBrk="1" latinLnBrk="0" hangingPunct="1">
+              <a:defRPr sz="1800" kern="1200">
+                <a:solidFill>
+                  <a:schemeClr val="lt1"/>
+                </a:solidFill>
+                <a:latin typeface="+mn-lt"/>
+                <a:ea typeface="+mn-ea"/>
+                <a:cs typeface="+mn-cs"/>
+              </a:defRPr>
+            </a:lvl4pPr>
+            <a:lvl5pPr marL="1828800" algn="l" defTabSz="914400" rtl="0" eaLnBrk="1" latinLnBrk="0" hangingPunct="1">
+              <a:defRPr sz="1800" kern="1200">
+                <a:solidFill>
+                  <a:schemeClr val="lt1"/>
+                </a:solidFill>
+                <a:latin typeface="+mn-lt"/>
+                <a:ea typeface="+mn-ea"/>
+                <a:cs typeface="+mn-cs"/>
+              </a:defRPr>
+            </a:lvl5pPr>
+            <a:lvl6pPr marL="2286000" algn="l" defTabSz="914400" rtl="0" eaLnBrk="1" latinLnBrk="0" hangingPunct="1">
+              <a:defRPr sz="1800" kern="1200">
+                <a:solidFill>
+                  <a:schemeClr val="lt1"/>
+                </a:solidFill>
+                <a:latin typeface="+mn-lt"/>
+                <a:ea typeface="+mn-ea"/>
+                <a:cs typeface="+mn-cs"/>
+              </a:defRPr>
+            </a:lvl6pPr>
+            <a:lvl7pPr marL="2743200" algn="l" defTabSz="914400" rtl="0" eaLnBrk="1" latinLnBrk="0" hangingPunct="1">
+              <a:defRPr sz="1800" kern="1200">
+                <a:solidFill>
+                  <a:schemeClr val="lt1"/>
+                </a:solidFill>
+                <a:latin typeface="+mn-lt"/>
+                <a:ea typeface="+mn-ea"/>
+                <a:cs typeface="+mn-cs"/>
+              </a:defRPr>
+            </a:lvl7pPr>
+            <a:lvl8pPr marL="3200400" algn="l" defTabSz="914400" rtl="0" eaLnBrk="1" latinLnBrk="0" hangingPunct="1">
+              <a:defRPr sz="1800" kern="1200">
+                <a:solidFill>
+                  <a:schemeClr val="lt1"/>
+                </a:solidFill>
+                <a:latin typeface="+mn-lt"/>
+                <a:ea typeface="+mn-ea"/>
+                <a:cs typeface="+mn-cs"/>
+              </a:defRPr>
+            </a:lvl8pPr>
+            <a:lvl9pPr marL="3657600" algn="l" defTabSz="914400" rtl="0" eaLnBrk="1" latinLnBrk="0" hangingPunct="1">
+              <a:defRPr sz="1800" kern="1200">
+                <a:solidFill>
+                  <a:schemeClr val="lt1"/>
+                </a:solidFill>
+                <a:latin typeface="+mn-lt"/>
+                <a:ea typeface="+mn-ea"/>
+                <a:cs typeface="+mn-cs"/>
+              </a:defRPr>
+            </a:lvl9pPr>
+          </a:lstStyle>
+          <a:p>
+            <a:pPr algn="ctr"/>
+            <a:endParaRPr lang="en-US"/>
+          </a:p>
+        </p:txBody>
+      </p:sp>
+      <p:sp>
+        <p:nvSpPr>
+          <p:cNvPr id="2" name="Title 1">
+            <a:extLst>
+              <a:ext uri="{FF2B5EF4-FFF2-40B4-BE49-F238E27FC236}">
+                <a16:creationId xmlns:a16="http://schemas.microsoft.com/office/drawing/2014/main" id="{1C284C8A-A3ED-43F7-9800-E9CBF05D1EFC}"/>
+              </a:ext>
+            </a:extLst>
+          </p:cNvPr>
+          <p:cNvSpPr>
+            <a:spLocks noGrp="1"/>
+          </p:cNvSpPr>
+          <p:nvPr>
+            <p:ph type="title"/>
+          </p:nvPr>
+        </p:nvSpPr>
+        <p:spPr>
+          <a:xfrm>
+            <a:off x="873940" y="643466"/>
+            <a:ext cx="6136461" cy="4912795"/>
+          </a:xfrm>
+        </p:spPr>
+        <p:txBody>
+          <a:bodyPr vert="horz" lIns="91440" tIns="45720" rIns="91440" bIns="45720" rtlCol="0" anchor="ctr">
+            <a:normAutofit/>
+          </a:bodyPr>
+          <a:lstStyle/>
+          <a:p>
+            <a:pPr algn="l"/>
+            <a:br>
+              <a:rPr lang="en-US" sz="6000" dirty="0">
+                <a:solidFill>
+                  <a:schemeClr val="bg2"/>
+                </a:solidFill>
+              </a:rPr>
+            </a:br>
+            <a:r>
+              <a:rPr lang="en-US" sz="6000" dirty="0">
+                <a:solidFill>
+                  <a:schemeClr val="bg2"/>
+                </a:solidFill>
+              </a:rPr>
+              <a:t>Generic</a:t>
+            </a:r>
+            <a:br>
+              <a:rPr lang="en-US" sz="6000" dirty="0">
+                <a:solidFill>
+                  <a:schemeClr val="bg2"/>
+                </a:solidFill>
+              </a:rPr>
+            </a:br>
+            <a:r>
+              <a:rPr lang="en-US" sz="6000" dirty="0">
+                <a:solidFill>
+                  <a:schemeClr val="bg2"/>
+                </a:solidFill>
+              </a:rPr>
+              <a:t>Extractive Summarization</a:t>
+            </a:r>
+            <a:br>
+              <a:rPr lang="en-US" sz="6000" dirty="0">
+                <a:solidFill>
+                  <a:schemeClr val="bg2"/>
+                </a:solidFill>
+              </a:rPr>
+            </a:br>
+            <a:endParaRPr lang="en-US" sz="6000" dirty="0">
+              <a:solidFill>
+                <a:schemeClr val="bg2"/>
+              </a:solidFill>
+            </a:endParaRPr>
+          </a:p>
+        </p:txBody>
+      </p:sp>
+      <p:cxnSp>
+        <p:nvCxnSpPr>
+          <p:cNvPr id="22" name="Straight Connector 21">
+            <a:extLst>
+              <a:ext uri="{FF2B5EF4-FFF2-40B4-BE49-F238E27FC236}">
+                <a16:creationId xmlns:a16="http://schemas.microsoft.com/office/drawing/2014/main" id="{CC255597-A71E-4CDC-8CCB-93CC4D09FF15}"/>
+              </a:ext>
+              <a:ext uri="{C183D7F6-B498-43B3-948B-1728B52AA6E4}">
+                <adec:decorative xmlns:adec="http://schemas.microsoft.com/office/drawing/2017/decorative" val="1"/>
+              </a:ext>
+            </a:extLst>
+          </p:cNvPr>
+          <p:cNvCxnSpPr>
+            <a:cxnSpLocks noGrp="1" noRot="1" noChangeAspect="1" noMove="1" noResize="1" noEditPoints="1" noAdjustHandles="1" noChangeArrowheads="1" noChangeShapeType="1"/>
+          </p:cNvCxnSpPr>
+          <p:nvPr>
+            <p:extLst>
+              <p:ext uri="{386F3935-93C4-4BCD-93E2-E3B085C9AB24}">
+                <p16:designElem xmlns:p16="http://schemas.microsoft.com/office/powerpoint/2015/main" val="1"/>
+              </p:ext>
+            </p:extLst>
+          </p:nvPr>
+        </p:nvCxnSpPr>
+        <p:spPr>
+          <a:xfrm>
+            <a:off x="0" y="6199730"/>
+            <a:ext cx="7010400" cy="0"/>
+          </a:xfrm>
+          <a:prstGeom prst="line">
+            <a:avLst/>
+          </a:prstGeom>
+          <a:ln w="25400">
+            <a:solidFill>
+              <a:schemeClr val="bg2"/>
+            </a:solidFill>
+          </a:ln>
+        </p:spPr>
+        <p:style>
+          <a:lnRef idx="1">
+            <a:schemeClr val="accent1"/>
+          </a:lnRef>
+          <a:fillRef idx="0">
+            <a:schemeClr val="accent1"/>
+          </a:fillRef>
+          <a:effectRef idx="0">
+            <a:schemeClr val="accent1"/>
+          </a:effectRef>
+          <a:fontRef idx="minor">
+            <a:schemeClr val="tx1"/>
+          </a:fontRef>
+        </p:style>
+      </p:cxnSp>
+      <p:sp>
+        <p:nvSpPr>
+          <p:cNvPr id="24" name="Rectangle 23">
+            <a:extLst>
+              <a:ext uri="{FF2B5EF4-FFF2-40B4-BE49-F238E27FC236}">
+                <a16:creationId xmlns:a16="http://schemas.microsoft.com/office/drawing/2014/main" id="{B3B39673-4CAC-4142-821B-CBD9F946855F}"/>
+              </a:ext>
+              <a:ext uri="{C183D7F6-B498-43B3-948B-1728B52AA6E4}">
+                <adec:decorative xmlns:adec="http://schemas.microsoft.com/office/drawing/2017/decorative" val="1"/>
+              </a:ext>
+            </a:extLst>
+          </p:cNvPr>
+          <p:cNvSpPr>
+            <a:spLocks noGrp="1" noRot="1" noChangeAspect="1" noMove="1" noResize="1" noEditPoints="1" noAdjustHandles="1" noChangeArrowheads="1" noChangeShapeType="1" noTextEdit="1"/>
+          </p:cNvSpPr>
+          <p:nvPr>
+            <p:extLst>
+              <p:ext uri="{386F3935-93C4-4BCD-93E2-E3B085C9AB24}">
+                <p16:designElem xmlns:p16="http://schemas.microsoft.com/office/powerpoint/2015/main" val="1"/>
+              </p:ext>
+            </p:extLst>
+          </p:nvPr>
+        </p:nvSpPr>
+        <p:spPr>
+          <a:xfrm>
+            <a:off x="7537704" y="0"/>
+            <a:ext cx="4654296" cy="6858000"/>
+          </a:xfrm>
+          <a:prstGeom prst="rect">
+            <a:avLst/>
+          </a:prstGeom>
+          <a:solidFill>
+            <a:schemeClr val="bg2"/>
+          </a:solidFill>
+          <a:ln>
+            <a:noFill/>
+          </a:ln>
+        </p:spPr>
+        <p:style>
+          <a:lnRef idx="2">
+            <a:schemeClr val="accent1">
+              <a:shade val="50000"/>
+            </a:schemeClr>
+          </a:lnRef>
+          <a:fillRef idx="1">
+            <a:schemeClr val="accent1"/>
+          </a:fillRef>
+          <a:effectRef idx="0">
+            <a:schemeClr val="accent1"/>
+          </a:effectRef>
+          <a:fontRef idx="minor">
+            <a:schemeClr val="lt1"/>
+          </a:fontRef>
+        </p:style>
+        <p:txBody>
+          <a:bodyPr rtlCol="0" anchor="ctr"/>
+          <a:lstStyle/>
+          <a:p>
+            <a:pPr algn="ctr"/>
+            <a:endParaRPr lang="en-US"/>
+          </a:p>
+        </p:txBody>
+      </p:sp>
+      <p:sp>
+        <p:nvSpPr>
+          <p:cNvPr id="4" name="Title 1">
+            <a:extLst>
+              <a:ext uri="{FF2B5EF4-FFF2-40B4-BE49-F238E27FC236}">
+                <a16:creationId xmlns:a16="http://schemas.microsoft.com/office/drawing/2014/main" id="{85FA0033-6F72-46CB-A9A5-1BFDE8E2E1B5}"/>
+              </a:ext>
+            </a:extLst>
+          </p:cNvPr>
+          <p:cNvSpPr txBox="1">
+            <a:spLocks/>
+          </p:cNvSpPr>
+          <p:nvPr/>
+        </p:nvSpPr>
+        <p:spPr>
+          <a:xfrm>
+            <a:off x="8073155" y="643466"/>
+            <a:ext cx="3475379" cy="5578469"/>
+          </a:xfrm>
+          <a:prstGeom prst="rect">
+            <a:avLst/>
+          </a:prstGeom>
+        </p:spPr>
+        <p:txBody>
+          <a:bodyPr vert="horz" lIns="91440" tIns="45720" rIns="91440" bIns="45720" rtlCol="0" anchor="ctr">
+            <a:normAutofit/>
+          </a:bodyPr>
+          <a:lstStyle>
+            <a:lvl1pPr algn="r" defTabSz="914400" rtl="0" eaLnBrk="1" latinLnBrk="0" hangingPunct="1">
+              <a:lnSpc>
+                <a:spcPct val="90000"/>
+              </a:lnSpc>
+              <a:spcBef>
+                <a:spcPct val="0"/>
+              </a:spcBef>
+              <a:buNone/>
+              <a:defRPr sz="5000" b="0" i="1" kern="1200" baseline="0">
+                <a:solidFill>
+                  <a:schemeClr val="tx1">
+                    <a:lumMod val="85000"/>
+                    <a:lumOff val="15000"/>
+                  </a:schemeClr>
+                </a:solidFill>
+                <a:latin typeface="+mj-lt"/>
+                <a:ea typeface="+mj-ea"/>
+                <a:cs typeface="+mj-cs"/>
+              </a:defRPr>
+            </a:lvl1pPr>
+          </a:lstStyle>
+          <a:p>
+            <a:pPr indent="-283464" algn="l">
+              <a:lnSpc>
+                <a:spcPct val="102000"/>
+              </a:lnSpc>
+              <a:spcBef>
+                <a:spcPts val="900"/>
+              </a:spcBef>
+            </a:pPr>
+            <a:r>
+              <a:rPr lang="en-US" sz="3100">
+                <a:solidFill>
+                  <a:schemeClr val="tx2"/>
+                </a:solidFill>
+                <a:latin typeface="+mn-lt"/>
+                <a:ea typeface="+mn-ea"/>
+                <a:cs typeface="+mn-cs"/>
+              </a:rPr>
+              <a:t>Shirwandkar, N.S. &amp; Kulkarni, S.</a:t>
+            </a:r>
+          </a:p>
+          <a:p>
+            <a:pPr indent="-283464" algn="l">
+              <a:lnSpc>
+                <a:spcPct val="102000"/>
+              </a:lnSpc>
+              <a:spcBef>
+                <a:spcPts val="900"/>
+              </a:spcBef>
+            </a:pPr>
+            <a:r>
+              <a:rPr lang="en-US" sz="3100">
+                <a:solidFill>
+                  <a:schemeClr val="tx2"/>
+                </a:solidFill>
+                <a:latin typeface="+mn-lt"/>
+                <a:ea typeface="+mn-ea"/>
+                <a:cs typeface="+mn-cs"/>
+              </a:rPr>
+              <a:t>2018 Fourth International Conference on Computing Communication Control and Automation (ICCUBEA), pp.1–5.</a:t>
+            </a:r>
+          </a:p>
+        </p:txBody>
+      </p:sp>
+      <p:sp>
+        <p:nvSpPr>
+          <p:cNvPr id="26" name="Freeform 6">
+            <a:extLst>
+              <a:ext uri="{FF2B5EF4-FFF2-40B4-BE49-F238E27FC236}">
+                <a16:creationId xmlns:a16="http://schemas.microsoft.com/office/drawing/2014/main" id="{37A3AED6-20FF-46BC-B176-29CE106816C3}"/>
+              </a:ext>
+              <a:ext uri="{C183D7F6-B498-43B3-948B-1728B52AA6E4}">
+                <adec:decorative xmlns:adec="http://schemas.microsoft.com/office/drawing/2017/decorative" val="1"/>
+              </a:ext>
+            </a:extLst>
+          </p:cNvPr>
+          <p:cNvSpPr>
+            <a:spLocks noGrp="1" noRot="1" noChangeAspect="1" noMove="1" noResize="1" noEditPoints="1" noAdjustHandles="1" noChangeArrowheads="1" noChangeShapeType="1" noTextEdit="1"/>
+          </p:cNvSpPr>
+          <p:nvPr>
+            <p:extLst>
+              <p:ext uri="{386F3935-93C4-4BCD-93E2-E3B085C9AB24}">
+                <p16:designElem xmlns:p16="http://schemas.microsoft.com/office/powerpoint/2015/main" val="1"/>
+              </p:ext>
+            </p:extLst>
+          </p:nvPr>
+        </p:nvSpPr>
+        <p:spPr bwMode="auto">
+          <a:xfrm>
+            <a:off x="11784012" y="643466"/>
+            <a:ext cx="407988" cy="819150"/>
+          </a:xfrm>
+          <a:custGeom>
+            <a:avLst/>
+            <a:gdLst/>
+            <a:ahLst/>
+            <a:cxnLst/>
+            <a:rect l="0" t="0" r="r" b="b"/>
+            <a:pathLst>
+              <a:path w="1799" h="3612">
+                <a:moveTo>
+                  <a:pt x="1799" y="0"/>
+                </a:moveTo>
+                <a:lnTo>
+                  <a:pt x="1799" y="3612"/>
+                </a:lnTo>
+                <a:lnTo>
+                  <a:pt x="1686" y="3609"/>
+                </a:lnTo>
+                <a:lnTo>
+                  <a:pt x="1574" y="3598"/>
+                </a:lnTo>
+                <a:lnTo>
+                  <a:pt x="1464" y="3581"/>
+                </a:lnTo>
+                <a:lnTo>
+                  <a:pt x="1357" y="3557"/>
+                </a:lnTo>
+                <a:lnTo>
+                  <a:pt x="1251" y="3527"/>
+                </a:lnTo>
+                <a:lnTo>
+                  <a:pt x="1150" y="3490"/>
+                </a:lnTo>
+                <a:lnTo>
+                  <a:pt x="1050" y="3448"/>
+                </a:lnTo>
+                <a:lnTo>
+                  <a:pt x="953" y="3401"/>
+                </a:lnTo>
+                <a:lnTo>
+                  <a:pt x="860" y="3347"/>
+                </a:lnTo>
+                <a:lnTo>
+                  <a:pt x="771" y="3289"/>
+                </a:lnTo>
+                <a:lnTo>
+                  <a:pt x="686" y="3224"/>
+                </a:lnTo>
+                <a:lnTo>
+                  <a:pt x="604" y="3156"/>
+                </a:lnTo>
+                <a:lnTo>
+                  <a:pt x="527" y="3083"/>
+                </a:lnTo>
+                <a:lnTo>
+                  <a:pt x="454" y="3005"/>
+                </a:lnTo>
+                <a:lnTo>
+                  <a:pt x="386" y="2923"/>
+                </a:lnTo>
+                <a:lnTo>
+                  <a:pt x="323" y="2838"/>
+                </a:lnTo>
+                <a:lnTo>
+                  <a:pt x="265" y="2748"/>
+                </a:lnTo>
+                <a:lnTo>
+                  <a:pt x="211" y="2655"/>
+                </a:lnTo>
+                <a:lnTo>
+                  <a:pt x="163" y="2559"/>
+                </a:lnTo>
+                <a:lnTo>
+                  <a:pt x="121" y="2459"/>
+                </a:lnTo>
+                <a:lnTo>
+                  <a:pt x="85" y="2356"/>
+                </a:lnTo>
+                <a:lnTo>
+                  <a:pt x="55" y="2251"/>
+                </a:lnTo>
+                <a:lnTo>
+                  <a:pt x="32" y="2143"/>
+                </a:lnTo>
+                <a:lnTo>
+                  <a:pt x="14" y="2033"/>
+                </a:lnTo>
+                <a:lnTo>
+                  <a:pt x="4" y="1920"/>
+                </a:lnTo>
+                <a:lnTo>
+                  <a:pt x="0" y="1806"/>
+                </a:lnTo>
+                <a:lnTo>
+                  <a:pt x="4" y="1692"/>
+                </a:lnTo>
+                <a:lnTo>
+                  <a:pt x="14" y="1580"/>
+                </a:lnTo>
+                <a:lnTo>
+                  <a:pt x="32" y="1469"/>
+                </a:lnTo>
+                <a:lnTo>
+                  <a:pt x="55" y="1362"/>
+                </a:lnTo>
+                <a:lnTo>
+                  <a:pt x="85" y="1256"/>
+                </a:lnTo>
+                <a:lnTo>
+                  <a:pt x="121" y="1154"/>
+                </a:lnTo>
+                <a:lnTo>
+                  <a:pt x="163" y="1054"/>
+                </a:lnTo>
+                <a:lnTo>
+                  <a:pt x="211" y="958"/>
+                </a:lnTo>
+                <a:lnTo>
+                  <a:pt x="265" y="864"/>
+                </a:lnTo>
+                <a:lnTo>
+                  <a:pt x="323" y="774"/>
+                </a:lnTo>
+                <a:lnTo>
+                  <a:pt x="386" y="689"/>
+                </a:lnTo>
+                <a:lnTo>
+                  <a:pt x="454" y="607"/>
+                </a:lnTo>
+                <a:lnTo>
+                  <a:pt x="527" y="529"/>
+                </a:lnTo>
+                <a:lnTo>
+                  <a:pt x="604" y="456"/>
+                </a:lnTo>
+                <a:lnTo>
+                  <a:pt x="686" y="388"/>
+                </a:lnTo>
+                <a:lnTo>
+                  <a:pt x="771" y="325"/>
+                </a:lnTo>
+                <a:lnTo>
+                  <a:pt x="860" y="266"/>
+                </a:lnTo>
+                <a:lnTo>
+                  <a:pt x="953" y="212"/>
+                </a:lnTo>
+                <a:lnTo>
+                  <a:pt x="1050" y="164"/>
+                </a:lnTo>
+                <a:lnTo>
+                  <a:pt x="1150" y="122"/>
+                </a:lnTo>
+                <a:lnTo>
+                  <a:pt x="1251" y="85"/>
+                </a:lnTo>
+                <a:lnTo>
+                  <a:pt x="1357" y="55"/>
+                </a:lnTo>
+                <a:lnTo>
+                  <a:pt x="1464" y="32"/>
+                </a:lnTo>
+                <a:lnTo>
+                  <a:pt x="1574" y="14"/>
+                </a:lnTo>
+                <a:lnTo>
+                  <a:pt x="1686" y="5"/>
+                </a:lnTo>
+                <a:lnTo>
+                  <a:pt x="1799" y="0"/>
+                </a:lnTo>
+                <a:close/>
+              </a:path>
+            </a:pathLst>
+          </a:custGeom>
+          <a:solidFill>
+            <a:schemeClr val="tx2"/>
+          </a:solidFill>
+          <a:ln w="0">
+            <a:noFill/>
+            <a:prstDash val="solid"/>
+            <a:round/>
+            <a:headEnd/>
+            <a:tailEnd/>
+          </a:ln>
+        </p:spPr>
+      </p:sp>
+      <p:sp>
+        <p:nvSpPr>
+          <p:cNvPr id="8" name="Title 1">
+            <a:extLst>
+              <a:ext uri="{FF2B5EF4-FFF2-40B4-BE49-F238E27FC236}">
+                <a16:creationId xmlns:a16="http://schemas.microsoft.com/office/drawing/2014/main" id="{87CC1C8C-6D24-4373-8CC6-23C7A3902929}"/>
+              </a:ext>
+            </a:extLst>
+          </p:cNvPr>
+          <p:cNvSpPr txBox="1">
+            <a:spLocks/>
+          </p:cNvSpPr>
+          <p:nvPr/>
+        </p:nvSpPr>
+        <p:spPr>
+          <a:xfrm>
+            <a:off x="873940" y="4929140"/>
+            <a:ext cx="6136461" cy="948855"/>
+          </a:xfrm>
+          <a:prstGeom prst="rect">
+            <a:avLst/>
+          </a:prstGeom>
+        </p:spPr>
+        <p:txBody>
+          <a:bodyPr vert="horz" lIns="91440" tIns="45720" rIns="91440" bIns="45720" rtlCol="0" anchor="ctr">
+            <a:normAutofit/>
+          </a:bodyPr>
+          <a:lstStyle>
+            <a:lvl1pPr algn="r" defTabSz="914400" rtl="0" eaLnBrk="1" latinLnBrk="0" hangingPunct="1">
+              <a:lnSpc>
+                <a:spcPct val="90000"/>
+              </a:lnSpc>
+              <a:spcBef>
+                <a:spcPct val="0"/>
+              </a:spcBef>
+              <a:buNone/>
+              <a:defRPr sz="5000" b="0" i="1" kern="1200" baseline="0">
+                <a:solidFill>
+                  <a:schemeClr val="tx1">
+                    <a:lumMod val="85000"/>
+                    <a:lumOff val="15000"/>
+                  </a:schemeClr>
+                </a:solidFill>
+                <a:latin typeface="+mj-lt"/>
+                <a:ea typeface="+mj-ea"/>
+                <a:cs typeface="+mj-cs"/>
+              </a:defRPr>
+            </a:lvl1pPr>
+          </a:lstStyle>
+          <a:p>
+            <a:pPr algn="l">
+              <a:spcAft>
+                <a:spcPts val="600"/>
+              </a:spcAft>
+            </a:pPr>
+            <a:r>
+              <a:rPr lang="en-GB" sz="2900" dirty="0">
+                <a:solidFill>
+                  <a:schemeClr val="bg2"/>
+                </a:solidFill>
+              </a:rPr>
+              <a:t>Extractive Text Summarization Using Deep Learning</a:t>
+            </a:r>
+            <a:endParaRPr lang="en-US" sz="2900" dirty="0">
+              <a:solidFill>
+                <a:schemeClr val="bg2"/>
+              </a:solidFill>
+            </a:endParaRPr>
+          </a:p>
+        </p:txBody>
+      </p:sp>
+    </p:spTree>
+    <p:extLst>
+      <p:ext uri="{BB962C8B-B14F-4D97-AF65-F5344CB8AC3E}">
+        <p14:creationId xmlns:p14="http://schemas.microsoft.com/office/powerpoint/2010/main" val="1656765069"/>
+      </p:ext>
+    </p:extLst>
+  </p:cSld>
+  <p:clrMapOvr>
+    <a:overrideClrMapping bg1="dk1" tx1="lt1" bg2="dk2" tx2="lt2" accent1="accent1" accent2="accent2" accent3="accent3" accent4="accent4" accent5="accent5" accent6="accent6" hlink="hlink" folHlink="folHlink"/>
+  </p:clrMapOvr>
+</p:sld>
+</file>
+
+<file path=ppt/slides/slide9.xml><?xml version="1.0" encoding="utf-8"?>
+<p:sld xmlns:a="http://schemas.openxmlformats.org/drawingml/2006/main" xmlns:r="http://schemas.openxmlformats.org/officeDocument/2006/relationships" xmlns:p="http://schemas.openxmlformats.org/presentationml/2006/main">
+  <p:cSld>
+    <p:spTree>
+      <p:nvGrpSpPr>
+        <p:cNvPr id="1" name=""/>
+        <p:cNvGrpSpPr/>
+        <p:nvPr/>
+      </p:nvGrpSpPr>
+      <p:grpSpPr>
+        <a:xfrm>
+          <a:off x="0" y="0"/>
+          <a:ext cx="0" cy="0"/>
+          <a:chOff x="0" y="0"/>
+          <a:chExt cx="0" cy="0"/>
+        </a:xfrm>
+      </p:grpSpPr>
+      <p:sp>
+        <p:nvSpPr>
+          <p:cNvPr id="2" name="Title 1">
+            <a:extLst>
+              <a:ext uri="{FF2B5EF4-FFF2-40B4-BE49-F238E27FC236}">
+                <a16:creationId xmlns:a16="http://schemas.microsoft.com/office/drawing/2014/main" id="{C667FED1-4ED9-4FD9-90A4-491D802E3D08}"/>
+              </a:ext>
+            </a:extLst>
+          </p:cNvPr>
+          <p:cNvSpPr>
+            <a:spLocks noGrp="1"/>
+          </p:cNvSpPr>
+          <p:nvPr>
+            <p:ph type="title"/>
+          </p:nvPr>
+        </p:nvSpPr>
+        <p:spPr>
+          <a:xfrm>
+            <a:off x="762000" y="559678"/>
+            <a:ext cx="3833906" cy="1452002"/>
+          </a:xfrm>
+        </p:spPr>
+        <p:txBody>
+          <a:bodyPr/>
+          <a:lstStyle/>
+          <a:p>
+            <a:endParaRPr lang="en-GB" dirty="0"/>
+          </a:p>
+        </p:txBody>
+      </p:sp>
+      <p:sp>
+        <p:nvSpPr>
+          <p:cNvPr id="3" name="Content Placeholder 2">
+            <a:extLst>
+              <a:ext uri="{FF2B5EF4-FFF2-40B4-BE49-F238E27FC236}">
+                <a16:creationId xmlns:a16="http://schemas.microsoft.com/office/drawing/2014/main" id="{3087F47A-448A-4EB2-87D5-8C4854653C70}"/>
+              </a:ext>
+            </a:extLst>
+          </p:cNvPr>
+          <p:cNvSpPr>
+            <a:spLocks noGrp="1"/>
+          </p:cNvSpPr>
+          <p:nvPr>
+            <p:ph idx="1"/>
+          </p:nvPr>
+        </p:nvSpPr>
+        <p:spPr>
+          <a:xfrm>
+            <a:off x="762000" y="2282727"/>
+            <a:ext cx="3833906" cy="3470959"/>
+          </a:xfrm>
+        </p:spPr>
+        <p:txBody>
+          <a:bodyPr/>
+          <a:lstStyle/>
+          <a:p>
+            <a:endParaRPr lang="en-GB" dirty="0"/>
+          </a:p>
+        </p:txBody>
+      </p:sp>
+    </p:spTree>
+    <p:extLst>
+      <p:ext uri="{BB962C8B-B14F-4D97-AF65-F5344CB8AC3E}">
+        <p14:creationId xmlns:p14="http://schemas.microsoft.com/office/powerpoint/2010/main" val="2076463131"/>
       </p:ext>
     </p:extLst>
   </p:cSld>
@@ -3750,9 +7717,9 @@
 </file>
 
 <file path=ppt/theme/theme1.xml><?xml version="1.0" encoding="utf-8"?>
-<a:theme xmlns:a="http://schemas.openxmlformats.org/drawingml/2006/main" name="Office Theme">
+<a:theme xmlns:a="http://schemas.openxmlformats.org/drawingml/2006/main" name="Headlines">
   <a:themeElements>
-    <a:clrScheme name="Office">
+    <a:clrScheme name="Headlines">
       <a:dk1>
         <a:sysClr val="windowText" lastClr="000000"/>
       </a:dk1>
@@ -3760,52 +7727,52 @@
         <a:sysClr val="window" lastClr="FFFFFF"/>
       </a:lt1>
       <a:dk2>
-        <a:srgbClr val="44546A"/>
+        <a:srgbClr val="1D1A1D"/>
       </a:dk2>
       <a:lt2>
-        <a:srgbClr val="E7E6E6"/>
+        <a:srgbClr val="F5F5F5"/>
       </a:lt2>
       <a:accent1>
-        <a:srgbClr val="4472C4"/>
+        <a:srgbClr val="439EB7"/>
       </a:accent1>
       <a:accent2>
-        <a:srgbClr val="ED7D31"/>
+        <a:srgbClr val="E28B55"/>
       </a:accent2>
       <a:accent3>
-        <a:srgbClr val="A5A5A5"/>
+        <a:srgbClr val="DCB64D"/>
       </a:accent3>
       <a:accent4>
-        <a:srgbClr val="FFC000"/>
+        <a:srgbClr val="4CA198"/>
       </a:accent4>
       <a:accent5>
-        <a:srgbClr val="5B9BD5"/>
+        <a:srgbClr val="835B82"/>
       </a:accent5>
       <a:accent6>
-        <a:srgbClr val="70AD47"/>
+        <a:srgbClr val="645135"/>
       </a:accent6>
       <a:hlink>
-        <a:srgbClr val="0563C1"/>
+        <a:srgbClr val="439EB7"/>
       </a:hlink>
       <a:folHlink>
-        <a:srgbClr val="954F72"/>
+        <a:srgbClr val="835B82"/>
       </a:folHlink>
     </a:clrScheme>
-    <a:fontScheme name="Office">
+    <a:fontScheme name="Headlines">
       <a:majorFont>
-        <a:latin typeface="Calibri Light" panose="020F0302020204030204"/>
+        <a:latin typeface="Century Schoolbook" panose="02040604050505020304"/>
         <a:ea typeface=""/>
         <a:cs typeface=""/>
-        <a:font script="Jpan" typeface="游ゴシック Light"/>
+        <a:font script="Jpan" typeface="メイリオ"/>
         <a:font script="Hang" typeface="맑은 고딕"/>
-        <a:font script="Hans" typeface="等线 Light"/>
+        <a:font script="Hans" typeface="宋体"/>
         <a:font script="Hant" typeface="新細明體"/>
-        <a:font script="Arab" typeface="Times New Roman"/>
-        <a:font script="Hebr" typeface="Times New Roman"/>
-        <a:font script="Thai" typeface="Angsana New"/>
+        <a:font script="Arab" typeface="Tahoma"/>
+        <a:font script="Hebr" typeface="Gisha"/>
+        <a:font script="Thai" typeface="DilleniaUPC"/>
         <a:font script="Ethi" typeface="Nyala"/>
         <a:font script="Beng" typeface="Vrinda"/>
         <a:font script="Gujr" typeface="Shruti"/>
-        <a:font script="Khmr" typeface="MoolBoran"/>
+        <a:font script="Khmr" typeface="DaunPenh"/>
         <a:font script="Knda" typeface="Tunga"/>
         <a:font script="Guru" typeface="Raavi"/>
         <a:font script="Cans" typeface="Euphemia"/>
@@ -3822,38 +7789,21 @@
         <a:font script="Laoo" typeface="DokChampa"/>
         <a:font script="Sinh" typeface="Iskoola Pota"/>
         <a:font script="Mong" typeface="Mongolian Baiti"/>
-        <a:font script="Viet" typeface="Times New Roman"/>
+        <a:font script="Viet" typeface="Tahoma"/>
         <a:font script="Uigh" typeface="Microsoft Uighur"/>
         <a:font script="Geor" typeface="Sylfaen"/>
-        <a:font script="Armn" typeface="Arial"/>
-        <a:font script="Bugi" typeface="Leelawadee UI"/>
-        <a:font script="Bopo" typeface="Microsoft JhengHei"/>
-        <a:font script="Java" typeface="Javanese Text"/>
-        <a:font script="Lisu" typeface="Segoe UI"/>
-        <a:font script="Mymr" typeface="Myanmar Text"/>
-        <a:font script="Nkoo" typeface="Ebrima"/>
-        <a:font script="Olck" typeface="Nirmala UI"/>
-        <a:font script="Osma" typeface="Ebrima"/>
-        <a:font script="Phag" typeface="Phagspa"/>
-        <a:font script="Syrn" typeface="Estrangelo Edessa"/>
-        <a:font script="Syrj" typeface="Estrangelo Edessa"/>
-        <a:font script="Syre" typeface="Estrangelo Edessa"/>
-        <a:font script="Sora" typeface="Nirmala UI"/>
-        <a:font script="Tale" typeface="Microsoft Tai Le"/>
-        <a:font script="Talu" typeface="Microsoft New Tai Lue"/>
-        <a:font script="Tfng" typeface="Ebrima"/>
       </a:majorFont>
       <a:minorFont>
-        <a:latin typeface="Calibri" panose="020F0502020204030204"/>
+        <a:latin typeface="Corbel" panose="020B0503020204020204"/>
         <a:ea typeface=""/>
         <a:cs typeface=""/>
-        <a:font script="Jpan" typeface="游ゴシック"/>
-        <a:font script="Hang" typeface="맑은 고딕"/>
-        <a:font script="Hans" typeface="等线"/>
+        <a:font script="Jpan" typeface="メイリオ"/>
+        <a:font script="Hang" typeface="HY엽서L"/>
+        <a:font script="Hans" typeface="华文楷体"/>
         <a:font script="Hant" typeface="新細明體"/>
-        <a:font script="Arab" typeface="Arial"/>
-        <a:font script="Hebr" typeface="Arial"/>
-        <a:font script="Thai" typeface="Cordia New"/>
+        <a:font script="Arab" typeface="Tahoma"/>
+        <a:font script="Hebr" typeface="Miriam"/>
+        <a:font script="Thai" typeface="DilleniaUPC"/>
         <a:font script="Ethi" typeface="Nyala"/>
         <a:font script="Beng" typeface="Vrinda"/>
         <a:font script="Gujr" typeface="Shruti"/>
@@ -3877,104 +7827,68 @@
         <a:font script="Viet" typeface="Arial"/>
         <a:font script="Uigh" typeface="Microsoft Uighur"/>
         <a:font script="Geor" typeface="Sylfaen"/>
-        <a:font script="Armn" typeface="Arial"/>
-        <a:font script="Bugi" typeface="Leelawadee UI"/>
-        <a:font script="Bopo" typeface="Microsoft JhengHei"/>
-        <a:font script="Java" typeface="Javanese Text"/>
-        <a:font script="Lisu" typeface="Segoe UI"/>
-        <a:font script="Mymr" typeface="Myanmar Text"/>
-        <a:font script="Nkoo" typeface="Ebrima"/>
-        <a:font script="Olck" typeface="Nirmala UI"/>
-        <a:font script="Osma" typeface="Ebrima"/>
-        <a:font script="Phag" typeface="Phagspa"/>
-        <a:font script="Syrn" typeface="Estrangelo Edessa"/>
-        <a:font script="Syrj" typeface="Estrangelo Edessa"/>
-        <a:font script="Syre" typeface="Estrangelo Edessa"/>
-        <a:font script="Sora" typeface="Nirmala UI"/>
-        <a:font script="Tale" typeface="Microsoft Tai Le"/>
-        <a:font script="Talu" typeface="Microsoft New Tai Lue"/>
-        <a:font script="Tfng" typeface="Ebrima"/>
       </a:minorFont>
     </a:fontScheme>
-    <a:fmtScheme name="Office">
+    <a:fmtScheme name="Headlines">
       <a:fillStyleLst>
         <a:solidFill>
           <a:schemeClr val="phClr"/>
+        </a:solidFill>
+        <a:solidFill>
+          <a:schemeClr val="phClr">
+            <a:tint val="67000"/>
+            <a:satMod val="105000"/>
+          </a:schemeClr>
         </a:solidFill>
         <a:gradFill rotWithShape="1">
           <a:gsLst>
             <a:gs pos="0">
               <a:schemeClr val="phClr">
-                <a:lumMod val="110000"/>
-                <a:satMod val="105000"/>
-                <a:tint val="67000"/>
+                <a:tint val="100000"/>
+                <a:satMod val="103000"/>
+                <a:lumMod val="102000"/>
               </a:schemeClr>
             </a:gs>
             <a:gs pos="50000">
               <a:schemeClr val="phClr">
-                <a:lumMod val="105000"/>
-                <a:satMod val="103000"/>
-                <a:tint val="73000"/>
+                <a:shade val="100000"/>
+                <a:satMod val="110000"/>
+                <a:lumMod val="100000"/>
               </a:schemeClr>
             </a:gs>
             <a:gs pos="100000">
               <a:schemeClr val="phClr">
-                <a:lumMod val="105000"/>
-                <a:satMod val="109000"/>
-                <a:tint val="81000"/>
+                <a:shade val="70000"/>
+                <a:satMod val="120000"/>
+                <a:lumMod val="99000"/>
               </a:schemeClr>
             </a:gs>
           </a:gsLst>
-          <a:lin ang="5400000" scaled="0"/>
-        </a:gradFill>
-        <a:gradFill rotWithShape="1">
-          <a:gsLst>
-            <a:gs pos="0">
-              <a:schemeClr val="phClr">
-                <a:satMod val="103000"/>
-                <a:lumMod val="102000"/>
-                <a:tint val="94000"/>
-              </a:schemeClr>
-            </a:gs>
-            <a:gs pos="50000">
-              <a:schemeClr val="phClr">
-                <a:satMod val="110000"/>
-                <a:lumMod val="100000"/>
-                <a:shade val="100000"/>
-              </a:schemeClr>
-            </a:gs>
-            <a:gs pos="100000">
-              <a:schemeClr val="phClr">
-                <a:lumMod val="99000"/>
-                <a:satMod val="120000"/>
-                <a:shade val="78000"/>
-              </a:schemeClr>
-            </a:gs>
-          </a:gsLst>
-          <a:lin ang="5400000" scaled="0"/>
+          <a:path path="circle">
+            <a:fillToRect l="100000" t="100000" r="100000" b="100000"/>
+          </a:path>
         </a:gradFill>
       </a:fillStyleLst>
       <a:lnStyleLst>
-        <a:ln w="6350" cap="flat" cmpd="sng" algn="ctr">
+        <a:ln w="6350" cap="flat" cmpd="sng" algn="in">
           <a:solidFill>
             <a:schemeClr val="phClr"/>
           </a:solidFill>
           <a:prstDash val="solid"/>
-          <a:miter lim="800000"/>
         </a:ln>
-        <a:ln w="12700" cap="flat" cmpd="sng" algn="ctr">
+        <a:ln w="12700" cap="flat" cmpd="sng" algn="in">
           <a:solidFill>
             <a:schemeClr val="phClr"/>
           </a:solidFill>
           <a:prstDash val="solid"/>
-          <a:miter lim="800000"/>
         </a:ln>
-        <a:ln w="19050" cap="flat" cmpd="sng" algn="ctr">
+        <a:ln w="19050" cap="flat" cmpd="sng" algn="in">
           <a:solidFill>
-            <a:schemeClr val="phClr"/>
+            <a:schemeClr val="phClr">
+              <a:satMod val="150000"/>
+            </a:schemeClr>
           </a:solidFill>
           <a:prstDash val="solid"/>
-          <a:miter lim="800000"/>
         </a:ln>
       </a:lnStyleLst>
       <a:effectStyleLst>
@@ -3986,9 +7900,14 @@
         </a:effectStyle>
         <a:effectStyle>
           <a:effectLst>
-            <a:outerShdw blurRad="57150" dist="19050" dir="5400000" algn="ctr" rotWithShape="0">
+            <a:innerShdw blurRad="88900" dist="25400" dir="10800000">
               <a:srgbClr val="000000">
-                <a:alpha val="63000"/>
+                <a:alpha val="25000"/>
+              </a:srgbClr>
+            </a:innerShdw>
+            <a:outerShdw blurRad="25400" dist="25400" dir="5400000" rotWithShape="0">
+              <a:srgbClr val="FFFFFF">
+                <a:alpha val="10000"/>
               </a:srgbClr>
             </a:outerShdw>
           </a:effectLst>
@@ -4009,16 +7928,16 @@
             <a:gs pos="0">
               <a:schemeClr val="phClr">
                 <a:tint val="93000"/>
+                <a:shade val="98000"/>
                 <a:satMod val="150000"/>
-                <a:shade val="98000"/>
                 <a:lumMod val="102000"/>
               </a:schemeClr>
             </a:gs>
             <a:gs pos="50000">
               <a:schemeClr val="phClr">
                 <a:tint val="98000"/>
+                <a:shade val="90000"/>
                 <a:satMod val="130000"/>
-                <a:shade val="90000"/>
                 <a:lumMod val="103000"/>
               </a:schemeClr>
             </a:gs>
@@ -4038,7 +7957,7 @@
   <a:extraClrSchemeLst/>
   <a:extLst>
     <a:ext uri="{05A4C25C-085E-4340-85A3-A5531E510DB2}">
-      <thm15:themeFamily xmlns:thm15="http://schemas.microsoft.com/office/thememl/2012/main" name="Office Theme" id="{62F939B6-93AF-4DB8-9C6B-D6C7DFDC589F}" vid="{4A3C46E8-61CC-4603-A589-7422A47A8E4A}"/>
+      <thm15:themeFamily xmlns:thm15="http://schemas.microsoft.com/office/thememl/2012/main" name="Headlines" id="{3841520A-25F2-4EB8-BE4C-611DB5ABEED9}" vid="{ECD25A4C-D97E-4C12-84B1-63580BFFAEEB}"/>
     </a:ext>
   </a:extLst>
 </a:theme>
